--- a/BCI - Day8 - Hyperledger 1 Intro.pptx
+++ b/BCI - Day8 - Hyperledger 1 Intro.pptx
@@ -13,17 +13,31 @@
     <p:sldId id="1815" r:id="rId6"/>
     <p:sldId id="1551" r:id="rId7"/>
     <p:sldId id="1825" r:id="rId8"/>
-    <p:sldId id="1824" r:id="rId9"/>
-    <p:sldId id="1816" r:id="rId10"/>
-    <p:sldId id="1817" r:id="rId11"/>
-    <p:sldId id="1818" r:id="rId12"/>
-    <p:sldId id="1819" r:id="rId13"/>
-    <p:sldId id="1820" r:id="rId14"/>
-    <p:sldId id="1821" r:id="rId15"/>
-    <p:sldId id="1822" r:id="rId16"/>
-    <p:sldId id="1823" r:id="rId17"/>
-    <p:sldId id="1835" r:id="rId18"/>
-    <p:sldId id="1836" r:id="rId19"/>
+    <p:sldId id="1817" r:id="rId9"/>
+    <p:sldId id="1818" r:id="rId10"/>
+    <p:sldId id="1824" r:id="rId11"/>
+    <p:sldId id="1863" r:id="rId12"/>
+    <p:sldId id="1821" r:id="rId13"/>
+    <p:sldId id="1822" r:id="rId14"/>
+    <p:sldId id="1823" r:id="rId15"/>
+    <p:sldId id="1864" r:id="rId16"/>
+    <p:sldId id="1835" r:id="rId17"/>
+    <p:sldId id="1853" r:id="rId18"/>
+    <p:sldId id="1854" r:id="rId19"/>
+    <p:sldId id="1858" r:id="rId20"/>
+    <p:sldId id="1857" r:id="rId21"/>
+    <p:sldId id="1859" r:id="rId22"/>
+    <p:sldId id="1856" r:id="rId23"/>
+    <p:sldId id="1855" r:id="rId24"/>
+    <p:sldId id="1860" r:id="rId25"/>
+    <p:sldId id="1836" r:id="rId26"/>
+    <p:sldId id="1861" r:id="rId27"/>
+    <p:sldId id="1862" r:id="rId28"/>
+    <p:sldId id="1866" r:id="rId29"/>
+    <p:sldId id="1867" r:id="rId30"/>
+    <p:sldId id="1868" r:id="rId31"/>
+    <p:sldId id="1869" r:id="rId32"/>
+    <p:sldId id="1870" r:id="rId33"/>
   </p:sldIdLst>
   <p:sldSz cx="9144000" cy="6858000" type="screen4x3"/>
   <p:notesSz cx="7315200" cy="9601200"/>
@@ -7353,7 +7367,7 @@
                   <a:srgbClr val="262626"/>
                 </a:solidFill>
               </a:rPr>
-              <a:t>Smart contract or chaincode services: Chaincode is an application-level code stored on the ledger as a part of a transaction. Chaincode runs transactions that may modify the world state. Transaction logic is written as chaincode (in the Go or JavaScript languages), and executes in secure Docker containers. The transaction transforms data, scoped by chaincode on the channel from which it operates.</a:t>
+              <a:t>Ordering and Transactions</a:t>
             </a:r>
             <a:endParaRPr lang="en-US" altLang="en-US" sz="1800" dirty="0">
               <a:solidFill>
@@ -7361,28 +7375,56 @@
               </a:solidFill>
             </a:endParaRPr>
           </a:p>
-          <a:p>
-            <a:pPr defTabSz="342900">
-              <a:lnSpc>
-                <a:spcPct val="120000"/>
-              </a:lnSpc>
-            </a:pPr>
-            <a:r>
-              <a:rPr lang="en-US" altLang="en-US" sz="1800" dirty="0">
-                <a:solidFill>
-                  <a:srgbClr val="262626"/>
-                </a:solidFill>
-              </a:rPr>
-              <a:t>Events: The process of validating peers and chaincodes can produce events (pre-defined events and custom events generated by chaincode) on the network that applications may listen for and take actions on. These events are consumed by event adapters, which may further deliver events using vehicles such as WebHooks or Kafka. Fabric-committing peers provide an event stream to publish events to registered listeners. As of v1.0, the only events that get published are Block events. A Block event gets published whenever the committing peer adds a validated block to the ledger:</a:t>
-            </a:r>
-            <a:endParaRPr lang="en-US" altLang="en-US" sz="1800" dirty="0">
-              <a:solidFill>
-                <a:srgbClr val="262626"/>
-              </a:solidFill>
-            </a:endParaRPr>
-          </a:p>
         </p:txBody>
       </p:sp>
+      <p:pic>
+        <p:nvPicPr>
+          <p:cNvPr id="4" name="图片 3"/>
+          <p:cNvPicPr>
+            <a:picLocks noChangeAspect="1"/>
+          </p:cNvPicPr>
+          <p:nvPr/>
+        </p:nvPicPr>
+        <p:blipFill>
+          <a:blip r:embed="rId1"/>
+          <a:stretch>
+            <a:fillRect/>
+          </a:stretch>
+        </p:blipFill>
+        <p:spPr>
+          <a:xfrm>
+            <a:off x="1109345" y="1338580"/>
+            <a:ext cx="6924675" cy="2628900"/>
+          </a:xfrm>
+          <a:prstGeom prst="rect">
+            <a:avLst/>
+          </a:prstGeom>
+        </p:spPr>
+      </p:pic>
+      <p:pic>
+        <p:nvPicPr>
+          <p:cNvPr id="5" name="图片 4"/>
+          <p:cNvPicPr>
+            <a:picLocks noChangeAspect="1"/>
+          </p:cNvPicPr>
+          <p:nvPr/>
+        </p:nvPicPr>
+        <p:blipFill>
+          <a:blip r:embed="rId2"/>
+          <a:stretch>
+            <a:fillRect/>
+          </a:stretch>
+        </p:blipFill>
+        <p:spPr>
+          <a:xfrm>
+            <a:off x="1261745" y="4343400"/>
+            <a:ext cx="6772275" cy="2514600"/>
+          </a:xfrm>
+          <a:prstGeom prst="rect">
+            <a:avLst/>
+          </a:prstGeom>
+        </p:spPr>
+      </p:pic>
     </p:spTree>
   </p:cSld>
   <p:clrMapOvr>
@@ -7435,6 +7477,7 @@
               <a:rPr lang="en-US" sz="3200" b="1" dirty="0">
                 <a:latin typeface="Calibri" panose="020F0502020204030204" pitchFamily="34" charset="0"/>
                 <a:cs typeface="Calibri" panose="020F0502020204030204" pitchFamily="34" charset="0"/>
+                <a:sym typeface="+mn-ea"/>
               </a:rPr>
               <a:t>Architeture Explanation</a:t>
             </a:r>
@@ -7445,109 +7488,32 @@
           </a:p>
         </p:txBody>
       </p:sp>
-      <p:sp>
-        <p:nvSpPr>
-          <p:cNvPr id="3" name="Content Placeholder 2"/>
-          <p:cNvSpPr>
-            <a:spLocks noGrp="1"/>
-          </p:cNvSpPr>
+      <p:pic>
+        <p:nvPicPr>
+          <p:cNvPr id="5" name="内容占位符 4"/>
+          <p:cNvPicPr>
+            <a:picLocks noChangeAspect="1"/>
+          </p:cNvPicPr>
           <p:nvPr>
             <p:ph idx="1"/>
           </p:nvPr>
-        </p:nvSpPr>
+        </p:nvPicPr>
+        <p:blipFill>
+          <a:blip r:embed="rId1"/>
+          <a:stretch>
+            <a:fillRect/>
+          </a:stretch>
+        </p:blipFill>
         <p:spPr>
           <a:xfrm>
-            <a:off x="628650" y="989044"/>
-            <a:ext cx="7886700" cy="5605719"/>
+            <a:off x="0" y="1319530"/>
+            <a:ext cx="9154160" cy="4732655"/>
           </a:xfrm>
+          <a:prstGeom prst="rect">
+            <a:avLst/>
+          </a:prstGeom>
         </p:spPr>
-        <p:txBody>
-          <a:bodyPr>
-            <a:normAutofit/>
-          </a:bodyPr>
-          <a:lstStyle/>
-          <a:p>
-            <a:pPr defTabSz="342900">
-              <a:lnSpc>
-                <a:spcPct val="120000"/>
-              </a:lnSpc>
-            </a:pPr>
-            <a:r>
-              <a:rPr lang="en-US" altLang="en-US" sz="1800" dirty="0">
-                <a:solidFill>
-                  <a:srgbClr val="262626"/>
-                </a:solidFill>
-              </a:rPr>
-              <a:t>Consensus: Consensus is at the heart of any blockchain system. It also enables a trust system. In general, the consensus service enables digitally signed transactions to be proposed and validated by network members. In Hyperledger Fabric, the consensus is pluggable and tightly linked to the endorse-order-validation model that Hyperledger proposes. The ordering services in Hyperledger Fabric represent the consensus system. The ordering service batches multiple transactions into blocks and outputs a hash-chained sequence of blocks containing transactions. </a:t>
-            </a:r>
-            <a:endParaRPr lang="en-US" altLang="en-US" sz="1800" dirty="0">
-              <a:solidFill>
-                <a:srgbClr val="262626"/>
-              </a:solidFill>
-            </a:endParaRPr>
-          </a:p>
-          <a:p>
-            <a:pPr defTabSz="342900">
-              <a:lnSpc>
-                <a:spcPct val="120000"/>
-              </a:lnSpc>
-            </a:pPr>
-            <a:r>
-              <a:rPr lang="en-US" altLang="en-US" sz="1800" dirty="0">
-                <a:solidFill>
-                  <a:srgbClr val="262626"/>
-                </a:solidFill>
-              </a:rPr>
-              <a:t>Ledger: Another component is a distributed encrypted ledger, including an append-only data store. This provides the ability to query and write data across distributed ledgers. There are two options: </a:t>
-            </a:r>
-            <a:endParaRPr lang="en-US" altLang="en-US" sz="1800" dirty="0">
-              <a:solidFill>
-                <a:srgbClr val="262626"/>
-              </a:solidFill>
-            </a:endParaRPr>
-          </a:p>
-          <a:p>
-            <a:pPr lvl="1" defTabSz="342900">
-              <a:lnSpc>
-                <a:spcPct val="120000"/>
-              </a:lnSpc>
-            </a:pPr>
-            <a:r>
-              <a:rPr lang="en-US" altLang="en-US" sz="1540" dirty="0">
-                <a:solidFill>
-                  <a:srgbClr val="262626"/>
-                </a:solidFill>
-              </a:rPr>
-              <a:t>Level DB (default embedded KV DB) supports keyed queries, composite key queries, and key range queries </a:t>
-            </a:r>
-            <a:endParaRPr lang="en-US" altLang="en-US" sz="1540" dirty="0">
-              <a:solidFill>
-                <a:srgbClr val="262626"/>
-              </a:solidFill>
-            </a:endParaRPr>
-          </a:p>
-          <a:p>
-            <a:pPr lvl="1" defTabSz="342900">
-              <a:lnSpc>
-                <a:spcPct val="120000"/>
-              </a:lnSpc>
-            </a:pPr>
-            <a:r>
-              <a:rPr lang="en-US" altLang="en-US" sz="1540" dirty="0">
-                <a:solidFill>
-                  <a:srgbClr val="262626"/>
-                </a:solidFill>
-              </a:rPr>
-              <a:t>Couch DB (external option) supports keyed queries, composite key queries, key range queries, plus full data rich queries</a:t>
-            </a:r>
-            <a:endParaRPr lang="en-US" altLang="en-US" sz="1540" dirty="0">
-              <a:solidFill>
-                <a:srgbClr val="262626"/>
-              </a:solidFill>
-            </a:endParaRPr>
-          </a:p>
-        </p:txBody>
-      </p:sp>
+      </p:pic>
     </p:spTree>
   </p:cSld>
   <p:clrMapOvr>
@@ -7600,6 +7566,7 @@
               <a:rPr lang="en-US" sz="3200" b="1" dirty="0">
                 <a:latin typeface="Calibri" panose="020F0502020204030204" pitchFamily="34" charset="0"/>
                 <a:cs typeface="Calibri" panose="020F0502020204030204" pitchFamily="34" charset="0"/>
+                <a:sym typeface="+mn-ea"/>
               </a:rPr>
               <a:t>Architeture Explanation</a:t>
             </a:r>
@@ -7643,7 +7610,67 @@
                   <a:srgbClr val="262626"/>
                 </a:solidFill>
               </a:rPr>
-              <a:t>Client SDK: A client SDK enables the creation of applications that deploy and invoke transactions atop a shared ledger. The Hyperledger Fabric Reference Architecture supports both Node.js and Java SDK. A software developer kit is like a programming kit or set of tools that provide developers with the environment of libraries to write and test chaincode applications. SDKs are critical in blockchain application development and will be discussed in detail in further chapters. Specific capabilities included in the SDK are the application client, chaincode, users, events, and crypto suite.</a:t>
+              <a:t>Transaction proposal (application SDK): 1. Transaction proposal is submitted by application SDK 2. It receives a transaction proposal response back (includes ReadWrite set) post endorsement 3. It submits the transaction (includes ReadWrite set) to the ordering service </a:t>
+            </a:r>
+            <a:endParaRPr lang="en-US" altLang="en-US" sz="1800" dirty="0">
+              <a:solidFill>
+                <a:srgbClr val="262626"/>
+              </a:solidFill>
+            </a:endParaRPr>
+          </a:p>
+          <a:p>
+            <a:pPr defTabSz="342900">
+              <a:lnSpc>
+                <a:spcPct val="120000"/>
+              </a:lnSpc>
+            </a:pPr>
+            <a:r>
+              <a:rPr lang="en-US" altLang="en-US" sz="1800" dirty="0">
+                <a:solidFill>
+                  <a:srgbClr val="262626"/>
+                </a:solidFill>
+              </a:rPr>
+              <a:t>Transaction endorsement: 1. The transaction is sent to the counter-parties represented by endorsing peers on their channel 2. Each peer executes the transaction by calling the specified chaincode function and signs the result, which becomes the read-write-set of the transaction 3. Each peer may participate in multiple channels, allowing concurrent execution</a:t>
+            </a:r>
+            <a:endParaRPr lang="en-US" altLang="en-US" sz="1800" dirty="0">
+              <a:solidFill>
+                <a:srgbClr val="262626"/>
+              </a:solidFill>
+            </a:endParaRPr>
+          </a:p>
+          <a:p>
+            <a:pPr defTabSz="342900">
+              <a:lnSpc>
+                <a:spcPct val="120000"/>
+              </a:lnSpc>
+            </a:pPr>
+            <a:r>
+              <a:rPr lang="en-US" altLang="en-US" sz="1800" dirty="0">
+                <a:solidFill>
+                  <a:srgbClr val="262626"/>
+                </a:solidFill>
+              </a:rPr>
+              <a:t>Transaction submitted to the ordering service: 1. The ordering service accepts endorsed transactions and orders them according to the plug-in consensus algorithm, and then delivers them on the channel 2. Peers on the channel receive transactions and validate before committing to the ledger </a:t>
+            </a:r>
+            <a:endParaRPr lang="en-US" altLang="en-US" sz="1800" dirty="0">
+              <a:solidFill>
+                <a:srgbClr val="262626"/>
+              </a:solidFill>
+            </a:endParaRPr>
+          </a:p>
+          <a:p>
+            <a:pPr defTabSz="342900">
+              <a:lnSpc>
+                <a:spcPct val="120000"/>
+              </a:lnSpc>
+            </a:pPr>
+            <a:r>
+              <a:rPr lang="en-US" altLang="en-US" sz="1800" dirty="0">
+                <a:solidFill>
+                  <a:srgbClr val="262626"/>
+                </a:solidFill>
+              </a:rPr>
+              <a:t>Transaction validation: 1. Validates each transaction and commit block 2. Validates the endorsement policy 3. Validates ReadSet versions in state DB 4. Commits the block to blockchain 5. Commits the valid transaction to state DB</a:t>
             </a:r>
             <a:endParaRPr lang="en-US" altLang="en-US" sz="1800" dirty="0">
               <a:solidFill>
@@ -7706,24 +7733,65 @@
                 <a:latin typeface="Calibri" panose="020F0502020204030204" pitchFamily="34" charset="0"/>
                 <a:cs typeface="Calibri" panose="020F0502020204030204" pitchFamily="34" charset="0"/>
               </a:rPr>
-              <a:t>The Transaction Process</a:t>
+              <a:t>Architeture Explanation</a:t>
             </a:r>
             <a:endParaRPr lang="en-US" sz="3200" b="1" dirty="0">
               <a:latin typeface="Calibri" panose="020F0502020204030204" pitchFamily="34" charset="0"/>
               <a:cs typeface="Calibri" panose="020F0502020204030204" pitchFamily="34" charset="0"/>
+            </a:endParaRPr>
+          </a:p>
+        </p:txBody>
+      </p:sp>
+      <p:sp>
+        <p:nvSpPr>
+          <p:cNvPr id="3" name="Content Placeholder 2"/>
+          <p:cNvSpPr>
+            <a:spLocks noGrp="1"/>
+          </p:cNvSpPr>
+          <p:nvPr>
+            <p:ph idx="1"/>
+          </p:nvPr>
+        </p:nvSpPr>
+        <p:spPr>
+          <a:xfrm>
+            <a:off x="628650" y="989044"/>
+            <a:ext cx="7886700" cy="5605719"/>
+          </a:xfrm>
+        </p:spPr>
+        <p:txBody>
+          <a:bodyPr>
+            <a:normAutofit lnSpcReduction="10000"/>
+          </a:bodyPr>
+          <a:lstStyle/>
+          <a:p>
+            <a:pPr defTabSz="342900">
+              <a:lnSpc>
+                <a:spcPct val="120000"/>
+              </a:lnSpc>
+            </a:pPr>
+            <a:r>
+              <a:rPr lang="en-US" altLang="en-US" sz="1800" dirty="0">
+                <a:solidFill>
+                  <a:srgbClr val="262626"/>
+                </a:solidFill>
+              </a:rPr>
+              <a:t>Orgnaztions Peers, and Channels</a:t>
+            </a:r>
+            <a:endParaRPr lang="en-US" altLang="en-US" sz="1800" dirty="0">
+              <a:solidFill>
+                <a:srgbClr val="262626"/>
+              </a:solidFill>
             </a:endParaRPr>
           </a:p>
         </p:txBody>
       </p:sp>
       <p:pic>
         <p:nvPicPr>
-          <p:cNvPr id="5" name="内容占位符 4"/>
+          <p:cNvPr id="6" name="图片 5"/>
           <p:cNvPicPr>
             <a:picLocks noChangeAspect="1"/>
           </p:cNvPicPr>
-          <p:nvPr>
-            <p:ph idx="1"/>
-          </p:nvPr>
+          <p:nvPr/>
         </p:nvPicPr>
         <p:blipFill>
           <a:blip r:embed="rId1"/>
@@ -7733,8 +7801,8 @@
         </p:blipFill>
         <p:spPr>
           <a:xfrm>
-            <a:off x="0" y="1319530"/>
-            <a:ext cx="9154160" cy="4732655"/>
+            <a:off x="1024255" y="2196465"/>
+            <a:ext cx="7096125" cy="3190875"/>
           </a:xfrm>
           <a:prstGeom prst="rect">
             <a:avLst/>
@@ -7794,7 +7862,7 @@
                 <a:latin typeface="Calibri" panose="020F0502020204030204" pitchFamily="34" charset="0"/>
                 <a:cs typeface="Calibri" panose="020F0502020204030204" pitchFamily="34" charset="0"/>
               </a:rPr>
-              <a:t>Process Explanation</a:t>
+              <a:t>Network Demo</a:t>
             </a:r>
             <a:endParaRPr lang="en-US" sz="3200" b="1" dirty="0">
               <a:latin typeface="Calibri" panose="020F0502020204030204" pitchFamily="34" charset="0"/>
@@ -7821,7 +7889,7 @@
         </p:spPr>
         <p:txBody>
           <a:bodyPr>
-            <a:normAutofit lnSpcReduction="10000"/>
+            <a:normAutofit/>
           </a:bodyPr>
           <a:lstStyle/>
           <a:p>
@@ -7836,7 +7904,7 @@
                   <a:srgbClr val="262626"/>
                 </a:solidFill>
               </a:rPr>
-              <a:t>Transaction proposal (application SDK): 1. Transaction proposal is submitted by application SDK 2. It receives a transaction proposal response back (includes ReadWrite set) post endorsement 3. It submits the transaction (includes ReadWrite set) to the ordering service </a:t>
+              <a:t>https://hyperledger-fabric.readthedocs.io/en/release-2.2/test_network.html</a:t>
             </a:r>
             <a:endParaRPr lang="en-US" altLang="en-US" sz="1800" dirty="0">
               <a:solidFill>
@@ -7856,49 +7924,259 @@
                   <a:srgbClr val="262626"/>
                 </a:solidFill>
               </a:rPr>
-              <a:t>Transaction endorsement: 1. The transaction is sent to the counter-parties represented by endorsing peers on their channel 2. Each peer executes the transaction by calling the specified chaincode function and signs the result, which becomes the read-write-set of the transaction 3. Each peer may participate in multiple channels, allowing concurrent execution</a:t>
-            </a:r>
-            <a:endParaRPr lang="en-US" altLang="en-US" sz="1800" dirty="0">
+              <a:t>git</a:t>
+            </a:r>
+            <a:r>
+              <a:rPr lang="zh-CN" altLang="en-US" sz="1800" dirty="0">
+                <a:solidFill>
+                  <a:srgbClr val="262626"/>
+                </a:solidFill>
+              </a:rPr>
+              <a:t>，</a:t>
+            </a:r>
+            <a:r>
+              <a:rPr lang="en-US" altLang="zh-CN" sz="1800" dirty="0">
+                <a:solidFill>
+                  <a:srgbClr val="262626"/>
+                </a:solidFill>
+              </a:rPr>
+              <a:t>cURL</a:t>
+            </a:r>
+            <a:r>
+              <a:rPr lang="zh-CN" altLang="en-US" sz="1800" dirty="0">
+                <a:solidFill>
+                  <a:srgbClr val="262626"/>
+                </a:solidFill>
+              </a:rPr>
+              <a:t>：</a:t>
+            </a:r>
+            <a:endParaRPr lang="zh-CN" altLang="en-US" sz="1800" dirty="0">
               <a:solidFill>
                 <a:srgbClr val="262626"/>
               </a:solidFill>
             </a:endParaRPr>
           </a:p>
           <a:p>
-            <a:pPr defTabSz="342900">
+            <a:pPr lvl="1" defTabSz="342900">
               <a:lnSpc>
                 <a:spcPct val="120000"/>
               </a:lnSpc>
             </a:pPr>
             <a:r>
-              <a:rPr lang="en-US" altLang="en-US" sz="1800" dirty="0">
+              <a:rPr lang="zh-CN" altLang="en-US" sz="1540" dirty="0">
                 <a:solidFill>
                   <a:srgbClr val="262626"/>
                 </a:solidFill>
               </a:rPr>
-              <a:t>Transaction submitted to the ordering service: 1. The ordering service accepts endorsed transactions and orders them according to the plug-in consensus algorithm, and then delivers them on the channel 2. Peers on the channel receive transactions and validate before committing to the ledger </a:t>
-            </a:r>
-            <a:endParaRPr lang="en-US" altLang="en-US" sz="1800" dirty="0">
+              <a:t>sudo apt install git</a:t>
+            </a:r>
+            <a:endParaRPr lang="zh-CN" altLang="en-US" sz="1540" dirty="0">
               <a:solidFill>
                 <a:srgbClr val="262626"/>
               </a:solidFill>
             </a:endParaRPr>
           </a:p>
           <a:p>
-            <a:pPr defTabSz="342900">
+            <a:pPr lvl="1" defTabSz="342900">
               <a:lnSpc>
                 <a:spcPct val="120000"/>
               </a:lnSpc>
             </a:pPr>
             <a:r>
-              <a:rPr lang="en-US" altLang="en-US" sz="1800" dirty="0">
+              <a:rPr lang="zh-CN" altLang="en-US" sz="1540" dirty="0">
                 <a:solidFill>
                   <a:srgbClr val="262626"/>
                 </a:solidFill>
               </a:rPr>
-              <a:t>Transaction validation: 1. Validates each transaction and commit block 2. Validates the endorsement policy 3. Validates ReadSet versions in state DB 4. Commits the block to blockchain 5. Commits the valid transaction to state DB</a:t>
-            </a:r>
-            <a:endParaRPr lang="en-US" altLang="en-US" sz="1800" dirty="0">
+              <a:t>sudo apt install curl</a:t>
+            </a:r>
+            <a:endParaRPr lang="zh-CN" altLang="en-US" sz="1540" dirty="0">
+              <a:solidFill>
+                <a:srgbClr val="262626"/>
+              </a:solidFill>
+            </a:endParaRPr>
+          </a:p>
+          <a:p>
+            <a:pPr lvl="1" defTabSz="342900">
+              <a:lnSpc>
+                <a:spcPct val="120000"/>
+              </a:lnSpc>
+            </a:pPr>
+            <a:endParaRPr lang="zh-CN" altLang="en-US" sz="1540" dirty="0">
+              <a:solidFill>
+                <a:srgbClr val="262626"/>
+              </a:solidFill>
+            </a:endParaRPr>
+          </a:p>
+          <a:p>
+            <a:pPr marL="228600" lvl="0" indent="-228600" defTabSz="342900">
+              <a:lnSpc>
+                <a:spcPct val="120000"/>
+              </a:lnSpc>
+              <a:buFont typeface="Arial" panose="020B0604020202020204" pitchFamily="34" charset="0"/>
+              <a:buChar char="•"/>
+            </a:pPr>
+            <a:r>
+              <a:rPr lang="en-US" altLang="zh-CN" sz="1800" dirty="0">
+                <a:solidFill>
+                  <a:srgbClr val="262626"/>
+                </a:solidFill>
+              </a:rPr>
+              <a:t>Docker&amp;Docker Compose</a:t>
+            </a:r>
+            <a:endParaRPr lang="en-US" altLang="zh-CN" sz="1800" dirty="0">
+              <a:solidFill>
+                <a:srgbClr val="262626"/>
+              </a:solidFill>
+            </a:endParaRPr>
+          </a:p>
+          <a:p>
+            <a:pPr marL="685800" lvl="1" indent="-228600" defTabSz="342900">
+              <a:lnSpc>
+                <a:spcPct val="120000"/>
+              </a:lnSpc>
+              <a:buFont typeface="Arial" panose="020B0604020202020204" pitchFamily="34" charset="0"/>
+              <a:buChar char="•"/>
+            </a:pPr>
+            <a:r>
+              <a:rPr lang="zh-CN" altLang="en-US" sz="1540" dirty="0">
+                <a:solidFill>
+                  <a:srgbClr val="262626"/>
+                </a:solidFill>
+              </a:rPr>
+              <a:t>https://docs.docker.com/engine/install/ubuntu/</a:t>
+            </a:r>
+            <a:endParaRPr lang="zh-CN" altLang="en-US" sz="1540" dirty="0">
+              <a:solidFill>
+                <a:srgbClr val="262626"/>
+              </a:solidFill>
+            </a:endParaRPr>
+          </a:p>
+          <a:p>
+            <a:pPr lvl="1" defTabSz="342900">
+              <a:lnSpc>
+                <a:spcPct val="120000"/>
+              </a:lnSpc>
+            </a:pPr>
+            <a:r>
+              <a:rPr lang="zh-CN" altLang="en-US" sz="1540" dirty="0">
+                <a:solidFill>
+                  <a:srgbClr val="262626"/>
+                </a:solidFill>
+              </a:rPr>
+              <a:t>https://docs.docker.com/compose/install/</a:t>
+            </a:r>
+            <a:endParaRPr lang="zh-CN" altLang="en-US" sz="1540" dirty="0">
+              <a:solidFill>
+                <a:srgbClr val="262626"/>
+              </a:solidFill>
+            </a:endParaRPr>
+          </a:p>
+          <a:p>
+            <a:pPr lvl="1" defTabSz="342900">
+              <a:lnSpc>
+                <a:spcPct val="120000"/>
+              </a:lnSpc>
+            </a:pPr>
+            <a:endParaRPr lang="zh-CN" altLang="en-US" sz="1540" dirty="0">
+              <a:solidFill>
+                <a:srgbClr val="262626"/>
+              </a:solidFill>
+            </a:endParaRPr>
+          </a:p>
+          <a:p>
+            <a:pPr marL="228600" lvl="0" indent="-228600" defTabSz="342900">
+              <a:lnSpc>
+                <a:spcPct val="120000"/>
+              </a:lnSpc>
+              <a:buFont typeface="Arial" panose="020B0604020202020204" pitchFamily="34" charset="0"/>
+              <a:buChar char="•"/>
+            </a:pPr>
+            <a:r>
+              <a:rPr lang="en-US" altLang="zh-CN" sz="1800" dirty="0">
+                <a:solidFill>
+                  <a:srgbClr val="262626"/>
+                </a:solidFill>
+              </a:rPr>
+              <a:t>Pull the images</a:t>
+            </a:r>
+            <a:endParaRPr lang="zh-CN" altLang="en-US" sz="1800" dirty="0">
+              <a:solidFill>
+                <a:srgbClr val="262626"/>
+              </a:solidFill>
+            </a:endParaRPr>
+          </a:p>
+          <a:p>
+            <a:pPr lvl="1" defTabSz="342900">
+              <a:lnSpc>
+                <a:spcPct val="120000"/>
+              </a:lnSpc>
+            </a:pPr>
+            <a:r>
+              <a:rPr lang="zh-CN" altLang="en-US" sz="1800" dirty="0">
+                <a:solidFill>
+                  <a:srgbClr val="262626"/>
+                </a:solidFill>
+              </a:rPr>
+              <a:t>curl -sSL https://bit.ly/2ysbOFE | bash -s</a:t>
+            </a:r>
+            <a:endParaRPr lang="zh-CN" altLang="en-US" sz="1800" dirty="0">
+              <a:solidFill>
+                <a:srgbClr val="262626"/>
+              </a:solidFill>
+            </a:endParaRPr>
+          </a:p>
+          <a:p>
+            <a:pPr lvl="1" defTabSz="342900">
+              <a:lnSpc>
+                <a:spcPct val="120000"/>
+              </a:lnSpc>
+            </a:pPr>
+            <a:endParaRPr lang="zh-CN" altLang="en-US" sz="1800" dirty="0">
+              <a:solidFill>
+                <a:srgbClr val="262626"/>
+              </a:solidFill>
+            </a:endParaRPr>
+          </a:p>
+          <a:p>
+            <a:pPr marL="228600" lvl="0" indent="-228600" defTabSz="342900">
+              <a:lnSpc>
+                <a:spcPct val="120000"/>
+              </a:lnSpc>
+              <a:buFont typeface="Arial" panose="020B0604020202020204" pitchFamily="34" charset="0"/>
+              <a:buChar char="•"/>
+            </a:pPr>
+            <a:r>
+              <a:rPr lang="en-US" altLang="zh-CN" sz="1800" dirty="0">
+                <a:solidFill>
+                  <a:srgbClr val="262626"/>
+                </a:solidFill>
+              </a:rPr>
+              <a:t>sudo ./network.sh up</a:t>
+            </a:r>
+            <a:endParaRPr lang="en-US" altLang="zh-CN" sz="1800" dirty="0">
+              <a:solidFill>
+                <a:srgbClr val="262626"/>
+              </a:solidFill>
+            </a:endParaRPr>
+          </a:p>
+          <a:p>
+            <a:pPr marL="685800" lvl="1" indent="-228600" defTabSz="342900">
+              <a:lnSpc>
+                <a:spcPct val="120000"/>
+              </a:lnSpc>
+              <a:buFont typeface="Arial" panose="020B0604020202020204" pitchFamily="34" charset="0"/>
+              <a:buChar char="•"/>
+            </a:pPr>
+            <a:r>
+              <a:rPr lang="en-US" altLang="zh-CN" sz="1540" dirty="0">
+                <a:solidFill>
+                  <a:srgbClr val="262626"/>
+                </a:solidFill>
+              </a:rPr>
+              <a:t>sudo docker ps (check the network component)</a:t>
+            </a:r>
+            <a:endParaRPr lang="en-US" altLang="zh-CN" sz="1540" dirty="0">
               <a:solidFill>
                 <a:srgbClr val="262626"/>
               </a:solidFill>
@@ -7959,7 +8237,7 @@
                 <a:latin typeface="Calibri" panose="020F0502020204030204" pitchFamily="34" charset="0"/>
                 <a:cs typeface="Calibri" panose="020F0502020204030204" pitchFamily="34" charset="0"/>
               </a:rPr>
-              <a:t>Network Demo</a:t>
+              <a:t>Docker Overview</a:t>
             </a:r>
             <a:endParaRPr lang="en-US" sz="3200" b="1" dirty="0">
               <a:latin typeface="Calibri" panose="020F0502020204030204" pitchFamily="34" charset="0"/>
@@ -7970,156 +8248,204 @@
       </p:sp>
       <p:sp>
         <p:nvSpPr>
-          <p:cNvPr id="3" name="Content Placeholder 2"/>
+          <p:cNvPr id="4" name="Content Placeholder 2"/>
           <p:cNvSpPr>
             <a:spLocks noGrp="1"/>
           </p:cNvSpPr>
-          <p:nvPr>
-            <p:ph idx="1"/>
-          </p:nvPr>
+          <p:nvPr/>
         </p:nvSpPr>
         <p:spPr>
           <a:xfrm>
             <a:off x="628650" y="989044"/>
             <a:ext cx="7886700" cy="5605719"/>
           </a:xfrm>
+          <a:prstGeom prst="rect">
+            <a:avLst/>
+          </a:prstGeom>
         </p:spPr>
         <p:txBody>
-          <a:bodyPr>
+          <a:bodyPr vert="horz" lIns="91440" tIns="45720" rIns="91440" bIns="45720" rtlCol="0">
             <a:normAutofit/>
           </a:bodyPr>
-          <a:lstStyle/>
-          <a:p>
-            <a:pPr defTabSz="342900">
+          <a:lstStyle>
+            <a:lvl1pPr marL="228600" indent="-228600" algn="l" defTabSz="914400" rtl="0" eaLnBrk="1" latinLnBrk="0" hangingPunct="1">
+              <a:lnSpc>
+                <a:spcPct val="90000"/>
+              </a:lnSpc>
+              <a:spcBef>
+                <a:spcPts val="1000"/>
+              </a:spcBef>
+              <a:buFont typeface="Arial" panose="020B0604020202020204" pitchFamily="34" charset="0"/>
+              <a:buChar char="•"/>
+              <a:defRPr sz="2800" kern="1200">
+                <a:solidFill>
+                  <a:schemeClr val="tx1"/>
+                </a:solidFill>
+                <a:latin typeface="+mn-lt"/>
+                <a:ea typeface="+mn-ea"/>
+                <a:cs typeface="+mn-cs"/>
+              </a:defRPr>
+            </a:lvl1pPr>
+            <a:lvl2pPr marL="685800" indent="-228600" algn="l" defTabSz="914400" rtl="0" eaLnBrk="1" latinLnBrk="0" hangingPunct="1">
+              <a:lnSpc>
+                <a:spcPct val="90000"/>
+              </a:lnSpc>
+              <a:spcBef>
+                <a:spcPts val="500"/>
+              </a:spcBef>
+              <a:buFont typeface="Arial" panose="020B0604020202020204" pitchFamily="34" charset="0"/>
+              <a:buChar char="•"/>
+              <a:defRPr sz="2400" kern="1200">
+                <a:solidFill>
+                  <a:schemeClr val="tx1"/>
+                </a:solidFill>
+                <a:latin typeface="+mn-lt"/>
+                <a:ea typeface="+mn-ea"/>
+                <a:cs typeface="+mn-cs"/>
+              </a:defRPr>
+            </a:lvl2pPr>
+            <a:lvl3pPr marL="1143000" indent="-228600" algn="l" defTabSz="914400" rtl="0" eaLnBrk="1" latinLnBrk="0" hangingPunct="1">
+              <a:lnSpc>
+                <a:spcPct val="90000"/>
+              </a:lnSpc>
+              <a:spcBef>
+                <a:spcPts val="500"/>
+              </a:spcBef>
+              <a:buFont typeface="Arial" panose="020B0604020202020204" pitchFamily="34" charset="0"/>
+              <a:buChar char="•"/>
+              <a:defRPr sz="2000" kern="1200">
+                <a:solidFill>
+                  <a:schemeClr val="tx1"/>
+                </a:solidFill>
+                <a:latin typeface="+mn-lt"/>
+                <a:ea typeface="+mn-ea"/>
+                <a:cs typeface="+mn-cs"/>
+              </a:defRPr>
+            </a:lvl3pPr>
+            <a:lvl4pPr marL="1600200" indent="-228600" algn="l" defTabSz="914400" rtl="0" eaLnBrk="1" latinLnBrk="0" hangingPunct="1">
+              <a:lnSpc>
+                <a:spcPct val="90000"/>
+              </a:lnSpc>
+              <a:spcBef>
+                <a:spcPts val="500"/>
+              </a:spcBef>
+              <a:buFont typeface="Arial" panose="020B0604020202020204" pitchFamily="34" charset="0"/>
+              <a:buChar char="•"/>
+              <a:defRPr sz="1800" kern="1200">
+                <a:solidFill>
+                  <a:schemeClr val="tx1"/>
+                </a:solidFill>
+                <a:latin typeface="+mn-lt"/>
+                <a:ea typeface="+mn-ea"/>
+                <a:cs typeface="+mn-cs"/>
+              </a:defRPr>
+            </a:lvl4pPr>
+            <a:lvl5pPr marL="2057400" indent="-228600" algn="l" defTabSz="914400" rtl="0" eaLnBrk="1" latinLnBrk="0" hangingPunct="1">
+              <a:lnSpc>
+                <a:spcPct val="90000"/>
+              </a:lnSpc>
+              <a:spcBef>
+                <a:spcPts val="500"/>
+              </a:spcBef>
+              <a:buFont typeface="Arial" panose="020B0604020202020204" pitchFamily="34" charset="0"/>
+              <a:buChar char="•"/>
+              <a:defRPr sz="1800" kern="1200">
+                <a:solidFill>
+                  <a:schemeClr val="tx1"/>
+                </a:solidFill>
+                <a:latin typeface="+mn-lt"/>
+                <a:ea typeface="+mn-ea"/>
+                <a:cs typeface="+mn-cs"/>
+              </a:defRPr>
+            </a:lvl5pPr>
+            <a:lvl6pPr marL="2514600" indent="-228600" algn="l" defTabSz="914400" rtl="0" eaLnBrk="1" latinLnBrk="0" hangingPunct="1">
+              <a:lnSpc>
+                <a:spcPct val="90000"/>
+              </a:lnSpc>
+              <a:spcBef>
+                <a:spcPts val="500"/>
+              </a:spcBef>
+              <a:buFont typeface="Arial" panose="020B0604020202020204" pitchFamily="34" charset="0"/>
+              <a:buChar char="•"/>
+              <a:defRPr sz="1800" kern="1200">
+                <a:solidFill>
+                  <a:schemeClr val="tx1"/>
+                </a:solidFill>
+                <a:latin typeface="+mn-lt"/>
+                <a:ea typeface="+mn-ea"/>
+                <a:cs typeface="+mn-cs"/>
+              </a:defRPr>
+            </a:lvl6pPr>
+            <a:lvl7pPr marL="2971800" indent="-228600" algn="l" defTabSz="914400" rtl="0" eaLnBrk="1" latinLnBrk="0" hangingPunct="1">
+              <a:lnSpc>
+                <a:spcPct val="90000"/>
+              </a:lnSpc>
+              <a:spcBef>
+                <a:spcPts val="500"/>
+              </a:spcBef>
+              <a:buFont typeface="Arial" panose="020B0604020202020204" pitchFamily="34" charset="0"/>
+              <a:buChar char="•"/>
+              <a:defRPr sz="1800" kern="1200">
+                <a:solidFill>
+                  <a:schemeClr val="tx1"/>
+                </a:solidFill>
+                <a:latin typeface="+mn-lt"/>
+                <a:ea typeface="+mn-ea"/>
+                <a:cs typeface="+mn-cs"/>
+              </a:defRPr>
+            </a:lvl7pPr>
+            <a:lvl8pPr marL="3429000" indent="-228600" algn="l" defTabSz="914400" rtl="0" eaLnBrk="1" latinLnBrk="0" hangingPunct="1">
+              <a:lnSpc>
+                <a:spcPct val="90000"/>
+              </a:lnSpc>
+              <a:spcBef>
+                <a:spcPts val="500"/>
+              </a:spcBef>
+              <a:buFont typeface="Arial" panose="020B0604020202020204" pitchFamily="34" charset="0"/>
+              <a:buChar char="•"/>
+              <a:defRPr sz="1800" kern="1200">
+                <a:solidFill>
+                  <a:schemeClr val="tx1"/>
+                </a:solidFill>
+                <a:latin typeface="+mn-lt"/>
+                <a:ea typeface="+mn-ea"/>
+                <a:cs typeface="+mn-cs"/>
+              </a:defRPr>
+            </a:lvl8pPr>
+            <a:lvl9pPr marL="3886200" indent="-228600" algn="l" defTabSz="914400" rtl="0" eaLnBrk="1" latinLnBrk="0" hangingPunct="1">
+              <a:lnSpc>
+                <a:spcPct val="90000"/>
+              </a:lnSpc>
+              <a:spcBef>
+                <a:spcPts val="500"/>
+              </a:spcBef>
+              <a:buFont typeface="Arial" panose="020B0604020202020204" pitchFamily="34" charset="0"/>
+              <a:buChar char="•"/>
+              <a:defRPr sz="1800" kern="1200">
+                <a:solidFill>
+                  <a:schemeClr val="tx1"/>
+                </a:solidFill>
+                <a:latin typeface="+mn-lt"/>
+                <a:ea typeface="+mn-ea"/>
+                <a:cs typeface="+mn-cs"/>
+              </a:defRPr>
+            </a:lvl9pPr>
+          </a:lstStyle>
+          <a:p>
+            <a:pPr marL="228600" lvl="0" indent="-228600" defTabSz="342900">
               <a:lnSpc>
                 <a:spcPct val="120000"/>
               </a:lnSpc>
+              <a:buFont typeface="Arial" panose="020B0604020202020204" pitchFamily="34" charset="0"/>
+              <a:buChar char="•"/>
             </a:pPr>
             <a:r>
-              <a:rPr lang="en-US" altLang="en-US" sz="1800" dirty="0">
+              <a:rPr lang="en-US" altLang="zh-CN" sz="1800" dirty="0">
                 <a:solidFill>
                   <a:srgbClr val="262626"/>
                 </a:solidFill>
               </a:rPr>
-              <a:t>https://hyperledger-fabric.readthedocs.io/en/release-2.2/test_network.html</a:t>
-            </a:r>
-            <a:endParaRPr lang="en-US" altLang="en-US" sz="1800" dirty="0">
-              <a:solidFill>
-                <a:srgbClr val="262626"/>
-              </a:solidFill>
-            </a:endParaRPr>
-          </a:p>
-          <a:p>
-            <a:pPr defTabSz="342900">
-              <a:lnSpc>
-                <a:spcPct val="120000"/>
-              </a:lnSpc>
-            </a:pPr>
-            <a:r>
-              <a:rPr lang="en-US" altLang="en-US" sz="1800" dirty="0">
-                <a:solidFill>
-                  <a:srgbClr val="262626"/>
-                </a:solidFill>
-              </a:rPr>
-              <a:t>git</a:t>
-            </a:r>
-            <a:r>
-              <a:rPr lang="zh-CN" altLang="en-US" sz="1800" dirty="0">
-                <a:solidFill>
-                  <a:srgbClr val="262626"/>
-                </a:solidFill>
-              </a:rPr>
-              <a:t>，</a:t>
-            </a:r>
-            <a:r>
-              <a:rPr lang="en-US" altLang="zh-CN" sz="1800" dirty="0">
-                <a:solidFill>
-                  <a:srgbClr val="262626"/>
-                </a:solidFill>
-              </a:rPr>
-              <a:t>cURL</a:t>
-            </a:r>
-            <a:r>
-              <a:rPr lang="zh-CN" altLang="en-US" sz="1800" dirty="0">
-                <a:solidFill>
-                  <a:srgbClr val="262626"/>
-                </a:solidFill>
-              </a:rPr>
-              <a:t>：</a:t>
-            </a:r>
-            <a:endParaRPr lang="zh-CN" altLang="en-US" sz="1800" dirty="0">
-              <a:solidFill>
-                <a:srgbClr val="262626"/>
-              </a:solidFill>
-            </a:endParaRPr>
-          </a:p>
-          <a:p>
-            <a:pPr lvl="1" defTabSz="342900">
-              <a:lnSpc>
-                <a:spcPct val="120000"/>
-              </a:lnSpc>
-            </a:pPr>
-            <a:r>
-              <a:rPr lang="zh-CN" altLang="en-US" sz="1540" dirty="0">
-                <a:solidFill>
-                  <a:srgbClr val="262626"/>
-                </a:solidFill>
-              </a:rPr>
-              <a:t>sudo apt install git</a:t>
-            </a:r>
-            <a:endParaRPr lang="zh-CN" altLang="en-US" sz="1540" dirty="0">
-              <a:solidFill>
-                <a:srgbClr val="262626"/>
-              </a:solidFill>
-            </a:endParaRPr>
-          </a:p>
-          <a:p>
-            <a:pPr lvl="1" defTabSz="342900">
-              <a:lnSpc>
-                <a:spcPct val="120000"/>
-              </a:lnSpc>
-            </a:pPr>
-            <a:r>
-              <a:rPr lang="zh-CN" altLang="en-US" sz="1540" dirty="0">
-                <a:solidFill>
-                  <a:srgbClr val="262626"/>
-                </a:solidFill>
-              </a:rPr>
-              <a:t>sudo apt install curl</a:t>
-            </a:r>
-            <a:endParaRPr lang="zh-CN" altLang="en-US" sz="1540" dirty="0">
-              <a:solidFill>
-                <a:srgbClr val="262626"/>
-              </a:solidFill>
-            </a:endParaRPr>
-          </a:p>
-          <a:p>
-            <a:pPr lvl="1" defTabSz="342900">
-              <a:lnSpc>
-                <a:spcPct val="120000"/>
-              </a:lnSpc>
-            </a:pPr>
-            <a:endParaRPr lang="zh-CN" altLang="en-US" sz="1540" dirty="0">
-              <a:solidFill>
-                <a:srgbClr val="262626"/>
-              </a:solidFill>
-            </a:endParaRPr>
-          </a:p>
-          <a:p>
-            <a:pPr marL="228600" lvl="0" indent="-228600" defTabSz="342900">
-              <a:lnSpc>
-                <a:spcPct val="120000"/>
-              </a:lnSpc>
-              <a:buFont typeface="Arial" panose="020B0604020202020204" pitchFamily="34" charset="0"/>
-              <a:buChar char="•"/>
-            </a:pPr>
-            <a:r>
-              <a:rPr lang="en-US" altLang="zh-CN" sz="1800" dirty="0">
-                <a:solidFill>
-                  <a:srgbClr val="262626"/>
-                </a:solidFill>
-              </a:rPr>
-              <a:t>Docker&amp;Docker Compose</a:t>
+              <a:t>What is Docker? </a:t>
             </a:r>
             <a:endParaRPr lang="en-US" altLang="zh-CN" sz="1800" dirty="0">
               <a:solidFill>
@@ -8128,7 +8454,7 @@
             </a:endParaRPr>
           </a:p>
           <a:p>
-            <a:pPr marL="685800" lvl="1" indent="-228600" defTabSz="342900">
+            <a:pPr marL="228600" lvl="0" indent="-228600" defTabSz="342900">
               <a:lnSpc>
                 <a:spcPct val="120000"/>
               </a:lnSpc>
@@ -8136,120 +8462,13 @@
               <a:buChar char="•"/>
             </a:pPr>
             <a:r>
-              <a:rPr lang="zh-CN" altLang="en-US" sz="1540" dirty="0">
+              <a:rPr lang="en-US" altLang="zh-CN" sz="1800" dirty="0">
                 <a:solidFill>
                   <a:srgbClr val="262626"/>
                 </a:solidFill>
-              </a:rPr>
-              <a:t>https://docs.docker.com/engine/install/ubuntu/</a:t>
-            </a:r>
-            <a:endParaRPr lang="zh-CN" altLang="en-US" sz="1540" dirty="0">
-              <a:solidFill>
-                <a:srgbClr val="262626"/>
-              </a:solidFill>
-            </a:endParaRPr>
-          </a:p>
-          <a:p>
-            <a:pPr lvl="1" defTabSz="342900">
-              <a:lnSpc>
-                <a:spcPct val="120000"/>
-              </a:lnSpc>
-            </a:pPr>
-            <a:r>
-              <a:rPr lang="zh-CN" altLang="en-US" sz="1540" dirty="0">
-                <a:solidFill>
-                  <a:srgbClr val="262626"/>
-                </a:solidFill>
-              </a:rPr>
-              <a:t>https://docs.docker.com/compose/install/</a:t>
-            </a:r>
-            <a:endParaRPr lang="zh-CN" altLang="en-US" sz="1540" dirty="0">
-              <a:solidFill>
-                <a:srgbClr val="262626"/>
-              </a:solidFill>
-            </a:endParaRPr>
-          </a:p>
-          <a:p>
-            <a:pPr lvl="1" defTabSz="342900">
-              <a:lnSpc>
-                <a:spcPct val="120000"/>
-              </a:lnSpc>
-            </a:pPr>
-            <a:endParaRPr lang="zh-CN" altLang="en-US" sz="1540" dirty="0">
-              <a:solidFill>
-                <a:srgbClr val="262626"/>
-              </a:solidFill>
-            </a:endParaRPr>
-          </a:p>
-          <a:p>
-            <a:pPr marL="228600" lvl="0" indent="-228600" defTabSz="342900">
-              <a:lnSpc>
-                <a:spcPct val="120000"/>
-              </a:lnSpc>
-              <a:buFont typeface="Arial" panose="020B0604020202020204" pitchFamily="34" charset="0"/>
-              <a:buChar char="•"/>
-            </a:pPr>
-            <a:r>
-              <a:rPr lang="en-US" altLang="zh-CN" sz="1800" dirty="0">
-                <a:solidFill>
-                  <a:srgbClr val="262626"/>
-                </a:solidFill>
-              </a:rPr>
-              <a:t>Pull the images</a:t>
-            </a:r>
-            <a:endParaRPr lang="zh-CN" altLang="en-US" sz="1800" dirty="0">
-              <a:solidFill>
-                <a:srgbClr val="262626"/>
-              </a:solidFill>
-            </a:endParaRPr>
-          </a:p>
-          <a:p>
-            <a:pPr lvl="1" defTabSz="342900">
-              <a:lnSpc>
-                <a:spcPct val="120000"/>
-              </a:lnSpc>
-            </a:pPr>
-            <a:r>
-              <a:rPr lang="zh-CN" altLang="en-US" sz="1800" dirty="0">
-                <a:solidFill>
-                  <a:srgbClr val="262626"/>
-                </a:solidFill>
-              </a:rPr>
-              <a:t>curl -sSL https://bit.ly/2ysbOFE | bash -s</a:t>
-            </a:r>
-            <a:endParaRPr lang="zh-CN" altLang="en-US" sz="1800" dirty="0">
-              <a:solidFill>
-                <a:srgbClr val="262626"/>
-              </a:solidFill>
-            </a:endParaRPr>
-          </a:p>
-          <a:p>
-            <a:pPr lvl="1" defTabSz="342900">
-              <a:lnSpc>
-                <a:spcPct val="120000"/>
-              </a:lnSpc>
-            </a:pPr>
-            <a:endParaRPr lang="zh-CN" altLang="en-US" sz="1800" dirty="0">
-              <a:solidFill>
-                <a:srgbClr val="262626"/>
-              </a:solidFill>
-            </a:endParaRPr>
-          </a:p>
-          <a:p>
-            <a:pPr marL="228600" lvl="0" indent="-228600" defTabSz="342900">
-              <a:lnSpc>
-                <a:spcPct val="120000"/>
-              </a:lnSpc>
-              <a:buFont typeface="Arial" panose="020B0604020202020204" pitchFamily="34" charset="0"/>
-              <a:buChar char="•"/>
-            </a:pPr>
-            <a:r>
-              <a:rPr lang="en-US" altLang="zh-CN" sz="1800" dirty="0">
-                <a:solidFill>
-                  <a:srgbClr val="262626"/>
-                </a:solidFill>
-              </a:rPr>
-              <a:t>sudo ./network.sh up</a:t>
+                <a:sym typeface="+mn-ea"/>
+              </a:rPr>
+              <a:t>Docker is a tool designed to make it easier to create, deploy, and run applications by using containers.</a:t>
             </a:r>
             <a:endParaRPr lang="en-US" altLang="zh-CN" sz="1800" dirty="0">
               <a:solidFill>
@@ -8258,6 +8477,64 @@
             </a:endParaRPr>
           </a:p>
           <a:p>
+            <a:pPr marL="228600" lvl="0" indent="-228600" defTabSz="342900">
+              <a:lnSpc>
+                <a:spcPct val="120000"/>
+              </a:lnSpc>
+              <a:buFont typeface="Arial" panose="020B0604020202020204" pitchFamily="34" charset="0"/>
+              <a:buChar char="•"/>
+            </a:pPr>
+            <a:r>
+              <a:rPr lang="en-US" altLang="zh-CN" sz="1800" dirty="0">
+                <a:solidFill>
+                  <a:srgbClr val="262626"/>
+                </a:solidFill>
+              </a:rPr>
+              <a:t>Docker enables you to separate your applications from your infrastructure so you can deliver software quickly. With Docker, you can manage your infrastructure in the same ways you manage your applications</a:t>
+            </a:r>
+            <a:endParaRPr lang="en-US" altLang="zh-CN" sz="1800" dirty="0">
+              <a:solidFill>
+                <a:srgbClr val="262626"/>
+              </a:solidFill>
+            </a:endParaRPr>
+          </a:p>
+          <a:p>
+            <a:pPr marL="228600" lvl="0" indent="-228600" defTabSz="342900">
+              <a:lnSpc>
+                <a:spcPct val="120000"/>
+              </a:lnSpc>
+              <a:buFont typeface="Arial" panose="020B0604020202020204" pitchFamily="34" charset="0"/>
+              <a:buChar char="•"/>
+            </a:pPr>
+            <a:endParaRPr lang="en-US" altLang="zh-CN" sz="1800" dirty="0">
+              <a:solidFill>
+                <a:srgbClr val="262626"/>
+              </a:solidFill>
+            </a:endParaRPr>
+          </a:p>
+          <a:p>
+            <a:pPr marL="228600" lvl="0" indent="-228600" defTabSz="342900">
+              <a:lnSpc>
+                <a:spcPct val="120000"/>
+              </a:lnSpc>
+              <a:buFont typeface="Arial" panose="020B0604020202020204" pitchFamily="34" charset="0"/>
+              <a:buChar char="•"/>
+            </a:pPr>
+            <a:r>
+              <a:rPr lang="en-US" altLang="zh-CN" sz="1800" dirty="0">
+                <a:solidFill>
+                  <a:srgbClr val="262626"/>
+                </a:solidFill>
+              </a:rPr>
+              <a:t>What does this mean?</a:t>
+            </a:r>
+            <a:endParaRPr lang="en-US" altLang="zh-CN" sz="1800" dirty="0">
+              <a:solidFill>
+                <a:srgbClr val="262626"/>
+              </a:solidFill>
+            </a:endParaRPr>
+          </a:p>
+          <a:p>
             <a:pPr marL="685800" lvl="1" indent="-228600" defTabSz="342900">
               <a:lnSpc>
                 <a:spcPct val="120000"/>
@@ -8271,8 +8548,66 @@
                   <a:srgbClr val="262626"/>
                 </a:solidFill>
               </a:rPr>
-              <a:t>sudo docker ps (check the network component)</a:t>
-            </a:r>
+              <a:t>mimic all the enviroment, systems in virtural container</a:t>
+            </a:r>
+            <a:endParaRPr lang="en-US" altLang="zh-CN" sz="1540" dirty="0">
+              <a:solidFill>
+                <a:srgbClr val="262626"/>
+              </a:solidFill>
+            </a:endParaRPr>
+          </a:p>
+          <a:p>
+            <a:pPr marL="685800" lvl="1" indent="-228600" defTabSz="342900">
+              <a:lnSpc>
+                <a:spcPct val="120000"/>
+              </a:lnSpc>
+              <a:buFont typeface="Arial" panose="020B0604020202020204" pitchFamily="34" charset="0"/>
+              <a:buChar char="•"/>
+            </a:pPr>
+            <a:r>
+              <a:rPr lang="en-US" altLang="zh-CN" sz="1540" dirty="0">
+                <a:solidFill>
+                  <a:srgbClr val="262626"/>
+                </a:solidFill>
+              </a:rPr>
+              <a:t>the applications can run in this virtural envirement</a:t>
+            </a:r>
+            <a:endParaRPr lang="en-US" altLang="zh-CN" sz="1540" dirty="0">
+              <a:solidFill>
+                <a:srgbClr val="262626"/>
+              </a:solidFill>
+            </a:endParaRPr>
+          </a:p>
+          <a:p>
+            <a:pPr marL="685800" lvl="1" indent="-228600" defTabSz="342900">
+              <a:lnSpc>
+                <a:spcPct val="120000"/>
+              </a:lnSpc>
+              <a:buFont typeface="Arial" panose="020B0604020202020204" pitchFamily="34" charset="0"/>
+              <a:buChar char="•"/>
+            </a:pPr>
+            <a:r>
+              <a:rPr lang="en-US" altLang="zh-CN" sz="1800" dirty="0">
+                <a:solidFill>
+                  <a:srgbClr val="262626"/>
+                </a:solidFill>
+              </a:rPr>
+              <a:t>this container with the application can be quickly deployed</a:t>
+            </a:r>
+            <a:endParaRPr lang="en-US" altLang="zh-CN" sz="1800" dirty="0">
+              <a:solidFill>
+                <a:srgbClr val="262626"/>
+              </a:solidFill>
+            </a:endParaRPr>
+          </a:p>
+          <a:p>
+            <a:pPr marL="457200" lvl="1" indent="0" defTabSz="342900">
+              <a:lnSpc>
+                <a:spcPct val="120000"/>
+              </a:lnSpc>
+              <a:buFont typeface="Arial" panose="020B0604020202020204" pitchFamily="34" charset="0"/>
+              <a:buNone/>
+            </a:pPr>
             <a:endParaRPr lang="en-US" altLang="zh-CN" sz="1540" dirty="0">
               <a:solidFill>
                 <a:srgbClr val="262626"/>
@@ -8334,7 +8669,7 @@
                 <a:latin typeface="Calibri" panose="020F0502020204030204" pitchFamily="34" charset="0"/>
                 <a:cs typeface="Calibri" panose="020F0502020204030204" pitchFamily="34" charset="0"/>
               </a:rPr>
-              <a:t>network.sh Walk Through</a:t>
+              <a:t>Docker File</a:t>
             </a:r>
             <a:endParaRPr lang="en-US" sz="3200" b="1" dirty="0">
               <a:latin typeface="Calibri" panose="020F0502020204030204" pitchFamily="34" charset="0"/>
@@ -8345,39 +8680,250 @@
       </p:sp>
       <p:sp>
         <p:nvSpPr>
-          <p:cNvPr id="3" name="Content Placeholder 2"/>
+          <p:cNvPr id="4" name="Content Placeholder 2"/>
           <p:cNvSpPr>
             <a:spLocks noGrp="1"/>
           </p:cNvSpPr>
-          <p:nvPr>
-            <p:ph idx="1"/>
-          </p:nvPr>
+          <p:nvPr/>
         </p:nvSpPr>
         <p:spPr>
           <a:xfrm>
             <a:off x="628650" y="989044"/>
             <a:ext cx="7886700" cy="5605719"/>
           </a:xfrm>
+          <a:prstGeom prst="rect">
+            <a:avLst/>
+          </a:prstGeom>
         </p:spPr>
         <p:txBody>
-          <a:bodyPr>
+          <a:bodyPr vert="horz" lIns="91440" tIns="45720" rIns="91440" bIns="45720" rtlCol="0">
             <a:normAutofit/>
           </a:bodyPr>
-          <a:lstStyle/>
-          <a:p>
-            <a:pPr defTabSz="342900">
+          <a:lstStyle>
+            <a:lvl1pPr marL="228600" indent="-228600" algn="l" defTabSz="914400" rtl="0" eaLnBrk="1" latinLnBrk="0" hangingPunct="1">
+              <a:lnSpc>
+                <a:spcPct val="90000"/>
+              </a:lnSpc>
+              <a:spcBef>
+                <a:spcPts val="1000"/>
+              </a:spcBef>
+              <a:buFont typeface="Arial" panose="020B0604020202020204" pitchFamily="34" charset="0"/>
+              <a:buChar char="•"/>
+              <a:defRPr sz="2800" kern="1200">
+                <a:solidFill>
+                  <a:schemeClr val="tx1"/>
+                </a:solidFill>
+                <a:latin typeface="+mn-lt"/>
+                <a:ea typeface="+mn-ea"/>
+                <a:cs typeface="+mn-cs"/>
+              </a:defRPr>
+            </a:lvl1pPr>
+            <a:lvl2pPr marL="685800" indent="-228600" algn="l" defTabSz="914400" rtl="0" eaLnBrk="1" latinLnBrk="0" hangingPunct="1">
+              <a:lnSpc>
+                <a:spcPct val="90000"/>
+              </a:lnSpc>
+              <a:spcBef>
+                <a:spcPts val="500"/>
+              </a:spcBef>
+              <a:buFont typeface="Arial" panose="020B0604020202020204" pitchFamily="34" charset="0"/>
+              <a:buChar char="•"/>
+              <a:defRPr sz="2400" kern="1200">
+                <a:solidFill>
+                  <a:schemeClr val="tx1"/>
+                </a:solidFill>
+                <a:latin typeface="+mn-lt"/>
+                <a:ea typeface="+mn-ea"/>
+                <a:cs typeface="+mn-cs"/>
+              </a:defRPr>
+            </a:lvl2pPr>
+            <a:lvl3pPr marL="1143000" indent="-228600" algn="l" defTabSz="914400" rtl="0" eaLnBrk="1" latinLnBrk="0" hangingPunct="1">
+              <a:lnSpc>
+                <a:spcPct val="90000"/>
+              </a:lnSpc>
+              <a:spcBef>
+                <a:spcPts val="500"/>
+              </a:spcBef>
+              <a:buFont typeface="Arial" panose="020B0604020202020204" pitchFamily="34" charset="0"/>
+              <a:buChar char="•"/>
+              <a:defRPr sz="2000" kern="1200">
+                <a:solidFill>
+                  <a:schemeClr val="tx1"/>
+                </a:solidFill>
+                <a:latin typeface="+mn-lt"/>
+                <a:ea typeface="+mn-ea"/>
+                <a:cs typeface="+mn-cs"/>
+              </a:defRPr>
+            </a:lvl3pPr>
+            <a:lvl4pPr marL="1600200" indent="-228600" algn="l" defTabSz="914400" rtl="0" eaLnBrk="1" latinLnBrk="0" hangingPunct="1">
+              <a:lnSpc>
+                <a:spcPct val="90000"/>
+              </a:lnSpc>
+              <a:spcBef>
+                <a:spcPts val="500"/>
+              </a:spcBef>
+              <a:buFont typeface="Arial" panose="020B0604020202020204" pitchFamily="34" charset="0"/>
+              <a:buChar char="•"/>
+              <a:defRPr sz="1800" kern="1200">
+                <a:solidFill>
+                  <a:schemeClr val="tx1"/>
+                </a:solidFill>
+                <a:latin typeface="+mn-lt"/>
+                <a:ea typeface="+mn-ea"/>
+                <a:cs typeface="+mn-cs"/>
+              </a:defRPr>
+            </a:lvl4pPr>
+            <a:lvl5pPr marL="2057400" indent="-228600" algn="l" defTabSz="914400" rtl="0" eaLnBrk="1" latinLnBrk="0" hangingPunct="1">
+              <a:lnSpc>
+                <a:spcPct val="90000"/>
+              </a:lnSpc>
+              <a:spcBef>
+                <a:spcPts val="500"/>
+              </a:spcBef>
+              <a:buFont typeface="Arial" panose="020B0604020202020204" pitchFamily="34" charset="0"/>
+              <a:buChar char="•"/>
+              <a:defRPr sz="1800" kern="1200">
+                <a:solidFill>
+                  <a:schemeClr val="tx1"/>
+                </a:solidFill>
+                <a:latin typeface="+mn-lt"/>
+                <a:ea typeface="+mn-ea"/>
+                <a:cs typeface="+mn-cs"/>
+              </a:defRPr>
+            </a:lvl5pPr>
+            <a:lvl6pPr marL="2514600" indent="-228600" algn="l" defTabSz="914400" rtl="0" eaLnBrk="1" latinLnBrk="0" hangingPunct="1">
+              <a:lnSpc>
+                <a:spcPct val="90000"/>
+              </a:lnSpc>
+              <a:spcBef>
+                <a:spcPts val="500"/>
+              </a:spcBef>
+              <a:buFont typeface="Arial" panose="020B0604020202020204" pitchFamily="34" charset="0"/>
+              <a:buChar char="•"/>
+              <a:defRPr sz="1800" kern="1200">
+                <a:solidFill>
+                  <a:schemeClr val="tx1"/>
+                </a:solidFill>
+                <a:latin typeface="+mn-lt"/>
+                <a:ea typeface="+mn-ea"/>
+                <a:cs typeface="+mn-cs"/>
+              </a:defRPr>
+            </a:lvl6pPr>
+            <a:lvl7pPr marL="2971800" indent="-228600" algn="l" defTabSz="914400" rtl="0" eaLnBrk="1" latinLnBrk="0" hangingPunct="1">
+              <a:lnSpc>
+                <a:spcPct val="90000"/>
+              </a:lnSpc>
+              <a:spcBef>
+                <a:spcPts val="500"/>
+              </a:spcBef>
+              <a:buFont typeface="Arial" panose="020B0604020202020204" pitchFamily="34" charset="0"/>
+              <a:buChar char="•"/>
+              <a:defRPr sz="1800" kern="1200">
+                <a:solidFill>
+                  <a:schemeClr val="tx1"/>
+                </a:solidFill>
+                <a:latin typeface="+mn-lt"/>
+                <a:ea typeface="+mn-ea"/>
+                <a:cs typeface="+mn-cs"/>
+              </a:defRPr>
+            </a:lvl7pPr>
+            <a:lvl8pPr marL="3429000" indent="-228600" algn="l" defTabSz="914400" rtl="0" eaLnBrk="1" latinLnBrk="0" hangingPunct="1">
+              <a:lnSpc>
+                <a:spcPct val="90000"/>
+              </a:lnSpc>
+              <a:spcBef>
+                <a:spcPts val="500"/>
+              </a:spcBef>
+              <a:buFont typeface="Arial" panose="020B0604020202020204" pitchFamily="34" charset="0"/>
+              <a:buChar char="•"/>
+              <a:defRPr sz="1800" kern="1200">
+                <a:solidFill>
+                  <a:schemeClr val="tx1"/>
+                </a:solidFill>
+                <a:latin typeface="+mn-lt"/>
+                <a:ea typeface="+mn-ea"/>
+                <a:cs typeface="+mn-cs"/>
+              </a:defRPr>
+            </a:lvl8pPr>
+            <a:lvl9pPr marL="3886200" indent="-228600" algn="l" defTabSz="914400" rtl="0" eaLnBrk="1" latinLnBrk="0" hangingPunct="1">
+              <a:lnSpc>
+                <a:spcPct val="90000"/>
+              </a:lnSpc>
+              <a:spcBef>
+                <a:spcPts val="500"/>
+              </a:spcBef>
+              <a:buFont typeface="Arial" panose="020B0604020202020204" pitchFamily="34" charset="0"/>
+              <a:buChar char="•"/>
+              <a:defRPr sz="1800" kern="1200">
+                <a:solidFill>
+                  <a:schemeClr val="tx1"/>
+                </a:solidFill>
+                <a:latin typeface="+mn-lt"/>
+                <a:ea typeface="+mn-ea"/>
+                <a:cs typeface="+mn-cs"/>
+              </a:defRPr>
+            </a:lvl9pPr>
+          </a:lstStyle>
+          <a:p>
+            <a:pPr marL="457200" lvl="1" indent="0" defTabSz="342900">
               <a:lnSpc>
                 <a:spcPct val="120000"/>
               </a:lnSpc>
+              <a:buFont typeface="Arial" panose="020B0604020202020204" pitchFamily="34" charset="0"/>
+              <a:buNone/>
             </a:pPr>
             <a:r>
+              <a:rPr lang="en-US" altLang="zh-CN" sz="1800" dirty="0">
+                <a:solidFill>
+                  <a:srgbClr val="262626"/>
+                </a:solidFill>
+              </a:rPr>
+              <a:t>Docker file</a:t>
+            </a:r>
+            <a:endParaRPr lang="en-US" altLang="zh-CN" sz="1800" dirty="0">
+              <a:solidFill>
+                <a:srgbClr val="262626"/>
+              </a:solidFill>
+            </a:endParaRPr>
+          </a:p>
+          <a:p>
+            <a:pPr marL="685800" lvl="1" indent="-228600" defTabSz="342900">
+              <a:lnSpc>
+                <a:spcPct val="120000"/>
+              </a:lnSpc>
+              <a:buFont typeface="Arial" panose="020B0604020202020204" pitchFamily="34" charset="0"/>
+              <a:buChar char="•"/>
+            </a:pPr>
+            <a:r>
+              <a:rPr lang="en-US" altLang="zh-CN" sz="1535" dirty="0">
+                <a:solidFill>
+                  <a:srgbClr val="262626"/>
+                </a:solidFill>
+                <a:sym typeface="+mn-ea"/>
+              </a:rPr>
+              <a:t>mysql Docker </a:t>
+            </a:r>
+            <a:r>
               <a:rPr lang="en-US" altLang="zh-CN" sz="1540" dirty="0">
                 <a:solidFill>
                   <a:srgbClr val="262626"/>
                 </a:solidFill>
               </a:rPr>
-              <a:t>See the Code! it demonstrate the whole process of creating a hyperledger fabric network</a:t>
-            </a:r>
+              <a:t>example: https://github.com/dockerfile/mysql/blob/master/Dockerfile</a:t>
+            </a:r>
+            <a:endParaRPr lang="en-US" altLang="zh-CN" sz="1540" b="1" dirty="0">
+              <a:solidFill>
+                <a:srgbClr val="262626"/>
+              </a:solidFill>
+            </a:endParaRPr>
+          </a:p>
+          <a:p>
+            <a:pPr marL="685800" lvl="1" indent="-228600" defTabSz="342900">
+              <a:lnSpc>
+                <a:spcPct val="120000"/>
+              </a:lnSpc>
+              <a:buFont typeface="Arial" panose="020B0604020202020204" pitchFamily="34" charset="0"/>
+              <a:buChar char="•"/>
+            </a:pPr>
             <a:endParaRPr lang="en-US" altLang="zh-CN" sz="1540" dirty="0">
               <a:solidFill>
                 <a:srgbClr val="262626"/>
@@ -8386,6 +8932,1269 @@
           </a:p>
         </p:txBody>
       </p:sp>
+      <p:pic>
+        <p:nvPicPr>
+          <p:cNvPr id="3" name="图片 2"/>
+          <p:cNvPicPr>
+            <a:picLocks noChangeAspect="1"/>
+          </p:cNvPicPr>
+          <p:nvPr>
+            <p:custDataLst>
+              <p:tags r:id="rId1"/>
+            </p:custDataLst>
+          </p:nvPr>
+        </p:nvPicPr>
+        <p:blipFill>
+          <a:blip r:embed="rId2"/>
+          <a:stretch>
+            <a:fillRect/>
+          </a:stretch>
+        </p:blipFill>
+        <p:spPr>
+          <a:xfrm>
+            <a:off x="1047750" y="1937385"/>
+            <a:ext cx="6200775" cy="4657725"/>
+          </a:xfrm>
+          <a:prstGeom prst="rect">
+            <a:avLst/>
+          </a:prstGeom>
+        </p:spPr>
+      </p:pic>
+    </p:spTree>
+  </p:cSld>
+  <p:clrMapOvr>
+    <a:masterClrMapping/>
+  </p:clrMapOvr>
+</p:sld>
+</file>
+
+<file path=ppt/slides/slide17.xml><?xml version="1.0" encoding="utf-8"?>
+<p:sld xmlns:a="http://schemas.openxmlformats.org/drawingml/2006/main" xmlns:r="http://schemas.openxmlformats.org/officeDocument/2006/relationships" xmlns:p="http://schemas.openxmlformats.org/presentationml/2006/main">
+  <p:cSld>
+    <p:spTree>
+      <p:nvGrpSpPr>
+        <p:cNvPr id="1" name=""/>
+        <p:cNvGrpSpPr/>
+        <p:nvPr/>
+      </p:nvGrpSpPr>
+      <p:grpSpPr>
+        <a:xfrm>
+          <a:off x="0" y="0"/>
+          <a:ext cx="0" cy="0"/>
+          <a:chOff x="0" y="0"/>
+          <a:chExt cx="0" cy="0"/>
+        </a:xfrm>
+      </p:grpSpPr>
+      <p:sp>
+        <p:nvSpPr>
+          <p:cNvPr id="2" name="Title 1"/>
+          <p:cNvSpPr>
+            <a:spLocks noGrp="1"/>
+          </p:cNvSpPr>
+          <p:nvPr>
+            <p:ph type="title"/>
+          </p:nvPr>
+        </p:nvSpPr>
+        <p:spPr>
+          <a:xfrm>
+            <a:off x="628650" y="155263"/>
+            <a:ext cx="7886700" cy="526790"/>
+          </a:xfrm>
+        </p:spPr>
+        <p:txBody>
+          <a:bodyPr>
+            <a:normAutofit fontScale="90000"/>
+          </a:bodyPr>
+          <a:lstStyle/>
+          <a:p>
+            <a:pPr algn="ctr"/>
+            <a:r>
+              <a:rPr lang="en-US" sz="3200" b="1" dirty="0">
+                <a:latin typeface="Calibri" panose="020F0502020204030204" pitchFamily="34" charset="0"/>
+                <a:cs typeface="Calibri" panose="020F0502020204030204" pitchFamily="34" charset="0"/>
+              </a:rPr>
+              <a:t>Docker Command Explain</a:t>
+            </a:r>
+            <a:endParaRPr lang="en-US" sz="3200" b="1" dirty="0">
+              <a:latin typeface="Calibri" panose="020F0502020204030204" pitchFamily="34" charset="0"/>
+              <a:cs typeface="Calibri" panose="020F0502020204030204" pitchFamily="34" charset="0"/>
+            </a:endParaRPr>
+          </a:p>
+        </p:txBody>
+      </p:sp>
+      <p:sp>
+        <p:nvSpPr>
+          <p:cNvPr id="4" name="Content Placeholder 2"/>
+          <p:cNvSpPr>
+            <a:spLocks noGrp="1"/>
+          </p:cNvSpPr>
+          <p:nvPr/>
+        </p:nvSpPr>
+        <p:spPr>
+          <a:xfrm>
+            <a:off x="628650" y="989044"/>
+            <a:ext cx="7886700" cy="5605719"/>
+          </a:xfrm>
+          <a:prstGeom prst="rect">
+            <a:avLst/>
+          </a:prstGeom>
+        </p:spPr>
+        <p:txBody>
+          <a:bodyPr vert="horz" lIns="91440" tIns="45720" rIns="91440" bIns="45720" rtlCol="0">
+            <a:noAutofit/>
+          </a:bodyPr>
+          <a:lstStyle>
+            <a:lvl1pPr marL="228600" indent="-228600" algn="l" defTabSz="914400" rtl="0" eaLnBrk="1" latinLnBrk="0" hangingPunct="1">
+              <a:lnSpc>
+                <a:spcPct val="90000"/>
+              </a:lnSpc>
+              <a:spcBef>
+                <a:spcPts val="1000"/>
+              </a:spcBef>
+              <a:buFont typeface="Arial" panose="020B0604020202020204" pitchFamily="34" charset="0"/>
+              <a:buChar char="•"/>
+              <a:defRPr sz="2800" kern="1200">
+                <a:solidFill>
+                  <a:schemeClr val="tx1"/>
+                </a:solidFill>
+                <a:latin typeface="+mn-lt"/>
+                <a:ea typeface="+mn-ea"/>
+                <a:cs typeface="+mn-cs"/>
+              </a:defRPr>
+            </a:lvl1pPr>
+            <a:lvl2pPr marL="685800" indent="-228600" algn="l" defTabSz="914400" rtl="0" eaLnBrk="1" latinLnBrk="0" hangingPunct="1">
+              <a:lnSpc>
+                <a:spcPct val="90000"/>
+              </a:lnSpc>
+              <a:spcBef>
+                <a:spcPts val="500"/>
+              </a:spcBef>
+              <a:buFont typeface="Arial" panose="020B0604020202020204" pitchFamily="34" charset="0"/>
+              <a:buChar char="•"/>
+              <a:defRPr sz="2400" kern="1200">
+                <a:solidFill>
+                  <a:schemeClr val="tx1"/>
+                </a:solidFill>
+                <a:latin typeface="+mn-lt"/>
+                <a:ea typeface="+mn-ea"/>
+                <a:cs typeface="+mn-cs"/>
+              </a:defRPr>
+            </a:lvl2pPr>
+            <a:lvl3pPr marL="1143000" indent="-228600" algn="l" defTabSz="914400" rtl="0" eaLnBrk="1" latinLnBrk="0" hangingPunct="1">
+              <a:lnSpc>
+                <a:spcPct val="90000"/>
+              </a:lnSpc>
+              <a:spcBef>
+                <a:spcPts val="500"/>
+              </a:spcBef>
+              <a:buFont typeface="Arial" panose="020B0604020202020204" pitchFamily="34" charset="0"/>
+              <a:buChar char="•"/>
+              <a:defRPr sz="2000" kern="1200">
+                <a:solidFill>
+                  <a:schemeClr val="tx1"/>
+                </a:solidFill>
+                <a:latin typeface="+mn-lt"/>
+                <a:ea typeface="+mn-ea"/>
+                <a:cs typeface="+mn-cs"/>
+              </a:defRPr>
+            </a:lvl3pPr>
+            <a:lvl4pPr marL="1600200" indent="-228600" algn="l" defTabSz="914400" rtl="0" eaLnBrk="1" latinLnBrk="0" hangingPunct="1">
+              <a:lnSpc>
+                <a:spcPct val="90000"/>
+              </a:lnSpc>
+              <a:spcBef>
+                <a:spcPts val="500"/>
+              </a:spcBef>
+              <a:buFont typeface="Arial" panose="020B0604020202020204" pitchFamily="34" charset="0"/>
+              <a:buChar char="•"/>
+              <a:defRPr sz="1800" kern="1200">
+                <a:solidFill>
+                  <a:schemeClr val="tx1"/>
+                </a:solidFill>
+                <a:latin typeface="+mn-lt"/>
+                <a:ea typeface="+mn-ea"/>
+                <a:cs typeface="+mn-cs"/>
+              </a:defRPr>
+            </a:lvl4pPr>
+            <a:lvl5pPr marL="2057400" indent="-228600" algn="l" defTabSz="914400" rtl="0" eaLnBrk="1" latinLnBrk="0" hangingPunct="1">
+              <a:lnSpc>
+                <a:spcPct val="90000"/>
+              </a:lnSpc>
+              <a:spcBef>
+                <a:spcPts val="500"/>
+              </a:spcBef>
+              <a:buFont typeface="Arial" panose="020B0604020202020204" pitchFamily="34" charset="0"/>
+              <a:buChar char="•"/>
+              <a:defRPr sz="1800" kern="1200">
+                <a:solidFill>
+                  <a:schemeClr val="tx1"/>
+                </a:solidFill>
+                <a:latin typeface="+mn-lt"/>
+                <a:ea typeface="+mn-ea"/>
+                <a:cs typeface="+mn-cs"/>
+              </a:defRPr>
+            </a:lvl5pPr>
+            <a:lvl6pPr marL="2514600" indent="-228600" algn="l" defTabSz="914400" rtl="0" eaLnBrk="1" latinLnBrk="0" hangingPunct="1">
+              <a:lnSpc>
+                <a:spcPct val="90000"/>
+              </a:lnSpc>
+              <a:spcBef>
+                <a:spcPts val="500"/>
+              </a:spcBef>
+              <a:buFont typeface="Arial" panose="020B0604020202020204" pitchFamily="34" charset="0"/>
+              <a:buChar char="•"/>
+              <a:defRPr sz="1800" kern="1200">
+                <a:solidFill>
+                  <a:schemeClr val="tx1"/>
+                </a:solidFill>
+                <a:latin typeface="+mn-lt"/>
+                <a:ea typeface="+mn-ea"/>
+                <a:cs typeface="+mn-cs"/>
+              </a:defRPr>
+            </a:lvl6pPr>
+            <a:lvl7pPr marL="2971800" indent="-228600" algn="l" defTabSz="914400" rtl="0" eaLnBrk="1" latinLnBrk="0" hangingPunct="1">
+              <a:lnSpc>
+                <a:spcPct val="90000"/>
+              </a:lnSpc>
+              <a:spcBef>
+                <a:spcPts val="500"/>
+              </a:spcBef>
+              <a:buFont typeface="Arial" panose="020B0604020202020204" pitchFamily="34" charset="0"/>
+              <a:buChar char="•"/>
+              <a:defRPr sz="1800" kern="1200">
+                <a:solidFill>
+                  <a:schemeClr val="tx1"/>
+                </a:solidFill>
+                <a:latin typeface="+mn-lt"/>
+                <a:ea typeface="+mn-ea"/>
+                <a:cs typeface="+mn-cs"/>
+              </a:defRPr>
+            </a:lvl7pPr>
+            <a:lvl8pPr marL="3429000" indent="-228600" algn="l" defTabSz="914400" rtl="0" eaLnBrk="1" latinLnBrk="0" hangingPunct="1">
+              <a:lnSpc>
+                <a:spcPct val="90000"/>
+              </a:lnSpc>
+              <a:spcBef>
+                <a:spcPts val="500"/>
+              </a:spcBef>
+              <a:buFont typeface="Arial" panose="020B0604020202020204" pitchFamily="34" charset="0"/>
+              <a:buChar char="•"/>
+              <a:defRPr sz="1800" kern="1200">
+                <a:solidFill>
+                  <a:schemeClr val="tx1"/>
+                </a:solidFill>
+                <a:latin typeface="+mn-lt"/>
+                <a:ea typeface="+mn-ea"/>
+                <a:cs typeface="+mn-cs"/>
+              </a:defRPr>
+            </a:lvl8pPr>
+            <a:lvl9pPr marL="3886200" indent="-228600" algn="l" defTabSz="914400" rtl="0" eaLnBrk="1" latinLnBrk="0" hangingPunct="1">
+              <a:lnSpc>
+                <a:spcPct val="90000"/>
+              </a:lnSpc>
+              <a:spcBef>
+                <a:spcPts val="500"/>
+              </a:spcBef>
+              <a:buFont typeface="Arial" panose="020B0604020202020204" pitchFamily="34" charset="0"/>
+              <a:buChar char="•"/>
+              <a:defRPr sz="1800" kern="1200">
+                <a:solidFill>
+                  <a:schemeClr val="tx1"/>
+                </a:solidFill>
+                <a:latin typeface="+mn-lt"/>
+                <a:ea typeface="+mn-ea"/>
+                <a:cs typeface="+mn-cs"/>
+              </a:defRPr>
+            </a:lvl9pPr>
+          </a:lstStyle>
+          <a:p>
+            <a:pPr marL="228600" lvl="0" indent="-228600" defTabSz="342900">
+              <a:lnSpc>
+                <a:spcPct val="120000"/>
+              </a:lnSpc>
+              <a:buFont typeface="Arial" panose="020B0604020202020204" pitchFamily="34" charset="0"/>
+              <a:buChar char="•"/>
+            </a:pPr>
+            <a:r>
+              <a:rPr lang="en-US" altLang="zh-CN" sz="1700" dirty="0">
+                <a:solidFill>
+                  <a:srgbClr val="262626"/>
+                </a:solidFill>
+                <a:latin typeface="Calibri" panose="020F0502020204030204" pitchFamily="34" charset="0"/>
+                <a:cs typeface="Calibri" panose="020F0502020204030204" pitchFamily="34" charset="0"/>
+              </a:rPr>
+              <a:t>FROM：initializes a new build stage and sets the Base Image for subsequent instructions. </a:t>
+            </a:r>
+            <a:endParaRPr lang="en-US" altLang="zh-CN" sz="1700" dirty="0">
+              <a:solidFill>
+                <a:srgbClr val="262626"/>
+              </a:solidFill>
+              <a:latin typeface="Calibri" panose="020F0502020204030204" pitchFamily="34" charset="0"/>
+              <a:cs typeface="Calibri" panose="020F0502020204030204" pitchFamily="34" charset="0"/>
+            </a:endParaRPr>
+          </a:p>
+          <a:p>
+            <a:pPr marL="228600" lvl="0" indent="-228600" defTabSz="342900">
+              <a:lnSpc>
+                <a:spcPct val="120000"/>
+              </a:lnSpc>
+              <a:buFont typeface="Arial" panose="020B0604020202020204" pitchFamily="34" charset="0"/>
+              <a:buChar char="•"/>
+            </a:pPr>
+            <a:r>
+              <a:rPr lang="en-US" altLang="zh-CN" sz="1700" dirty="0">
+                <a:solidFill>
+                  <a:srgbClr val="262626"/>
+                </a:solidFill>
+                <a:latin typeface="Calibri" panose="020F0502020204030204" pitchFamily="34" charset="0"/>
+                <a:cs typeface="Calibri" panose="020F0502020204030204" pitchFamily="34" charset="0"/>
+              </a:rPr>
+              <a:t>RUN：instruction will execute any commands in a new layer on top of the current image and commit the results</a:t>
+            </a:r>
+            <a:endParaRPr lang="en-US" altLang="zh-CN" sz="1700" dirty="0">
+              <a:solidFill>
+                <a:srgbClr val="262626"/>
+              </a:solidFill>
+              <a:latin typeface="Calibri" panose="020F0502020204030204" pitchFamily="34" charset="0"/>
+              <a:cs typeface="Calibri" panose="020F0502020204030204" pitchFamily="34" charset="0"/>
+            </a:endParaRPr>
+          </a:p>
+          <a:p>
+            <a:pPr marL="228600" lvl="0" indent="-228600" defTabSz="342900">
+              <a:lnSpc>
+                <a:spcPct val="120000"/>
+              </a:lnSpc>
+              <a:buFont typeface="Arial" panose="020B0604020202020204" pitchFamily="34" charset="0"/>
+              <a:buChar char="•"/>
+            </a:pPr>
+            <a:r>
+              <a:rPr lang="en-US" altLang="zh-CN" sz="1700" dirty="0">
+                <a:solidFill>
+                  <a:srgbClr val="262626"/>
+                </a:solidFill>
+                <a:latin typeface="Calibri" panose="020F0502020204030204" pitchFamily="34" charset="0"/>
+                <a:cs typeface="Calibri" panose="020F0502020204030204" pitchFamily="34" charset="0"/>
+              </a:rPr>
+              <a:t>COPY: copies new files or directories from &lt;src&gt; and adds them to the filesystem of the container at the path </a:t>
+            </a:r>
+            <a:endParaRPr lang="en-US" altLang="zh-CN" sz="1700" dirty="0">
+              <a:solidFill>
+                <a:srgbClr val="262626"/>
+              </a:solidFill>
+              <a:latin typeface="Calibri" panose="020F0502020204030204" pitchFamily="34" charset="0"/>
+              <a:cs typeface="Calibri" panose="020F0502020204030204" pitchFamily="34" charset="0"/>
+            </a:endParaRPr>
+          </a:p>
+          <a:p>
+            <a:pPr marL="228600" lvl="0" indent="-228600" defTabSz="342900">
+              <a:lnSpc>
+                <a:spcPct val="120000"/>
+              </a:lnSpc>
+              <a:buFont typeface="Arial" panose="020B0604020202020204" pitchFamily="34" charset="0"/>
+              <a:buChar char="•"/>
+            </a:pPr>
+            <a:r>
+              <a:rPr lang="en-US" altLang="zh-CN" sz="1700" dirty="0">
+                <a:solidFill>
+                  <a:srgbClr val="262626"/>
+                </a:solidFill>
+                <a:latin typeface="Calibri" panose="020F0502020204030204" pitchFamily="34" charset="0"/>
+                <a:cs typeface="Calibri" panose="020F0502020204030204" pitchFamily="34" charset="0"/>
+              </a:rPr>
+              <a:t>CMD provide defaults for an executing container. CMD executed when docker run; RUN exectued when docker build。</a:t>
+            </a:r>
+            <a:endParaRPr lang="en-US" altLang="zh-CN" sz="1700" dirty="0">
+              <a:solidFill>
+                <a:srgbClr val="262626"/>
+              </a:solidFill>
+              <a:latin typeface="Calibri" panose="020F0502020204030204" pitchFamily="34" charset="0"/>
+              <a:cs typeface="Calibri" panose="020F0502020204030204" pitchFamily="34" charset="0"/>
+            </a:endParaRPr>
+          </a:p>
+          <a:p>
+            <a:pPr marL="228600" lvl="0" indent="-228600" defTabSz="342900">
+              <a:lnSpc>
+                <a:spcPct val="120000"/>
+              </a:lnSpc>
+              <a:buFont typeface="Arial" panose="020B0604020202020204" pitchFamily="34" charset="0"/>
+              <a:buChar char="•"/>
+            </a:pPr>
+            <a:r>
+              <a:rPr lang="en-US" altLang="zh-CN" sz="1700" dirty="0">
+                <a:solidFill>
+                  <a:srgbClr val="262626"/>
+                </a:solidFill>
+                <a:latin typeface="Calibri" panose="020F0502020204030204" pitchFamily="34" charset="0"/>
+                <a:cs typeface="Calibri" panose="020F0502020204030204" pitchFamily="34" charset="0"/>
+              </a:rPr>
+              <a:t>ENTRYPOINT: allows you to configure a container that will run as an executable.</a:t>
+            </a:r>
+            <a:endParaRPr lang="en-US" altLang="zh-CN" sz="1700" dirty="0">
+              <a:solidFill>
+                <a:srgbClr val="262626"/>
+              </a:solidFill>
+              <a:latin typeface="Calibri" panose="020F0502020204030204" pitchFamily="34" charset="0"/>
+              <a:cs typeface="Calibri" panose="020F0502020204030204" pitchFamily="34" charset="0"/>
+            </a:endParaRPr>
+          </a:p>
+          <a:p>
+            <a:pPr marL="228600" lvl="0" indent="-228600" defTabSz="342900">
+              <a:lnSpc>
+                <a:spcPct val="120000"/>
+              </a:lnSpc>
+              <a:buFont typeface="Arial" panose="020B0604020202020204" pitchFamily="34" charset="0"/>
+              <a:buChar char="•"/>
+            </a:pPr>
+            <a:r>
+              <a:rPr lang="en-US" altLang="zh-CN" sz="1700" dirty="0">
+                <a:solidFill>
+                  <a:srgbClr val="262626"/>
+                </a:solidFill>
+                <a:latin typeface="Calibri" panose="020F0502020204030204" pitchFamily="34" charset="0"/>
+                <a:cs typeface="Calibri" panose="020F0502020204030204" pitchFamily="34" charset="0"/>
+              </a:rPr>
+              <a:t>ENV:  sets the environment variable &lt;key&gt; to the value &lt;value&gt;</a:t>
+            </a:r>
+            <a:endParaRPr lang="en-US" altLang="zh-CN" sz="1700" dirty="0">
+              <a:solidFill>
+                <a:srgbClr val="262626"/>
+              </a:solidFill>
+              <a:latin typeface="Calibri" panose="020F0502020204030204" pitchFamily="34" charset="0"/>
+              <a:cs typeface="Calibri" panose="020F0502020204030204" pitchFamily="34" charset="0"/>
+            </a:endParaRPr>
+          </a:p>
+          <a:p>
+            <a:pPr marL="228600" lvl="0" indent="-228600" defTabSz="342900">
+              <a:lnSpc>
+                <a:spcPct val="120000"/>
+              </a:lnSpc>
+              <a:buFont typeface="Arial" panose="020B0604020202020204" pitchFamily="34" charset="0"/>
+              <a:buChar char="•"/>
+            </a:pPr>
+            <a:r>
+              <a:rPr lang="en-US" altLang="zh-CN" sz="1700" dirty="0">
+                <a:solidFill>
+                  <a:srgbClr val="262626"/>
+                </a:solidFill>
+                <a:latin typeface="Calibri" panose="020F0502020204030204" pitchFamily="34" charset="0"/>
+                <a:cs typeface="Calibri" panose="020F0502020204030204" pitchFamily="34" charset="0"/>
+              </a:rPr>
+              <a:t>VOLUME: creates a mount point with the specified name and marks it as holding externally mounted volumes from native host or other containers</a:t>
+            </a:r>
+            <a:endParaRPr lang="en-US" altLang="zh-CN" sz="1700" dirty="0">
+              <a:solidFill>
+                <a:srgbClr val="262626"/>
+              </a:solidFill>
+              <a:latin typeface="Calibri" panose="020F0502020204030204" pitchFamily="34" charset="0"/>
+              <a:cs typeface="Calibri" panose="020F0502020204030204" pitchFamily="34" charset="0"/>
+            </a:endParaRPr>
+          </a:p>
+          <a:p>
+            <a:pPr marL="228600" lvl="0" indent="-228600" defTabSz="342900">
+              <a:lnSpc>
+                <a:spcPct val="120000"/>
+              </a:lnSpc>
+              <a:buFont typeface="Arial" panose="020B0604020202020204" pitchFamily="34" charset="0"/>
+              <a:buChar char="•"/>
+            </a:pPr>
+            <a:r>
+              <a:rPr lang="en-US" altLang="zh-CN" sz="1700" dirty="0">
+                <a:solidFill>
+                  <a:srgbClr val="262626"/>
+                </a:solidFill>
+                <a:latin typeface="Calibri" panose="020F0502020204030204" pitchFamily="34" charset="0"/>
+                <a:cs typeface="Calibri" panose="020F0502020204030204" pitchFamily="34" charset="0"/>
+              </a:rPr>
+              <a:t>EXPOSE: expose ports</a:t>
+            </a:r>
+            <a:endParaRPr lang="en-US" altLang="zh-CN" sz="1700" dirty="0">
+              <a:solidFill>
+                <a:srgbClr val="262626"/>
+              </a:solidFill>
+              <a:latin typeface="Calibri" panose="020F0502020204030204" pitchFamily="34" charset="0"/>
+              <a:cs typeface="Calibri" panose="020F0502020204030204" pitchFamily="34" charset="0"/>
+            </a:endParaRPr>
+          </a:p>
+          <a:p>
+            <a:pPr marL="228600" lvl="0" indent="-228600" defTabSz="342900">
+              <a:lnSpc>
+                <a:spcPct val="120000"/>
+              </a:lnSpc>
+              <a:buFont typeface="Arial" panose="020B0604020202020204" pitchFamily="34" charset="0"/>
+              <a:buChar char="•"/>
+            </a:pPr>
+            <a:r>
+              <a:rPr lang="en-US" altLang="zh-CN" sz="1700" dirty="0">
+                <a:solidFill>
+                  <a:srgbClr val="262626"/>
+                </a:solidFill>
+                <a:latin typeface="Calibri" panose="020F0502020204030204" pitchFamily="34" charset="0"/>
+                <a:cs typeface="Calibri" panose="020F0502020204030204" pitchFamily="34" charset="0"/>
+              </a:rPr>
+              <a:t>WORKDIR: sets the working directory</a:t>
+            </a:r>
+            <a:endParaRPr lang="en-US" altLang="zh-CN" sz="1700" dirty="0">
+              <a:solidFill>
+                <a:srgbClr val="262626"/>
+              </a:solidFill>
+              <a:latin typeface="Calibri" panose="020F0502020204030204" pitchFamily="34" charset="0"/>
+              <a:cs typeface="Calibri" panose="020F0502020204030204" pitchFamily="34" charset="0"/>
+            </a:endParaRPr>
+          </a:p>
+        </p:txBody>
+      </p:sp>
+    </p:spTree>
+  </p:cSld>
+  <p:clrMapOvr>
+    <a:masterClrMapping/>
+  </p:clrMapOvr>
+</p:sld>
+</file>
+
+<file path=ppt/slides/slide18.xml><?xml version="1.0" encoding="utf-8"?>
+<p:sld xmlns:a="http://schemas.openxmlformats.org/drawingml/2006/main" xmlns:r="http://schemas.openxmlformats.org/officeDocument/2006/relationships" xmlns:p="http://schemas.openxmlformats.org/presentationml/2006/main">
+  <p:cSld>
+    <p:spTree>
+      <p:nvGrpSpPr>
+        <p:cNvPr id="1" name=""/>
+        <p:cNvGrpSpPr/>
+        <p:nvPr/>
+      </p:nvGrpSpPr>
+      <p:grpSpPr>
+        <a:xfrm>
+          <a:off x="0" y="0"/>
+          <a:ext cx="0" cy="0"/>
+          <a:chOff x="0" y="0"/>
+          <a:chExt cx="0" cy="0"/>
+        </a:xfrm>
+      </p:grpSpPr>
+      <p:sp>
+        <p:nvSpPr>
+          <p:cNvPr id="2" name="Title 1"/>
+          <p:cNvSpPr>
+            <a:spLocks noGrp="1"/>
+          </p:cNvSpPr>
+          <p:nvPr>
+            <p:ph type="title"/>
+          </p:nvPr>
+        </p:nvSpPr>
+        <p:spPr>
+          <a:xfrm>
+            <a:off x="628650" y="155263"/>
+            <a:ext cx="7886700" cy="526790"/>
+          </a:xfrm>
+        </p:spPr>
+        <p:txBody>
+          <a:bodyPr>
+            <a:normAutofit fontScale="90000"/>
+          </a:bodyPr>
+          <a:lstStyle/>
+          <a:p>
+            <a:pPr algn="ctr"/>
+            <a:r>
+              <a:rPr lang="en-US" sz="3200" b="1" dirty="0">
+                <a:latin typeface="Calibri" panose="020F0502020204030204" pitchFamily="34" charset="0"/>
+                <a:cs typeface="Calibri" panose="020F0502020204030204" pitchFamily="34" charset="0"/>
+                <a:sym typeface="+mn-ea"/>
+              </a:rPr>
+              <a:t>Docker File</a:t>
+            </a:r>
+            <a:endParaRPr lang="en-US" sz="3200" b="1" dirty="0">
+              <a:latin typeface="Calibri" panose="020F0502020204030204" pitchFamily="34" charset="0"/>
+              <a:cs typeface="Calibri" panose="020F0502020204030204" pitchFamily="34" charset="0"/>
+            </a:endParaRPr>
+          </a:p>
+        </p:txBody>
+      </p:sp>
+      <p:sp>
+        <p:nvSpPr>
+          <p:cNvPr id="4" name="Content Placeholder 2"/>
+          <p:cNvSpPr>
+            <a:spLocks noGrp="1"/>
+          </p:cNvSpPr>
+          <p:nvPr/>
+        </p:nvSpPr>
+        <p:spPr>
+          <a:xfrm>
+            <a:off x="628650" y="989044"/>
+            <a:ext cx="7886700" cy="5605719"/>
+          </a:xfrm>
+          <a:prstGeom prst="rect">
+            <a:avLst/>
+          </a:prstGeom>
+        </p:spPr>
+        <p:txBody>
+          <a:bodyPr vert="horz" lIns="91440" tIns="45720" rIns="91440" bIns="45720" rtlCol="0">
+            <a:normAutofit/>
+          </a:bodyPr>
+          <a:lstStyle>
+            <a:lvl1pPr marL="228600" indent="-228600" algn="l" defTabSz="914400" rtl="0" eaLnBrk="1" latinLnBrk="0" hangingPunct="1">
+              <a:lnSpc>
+                <a:spcPct val="90000"/>
+              </a:lnSpc>
+              <a:spcBef>
+                <a:spcPts val="1000"/>
+              </a:spcBef>
+              <a:buFont typeface="Arial" panose="020B0604020202020204" pitchFamily="34" charset="0"/>
+              <a:buChar char="•"/>
+              <a:defRPr sz="2800" kern="1200">
+                <a:solidFill>
+                  <a:schemeClr val="tx1"/>
+                </a:solidFill>
+                <a:latin typeface="+mn-lt"/>
+                <a:ea typeface="+mn-ea"/>
+                <a:cs typeface="+mn-cs"/>
+              </a:defRPr>
+            </a:lvl1pPr>
+            <a:lvl2pPr marL="685800" indent="-228600" algn="l" defTabSz="914400" rtl="0" eaLnBrk="1" latinLnBrk="0" hangingPunct="1">
+              <a:lnSpc>
+                <a:spcPct val="90000"/>
+              </a:lnSpc>
+              <a:spcBef>
+                <a:spcPts val="500"/>
+              </a:spcBef>
+              <a:buFont typeface="Arial" panose="020B0604020202020204" pitchFamily="34" charset="0"/>
+              <a:buChar char="•"/>
+              <a:defRPr sz="2400" kern="1200">
+                <a:solidFill>
+                  <a:schemeClr val="tx1"/>
+                </a:solidFill>
+                <a:latin typeface="+mn-lt"/>
+                <a:ea typeface="+mn-ea"/>
+                <a:cs typeface="+mn-cs"/>
+              </a:defRPr>
+            </a:lvl2pPr>
+            <a:lvl3pPr marL="1143000" indent="-228600" algn="l" defTabSz="914400" rtl="0" eaLnBrk="1" latinLnBrk="0" hangingPunct="1">
+              <a:lnSpc>
+                <a:spcPct val="90000"/>
+              </a:lnSpc>
+              <a:spcBef>
+                <a:spcPts val="500"/>
+              </a:spcBef>
+              <a:buFont typeface="Arial" panose="020B0604020202020204" pitchFamily="34" charset="0"/>
+              <a:buChar char="•"/>
+              <a:defRPr sz="2000" kern="1200">
+                <a:solidFill>
+                  <a:schemeClr val="tx1"/>
+                </a:solidFill>
+                <a:latin typeface="+mn-lt"/>
+                <a:ea typeface="+mn-ea"/>
+                <a:cs typeface="+mn-cs"/>
+              </a:defRPr>
+            </a:lvl3pPr>
+            <a:lvl4pPr marL="1600200" indent="-228600" algn="l" defTabSz="914400" rtl="0" eaLnBrk="1" latinLnBrk="0" hangingPunct="1">
+              <a:lnSpc>
+                <a:spcPct val="90000"/>
+              </a:lnSpc>
+              <a:spcBef>
+                <a:spcPts val="500"/>
+              </a:spcBef>
+              <a:buFont typeface="Arial" panose="020B0604020202020204" pitchFamily="34" charset="0"/>
+              <a:buChar char="•"/>
+              <a:defRPr sz="1800" kern="1200">
+                <a:solidFill>
+                  <a:schemeClr val="tx1"/>
+                </a:solidFill>
+                <a:latin typeface="+mn-lt"/>
+                <a:ea typeface="+mn-ea"/>
+                <a:cs typeface="+mn-cs"/>
+              </a:defRPr>
+            </a:lvl4pPr>
+            <a:lvl5pPr marL="2057400" indent="-228600" algn="l" defTabSz="914400" rtl="0" eaLnBrk="1" latinLnBrk="0" hangingPunct="1">
+              <a:lnSpc>
+                <a:spcPct val="90000"/>
+              </a:lnSpc>
+              <a:spcBef>
+                <a:spcPts val="500"/>
+              </a:spcBef>
+              <a:buFont typeface="Arial" panose="020B0604020202020204" pitchFamily="34" charset="0"/>
+              <a:buChar char="•"/>
+              <a:defRPr sz="1800" kern="1200">
+                <a:solidFill>
+                  <a:schemeClr val="tx1"/>
+                </a:solidFill>
+                <a:latin typeface="+mn-lt"/>
+                <a:ea typeface="+mn-ea"/>
+                <a:cs typeface="+mn-cs"/>
+              </a:defRPr>
+            </a:lvl5pPr>
+            <a:lvl6pPr marL="2514600" indent="-228600" algn="l" defTabSz="914400" rtl="0" eaLnBrk="1" latinLnBrk="0" hangingPunct="1">
+              <a:lnSpc>
+                <a:spcPct val="90000"/>
+              </a:lnSpc>
+              <a:spcBef>
+                <a:spcPts val="500"/>
+              </a:spcBef>
+              <a:buFont typeface="Arial" panose="020B0604020202020204" pitchFamily="34" charset="0"/>
+              <a:buChar char="•"/>
+              <a:defRPr sz="1800" kern="1200">
+                <a:solidFill>
+                  <a:schemeClr val="tx1"/>
+                </a:solidFill>
+                <a:latin typeface="+mn-lt"/>
+                <a:ea typeface="+mn-ea"/>
+                <a:cs typeface="+mn-cs"/>
+              </a:defRPr>
+            </a:lvl6pPr>
+            <a:lvl7pPr marL="2971800" indent="-228600" algn="l" defTabSz="914400" rtl="0" eaLnBrk="1" latinLnBrk="0" hangingPunct="1">
+              <a:lnSpc>
+                <a:spcPct val="90000"/>
+              </a:lnSpc>
+              <a:spcBef>
+                <a:spcPts val="500"/>
+              </a:spcBef>
+              <a:buFont typeface="Arial" panose="020B0604020202020204" pitchFamily="34" charset="0"/>
+              <a:buChar char="•"/>
+              <a:defRPr sz="1800" kern="1200">
+                <a:solidFill>
+                  <a:schemeClr val="tx1"/>
+                </a:solidFill>
+                <a:latin typeface="+mn-lt"/>
+                <a:ea typeface="+mn-ea"/>
+                <a:cs typeface="+mn-cs"/>
+              </a:defRPr>
+            </a:lvl7pPr>
+            <a:lvl8pPr marL="3429000" indent="-228600" algn="l" defTabSz="914400" rtl="0" eaLnBrk="1" latinLnBrk="0" hangingPunct="1">
+              <a:lnSpc>
+                <a:spcPct val="90000"/>
+              </a:lnSpc>
+              <a:spcBef>
+                <a:spcPts val="500"/>
+              </a:spcBef>
+              <a:buFont typeface="Arial" panose="020B0604020202020204" pitchFamily="34" charset="0"/>
+              <a:buChar char="•"/>
+              <a:defRPr sz="1800" kern="1200">
+                <a:solidFill>
+                  <a:schemeClr val="tx1"/>
+                </a:solidFill>
+                <a:latin typeface="+mn-lt"/>
+                <a:ea typeface="+mn-ea"/>
+                <a:cs typeface="+mn-cs"/>
+              </a:defRPr>
+            </a:lvl8pPr>
+            <a:lvl9pPr marL="3886200" indent="-228600" algn="l" defTabSz="914400" rtl="0" eaLnBrk="1" latinLnBrk="0" hangingPunct="1">
+              <a:lnSpc>
+                <a:spcPct val="90000"/>
+              </a:lnSpc>
+              <a:spcBef>
+                <a:spcPts val="500"/>
+              </a:spcBef>
+              <a:buFont typeface="Arial" panose="020B0604020202020204" pitchFamily="34" charset="0"/>
+              <a:buChar char="•"/>
+              <a:defRPr sz="1800" kern="1200">
+                <a:solidFill>
+                  <a:schemeClr val="tx1"/>
+                </a:solidFill>
+                <a:latin typeface="+mn-lt"/>
+                <a:ea typeface="+mn-ea"/>
+                <a:cs typeface="+mn-cs"/>
+              </a:defRPr>
+            </a:lvl9pPr>
+          </a:lstStyle>
+          <a:p>
+            <a:pPr marL="457200" lvl="1" indent="0" defTabSz="342900">
+              <a:lnSpc>
+                <a:spcPct val="120000"/>
+              </a:lnSpc>
+              <a:buFont typeface="Arial" panose="020B0604020202020204" pitchFamily="34" charset="0"/>
+              <a:buNone/>
+            </a:pPr>
+            <a:r>
+              <a:rPr lang="en-US" altLang="zh-CN" sz="1800" dirty="0">
+                <a:solidFill>
+                  <a:srgbClr val="262626"/>
+                </a:solidFill>
+              </a:rPr>
+              <a:t>Docker file</a:t>
+            </a:r>
+            <a:endParaRPr lang="en-US" altLang="zh-CN" sz="1800" dirty="0">
+              <a:solidFill>
+                <a:srgbClr val="262626"/>
+              </a:solidFill>
+            </a:endParaRPr>
+          </a:p>
+          <a:p>
+            <a:pPr marL="685800" lvl="1" indent="-228600" defTabSz="342900">
+              <a:lnSpc>
+                <a:spcPct val="120000"/>
+              </a:lnSpc>
+              <a:buFont typeface="Arial" panose="020B0604020202020204" pitchFamily="34" charset="0"/>
+              <a:buChar char="•"/>
+            </a:pPr>
+            <a:r>
+              <a:rPr lang="en-US" altLang="zh-CN" sz="1535" dirty="0">
+                <a:solidFill>
+                  <a:srgbClr val="262626"/>
+                </a:solidFill>
+                <a:sym typeface="+mn-ea"/>
+              </a:rPr>
+              <a:t>Fabric Docker example: https://github.com/yeasy/docker-hyperledger-fabric/blob/master/Dockerfile</a:t>
+            </a:r>
+            <a:endParaRPr lang="en-US" altLang="zh-CN" sz="1535" dirty="0">
+              <a:solidFill>
+                <a:srgbClr val="262626"/>
+              </a:solidFill>
+              <a:sym typeface="+mn-ea"/>
+            </a:endParaRPr>
+          </a:p>
+          <a:p>
+            <a:pPr marL="685800" lvl="1" indent="-228600" defTabSz="342900">
+              <a:lnSpc>
+                <a:spcPct val="120000"/>
+              </a:lnSpc>
+              <a:buFont typeface="Arial" panose="020B0604020202020204" pitchFamily="34" charset="0"/>
+              <a:buChar char="•"/>
+            </a:pPr>
+            <a:endParaRPr lang="en-US" altLang="zh-CN" sz="1535" dirty="0">
+              <a:solidFill>
+                <a:srgbClr val="262626"/>
+              </a:solidFill>
+              <a:sym typeface="+mn-ea"/>
+            </a:endParaRPr>
+          </a:p>
+          <a:p>
+            <a:pPr marL="685800" lvl="1" indent="-228600" defTabSz="342900">
+              <a:lnSpc>
+                <a:spcPct val="120000"/>
+              </a:lnSpc>
+              <a:buFont typeface="Arial" panose="020B0604020202020204" pitchFamily="34" charset="0"/>
+              <a:buChar char="•"/>
+            </a:pPr>
+            <a:r>
+              <a:rPr lang="en-US" altLang="zh-CN" sz="1535" dirty="0">
+                <a:solidFill>
+                  <a:srgbClr val="262626"/>
+                </a:solidFill>
+                <a:sym typeface="+mn-ea"/>
+              </a:rPr>
+              <a:t>https://github.com/docker-library/golang/blob/master/1.14/alpine3.12/Dockerfile</a:t>
+            </a:r>
+            <a:endParaRPr lang="en-US" altLang="zh-CN" sz="1535" dirty="0">
+              <a:solidFill>
+                <a:srgbClr val="262626"/>
+              </a:solidFill>
+              <a:sym typeface="+mn-ea"/>
+            </a:endParaRPr>
+          </a:p>
+          <a:p>
+            <a:pPr marL="685800" lvl="1" indent="-228600" defTabSz="342900">
+              <a:lnSpc>
+                <a:spcPct val="120000"/>
+              </a:lnSpc>
+              <a:buFont typeface="Arial" panose="020B0604020202020204" pitchFamily="34" charset="0"/>
+              <a:buChar char="•"/>
+            </a:pPr>
+            <a:endParaRPr lang="en-US" altLang="zh-CN" sz="1540" b="1" dirty="0">
+              <a:solidFill>
+                <a:srgbClr val="262626"/>
+              </a:solidFill>
+            </a:endParaRPr>
+          </a:p>
+          <a:p>
+            <a:pPr marL="685800" lvl="1" indent="-228600" defTabSz="342900">
+              <a:lnSpc>
+                <a:spcPct val="120000"/>
+              </a:lnSpc>
+              <a:buFont typeface="Arial" panose="020B0604020202020204" pitchFamily="34" charset="0"/>
+              <a:buChar char="•"/>
+            </a:pPr>
+            <a:endParaRPr lang="en-US" altLang="zh-CN" sz="1540" dirty="0">
+              <a:solidFill>
+                <a:srgbClr val="262626"/>
+              </a:solidFill>
+            </a:endParaRPr>
+          </a:p>
+        </p:txBody>
+      </p:sp>
+      <p:pic>
+        <p:nvPicPr>
+          <p:cNvPr id="5" name="图片 4"/>
+          <p:cNvPicPr>
+            <a:picLocks noChangeAspect="1"/>
+          </p:cNvPicPr>
+          <p:nvPr/>
+        </p:nvPicPr>
+        <p:blipFill>
+          <a:blip r:embed="rId1"/>
+          <a:stretch>
+            <a:fillRect/>
+          </a:stretch>
+        </p:blipFill>
+        <p:spPr>
+          <a:xfrm>
+            <a:off x="456565" y="3308350"/>
+            <a:ext cx="4098925" cy="2251710"/>
+          </a:xfrm>
+          <a:prstGeom prst="rect">
+            <a:avLst/>
+          </a:prstGeom>
+        </p:spPr>
+      </p:pic>
+      <p:pic>
+        <p:nvPicPr>
+          <p:cNvPr id="6" name="图片 5"/>
+          <p:cNvPicPr>
+            <a:picLocks noChangeAspect="1"/>
+          </p:cNvPicPr>
+          <p:nvPr/>
+        </p:nvPicPr>
+        <p:blipFill>
+          <a:blip r:embed="rId2"/>
+          <a:srcRect l="3765"/>
+          <a:stretch>
+            <a:fillRect/>
+          </a:stretch>
+        </p:blipFill>
+        <p:spPr>
+          <a:xfrm>
+            <a:off x="4442460" y="3350260"/>
+            <a:ext cx="3959860" cy="2209800"/>
+          </a:xfrm>
+          <a:prstGeom prst="rect">
+            <a:avLst/>
+          </a:prstGeom>
+        </p:spPr>
+      </p:pic>
+    </p:spTree>
+  </p:cSld>
+  <p:clrMapOvr>
+    <a:masterClrMapping/>
+  </p:clrMapOvr>
+</p:sld>
+</file>
+
+<file path=ppt/slides/slide19.xml><?xml version="1.0" encoding="utf-8"?>
+<p:sld xmlns:a="http://schemas.openxmlformats.org/drawingml/2006/main" xmlns:r="http://schemas.openxmlformats.org/officeDocument/2006/relationships" xmlns:p="http://schemas.openxmlformats.org/presentationml/2006/main">
+  <p:cSld>
+    <p:spTree>
+      <p:nvGrpSpPr>
+        <p:cNvPr id="1" name=""/>
+        <p:cNvGrpSpPr/>
+        <p:nvPr/>
+      </p:nvGrpSpPr>
+      <p:grpSpPr>
+        <a:xfrm>
+          <a:off x="0" y="0"/>
+          <a:ext cx="0" cy="0"/>
+          <a:chOff x="0" y="0"/>
+          <a:chExt cx="0" cy="0"/>
+        </a:xfrm>
+      </p:grpSpPr>
+      <p:sp>
+        <p:nvSpPr>
+          <p:cNvPr id="2" name="Title 1"/>
+          <p:cNvSpPr>
+            <a:spLocks noGrp="1"/>
+          </p:cNvSpPr>
+          <p:nvPr>
+            <p:ph type="title"/>
+          </p:nvPr>
+        </p:nvSpPr>
+        <p:spPr>
+          <a:xfrm>
+            <a:off x="628650" y="155263"/>
+            <a:ext cx="7886700" cy="526790"/>
+          </a:xfrm>
+        </p:spPr>
+        <p:txBody>
+          <a:bodyPr>
+            <a:normAutofit fontScale="90000"/>
+          </a:bodyPr>
+          <a:lstStyle/>
+          <a:p>
+            <a:pPr algn="ctr"/>
+            <a:r>
+              <a:rPr lang="en-US" sz="3200" b="1" dirty="0">
+                <a:latin typeface="Calibri" panose="020F0502020204030204" pitchFamily="34" charset="0"/>
+                <a:cs typeface="Calibri" panose="020F0502020204030204" pitchFamily="34" charset="0"/>
+              </a:rPr>
+              <a:t>Docker Overview</a:t>
+            </a:r>
+            <a:endParaRPr lang="en-US" sz="3200" b="1" dirty="0">
+              <a:latin typeface="Calibri" panose="020F0502020204030204" pitchFamily="34" charset="0"/>
+              <a:cs typeface="Calibri" panose="020F0502020204030204" pitchFamily="34" charset="0"/>
+            </a:endParaRPr>
+          </a:p>
+        </p:txBody>
+      </p:sp>
+      <p:sp>
+        <p:nvSpPr>
+          <p:cNvPr id="4" name="Content Placeholder 2"/>
+          <p:cNvSpPr>
+            <a:spLocks noGrp="1"/>
+          </p:cNvSpPr>
+          <p:nvPr/>
+        </p:nvSpPr>
+        <p:spPr>
+          <a:xfrm>
+            <a:off x="628650" y="975074"/>
+            <a:ext cx="7886700" cy="5605719"/>
+          </a:xfrm>
+          <a:prstGeom prst="rect">
+            <a:avLst/>
+          </a:prstGeom>
+        </p:spPr>
+        <p:txBody>
+          <a:bodyPr vert="horz" lIns="91440" tIns="45720" rIns="91440" bIns="45720" rtlCol="0">
+            <a:normAutofit/>
+          </a:bodyPr>
+          <a:lstStyle>
+            <a:lvl1pPr marL="228600" indent="-228600" algn="l" defTabSz="914400" rtl="0" eaLnBrk="1" latinLnBrk="0" hangingPunct="1">
+              <a:lnSpc>
+                <a:spcPct val="90000"/>
+              </a:lnSpc>
+              <a:spcBef>
+                <a:spcPts val="1000"/>
+              </a:spcBef>
+              <a:buFont typeface="Arial" panose="020B0604020202020204" pitchFamily="34" charset="0"/>
+              <a:buChar char="•"/>
+              <a:defRPr sz="2800" kern="1200">
+                <a:solidFill>
+                  <a:schemeClr val="tx1"/>
+                </a:solidFill>
+                <a:latin typeface="+mn-lt"/>
+                <a:ea typeface="+mn-ea"/>
+                <a:cs typeface="+mn-cs"/>
+              </a:defRPr>
+            </a:lvl1pPr>
+            <a:lvl2pPr marL="685800" indent="-228600" algn="l" defTabSz="914400" rtl="0" eaLnBrk="1" latinLnBrk="0" hangingPunct="1">
+              <a:lnSpc>
+                <a:spcPct val="90000"/>
+              </a:lnSpc>
+              <a:spcBef>
+                <a:spcPts val="500"/>
+              </a:spcBef>
+              <a:buFont typeface="Arial" panose="020B0604020202020204" pitchFamily="34" charset="0"/>
+              <a:buChar char="•"/>
+              <a:defRPr sz="2400" kern="1200">
+                <a:solidFill>
+                  <a:schemeClr val="tx1"/>
+                </a:solidFill>
+                <a:latin typeface="+mn-lt"/>
+                <a:ea typeface="+mn-ea"/>
+                <a:cs typeface="+mn-cs"/>
+              </a:defRPr>
+            </a:lvl2pPr>
+            <a:lvl3pPr marL="1143000" indent="-228600" algn="l" defTabSz="914400" rtl="0" eaLnBrk="1" latinLnBrk="0" hangingPunct="1">
+              <a:lnSpc>
+                <a:spcPct val="90000"/>
+              </a:lnSpc>
+              <a:spcBef>
+                <a:spcPts val="500"/>
+              </a:spcBef>
+              <a:buFont typeface="Arial" panose="020B0604020202020204" pitchFamily="34" charset="0"/>
+              <a:buChar char="•"/>
+              <a:defRPr sz="2000" kern="1200">
+                <a:solidFill>
+                  <a:schemeClr val="tx1"/>
+                </a:solidFill>
+                <a:latin typeface="+mn-lt"/>
+                <a:ea typeface="+mn-ea"/>
+                <a:cs typeface="+mn-cs"/>
+              </a:defRPr>
+            </a:lvl3pPr>
+            <a:lvl4pPr marL="1600200" indent="-228600" algn="l" defTabSz="914400" rtl="0" eaLnBrk="1" latinLnBrk="0" hangingPunct="1">
+              <a:lnSpc>
+                <a:spcPct val="90000"/>
+              </a:lnSpc>
+              <a:spcBef>
+                <a:spcPts val="500"/>
+              </a:spcBef>
+              <a:buFont typeface="Arial" panose="020B0604020202020204" pitchFamily="34" charset="0"/>
+              <a:buChar char="•"/>
+              <a:defRPr sz="1800" kern="1200">
+                <a:solidFill>
+                  <a:schemeClr val="tx1"/>
+                </a:solidFill>
+                <a:latin typeface="+mn-lt"/>
+                <a:ea typeface="+mn-ea"/>
+                <a:cs typeface="+mn-cs"/>
+              </a:defRPr>
+            </a:lvl4pPr>
+            <a:lvl5pPr marL="2057400" indent="-228600" algn="l" defTabSz="914400" rtl="0" eaLnBrk="1" latinLnBrk="0" hangingPunct="1">
+              <a:lnSpc>
+                <a:spcPct val="90000"/>
+              </a:lnSpc>
+              <a:spcBef>
+                <a:spcPts val="500"/>
+              </a:spcBef>
+              <a:buFont typeface="Arial" panose="020B0604020202020204" pitchFamily="34" charset="0"/>
+              <a:buChar char="•"/>
+              <a:defRPr sz="1800" kern="1200">
+                <a:solidFill>
+                  <a:schemeClr val="tx1"/>
+                </a:solidFill>
+                <a:latin typeface="+mn-lt"/>
+                <a:ea typeface="+mn-ea"/>
+                <a:cs typeface="+mn-cs"/>
+              </a:defRPr>
+            </a:lvl5pPr>
+            <a:lvl6pPr marL="2514600" indent="-228600" algn="l" defTabSz="914400" rtl="0" eaLnBrk="1" latinLnBrk="0" hangingPunct="1">
+              <a:lnSpc>
+                <a:spcPct val="90000"/>
+              </a:lnSpc>
+              <a:spcBef>
+                <a:spcPts val="500"/>
+              </a:spcBef>
+              <a:buFont typeface="Arial" panose="020B0604020202020204" pitchFamily="34" charset="0"/>
+              <a:buChar char="•"/>
+              <a:defRPr sz="1800" kern="1200">
+                <a:solidFill>
+                  <a:schemeClr val="tx1"/>
+                </a:solidFill>
+                <a:latin typeface="+mn-lt"/>
+                <a:ea typeface="+mn-ea"/>
+                <a:cs typeface="+mn-cs"/>
+              </a:defRPr>
+            </a:lvl6pPr>
+            <a:lvl7pPr marL="2971800" indent="-228600" algn="l" defTabSz="914400" rtl="0" eaLnBrk="1" latinLnBrk="0" hangingPunct="1">
+              <a:lnSpc>
+                <a:spcPct val="90000"/>
+              </a:lnSpc>
+              <a:spcBef>
+                <a:spcPts val="500"/>
+              </a:spcBef>
+              <a:buFont typeface="Arial" panose="020B0604020202020204" pitchFamily="34" charset="0"/>
+              <a:buChar char="•"/>
+              <a:defRPr sz="1800" kern="1200">
+                <a:solidFill>
+                  <a:schemeClr val="tx1"/>
+                </a:solidFill>
+                <a:latin typeface="+mn-lt"/>
+                <a:ea typeface="+mn-ea"/>
+                <a:cs typeface="+mn-cs"/>
+              </a:defRPr>
+            </a:lvl7pPr>
+            <a:lvl8pPr marL="3429000" indent="-228600" algn="l" defTabSz="914400" rtl="0" eaLnBrk="1" latinLnBrk="0" hangingPunct="1">
+              <a:lnSpc>
+                <a:spcPct val="90000"/>
+              </a:lnSpc>
+              <a:spcBef>
+                <a:spcPts val="500"/>
+              </a:spcBef>
+              <a:buFont typeface="Arial" panose="020B0604020202020204" pitchFamily="34" charset="0"/>
+              <a:buChar char="•"/>
+              <a:defRPr sz="1800" kern="1200">
+                <a:solidFill>
+                  <a:schemeClr val="tx1"/>
+                </a:solidFill>
+                <a:latin typeface="+mn-lt"/>
+                <a:ea typeface="+mn-ea"/>
+                <a:cs typeface="+mn-cs"/>
+              </a:defRPr>
+            </a:lvl8pPr>
+            <a:lvl9pPr marL="3886200" indent="-228600" algn="l" defTabSz="914400" rtl="0" eaLnBrk="1" latinLnBrk="0" hangingPunct="1">
+              <a:lnSpc>
+                <a:spcPct val="90000"/>
+              </a:lnSpc>
+              <a:spcBef>
+                <a:spcPts val="500"/>
+              </a:spcBef>
+              <a:buFont typeface="Arial" panose="020B0604020202020204" pitchFamily="34" charset="0"/>
+              <a:buChar char="•"/>
+              <a:defRPr sz="1800" kern="1200">
+                <a:solidFill>
+                  <a:schemeClr val="tx1"/>
+                </a:solidFill>
+                <a:latin typeface="+mn-lt"/>
+                <a:ea typeface="+mn-ea"/>
+                <a:cs typeface="+mn-cs"/>
+              </a:defRPr>
+            </a:lvl9pPr>
+          </a:lstStyle>
+          <a:p>
+            <a:pPr marL="457200" lvl="1" indent="0" defTabSz="342900">
+              <a:lnSpc>
+                <a:spcPct val="120000"/>
+              </a:lnSpc>
+              <a:buFont typeface="Arial" panose="020B0604020202020204" pitchFamily="34" charset="0"/>
+              <a:buNone/>
+            </a:pPr>
+            <a:endParaRPr lang="en-US" altLang="zh-CN" sz="1535" dirty="0">
+              <a:solidFill>
+                <a:srgbClr val="262626"/>
+              </a:solidFill>
+              <a:sym typeface="+mn-ea"/>
+            </a:endParaRPr>
+          </a:p>
+          <a:p>
+            <a:pPr marL="685800" lvl="1" indent="-228600" defTabSz="342900">
+              <a:lnSpc>
+                <a:spcPct val="120000"/>
+              </a:lnSpc>
+              <a:buFont typeface="Arial" panose="020B0604020202020204" pitchFamily="34" charset="0"/>
+              <a:buChar char="•"/>
+            </a:pPr>
+            <a:r>
+              <a:rPr lang="en-US" altLang="zh-CN" sz="1535" dirty="0">
+                <a:solidFill>
+                  <a:srgbClr val="262626"/>
+                </a:solidFill>
+                <a:sym typeface="+mn-ea"/>
+              </a:rPr>
+              <a:t>https://github.com/yeasy/docker-hyperledger-fabric-orderer/blob/master/v2.3.0/Dockerfile</a:t>
+            </a:r>
+            <a:endParaRPr lang="en-US" altLang="zh-CN" sz="1535" dirty="0">
+              <a:solidFill>
+                <a:srgbClr val="262626"/>
+              </a:solidFill>
+              <a:sym typeface="+mn-ea"/>
+            </a:endParaRPr>
+          </a:p>
+          <a:p>
+            <a:pPr marL="685800" lvl="1" indent="-228600" defTabSz="342900">
+              <a:lnSpc>
+                <a:spcPct val="120000"/>
+              </a:lnSpc>
+              <a:buFont typeface="Arial" panose="020B0604020202020204" pitchFamily="34" charset="0"/>
+              <a:buChar char="•"/>
+            </a:pPr>
+            <a:endParaRPr lang="en-US" altLang="zh-CN" sz="1540" b="1" dirty="0">
+              <a:solidFill>
+                <a:srgbClr val="262626"/>
+              </a:solidFill>
+            </a:endParaRPr>
+          </a:p>
+          <a:p>
+            <a:pPr marL="685800" lvl="1" indent="-228600" defTabSz="342900">
+              <a:lnSpc>
+                <a:spcPct val="120000"/>
+              </a:lnSpc>
+              <a:buFont typeface="Arial" panose="020B0604020202020204" pitchFamily="34" charset="0"/>
+              <a:buChar char="•"/>
+            </a:pPr>
+            <a:endParaRPr lang="en-US" altLang="zh-CN" sz="1540" dirty="0">
+              <a:solidFill>
+                <a:srgbClr val="262626"/>
+              </a:solidFill>
+            </a:endParaRPr>
+          </a:p>
+        </p:txBody>
+      </p:sp>
+      <p:pic>
+        <p:nvPicPr>
+          <p:cNvPr id="7" name="图片 6"/>
+          <p:cNvPicPr>
+            <a:picLocks noChangeAspect="1"/>
+          </p:cNvPicPr>
+          <p:nvPr/>
+        </p:nvPicPr>
+        <p:blipFill>
+          <a:blip r:embed="rId1"/>
+          <a:stretch>
+            <a:fillRect/>
+          </a:stretch>
+        </p:blipFill>
+        <p:spPr>
+          <a:xfrm>
+            <a:off x="1090930" y="2660650"/>
+            <a:ext cx="6962775" cy="3343275"/>
+          </a:xfrm>
+          <a:prstGeom prst="rect">
+            <a:avLst/>
+          </a:prstGeom>
+        </p:spPr>
+      </p:pic>
     </p:spTree>
   </p:cSld>
   <p:clrMapOvr>
@@ -8482,10 +10291,17 @@
               <a:buChar char="•"/>
             </a:pPr>
             <a:r>
-              <a:rPr lang="en-US" dirty="0"/>
-              <a:t>What is Hyperledger Fabric</a:t>
-            </a:r>
-            <a:endParaRPr lang="en-US" dirty="0"/>
+              <a:rPr lang="en-US" b="1" dirty="0">
+                <a:latin typeface="Calibri" panose="020F0502020204030204" pitchFamily="34" charset="0"/>
+                <a:cs typeface="Calibri" panose="020F0502020204030204" pitchFamily="34" charset="0"/>
+                <a:sym typeface="+mn-ea"/>
+              </a:rPr>
+              <a:t>HyperLedger Family</a:t>
+            </a:r>
+            <a:endParaRPr lang="en-US" b="1" dirty="0">
+              <a:latin typeface="Calibri" panose="020F0502020204030204" pitchFamily="34" charset="0"/>
+              <a:cs typeface="Calibri" panose="020F0502020204030204" pitchFamily="34" charset="0"/>
+            </a:endParaRPr>
           </a:p>
           <a:p>
             <a:pPr marL="171450" lvl="0" indent="-171450" fontAlgn="auto">
@@ -8499,10 +10315,18 @@
               <a:buChar char="•"/>
             </a:pPr>
             <a:r>
-              <a:rPr lang="en-US" dirty="0"/>
-              <a:t>The Infrastrcture Component</a:t>
-            </a:r>
-            <a:endParaRPr lang="en-US" dirty="0"/>
+              <a:rPr lang="en-US" b="1" dirty="0">
+                <a:latin typeface="Calibri" panose="020F0502020204030204" pitchFamily="34" charset="0"/>
+                <a:cs typeface="Calibri" panose="020F0502020204030204" pitchFamily="34" charset="0"/>
+                <a:sym typeface="+mn-ea"/>
+              </a:rPr>
+              <a:t>What is HyperLedger</a:t>
+            </a:r>
+            <a:endParaRPr lang="en-US" b="1" dirty="0">
+              <a:latin typeface="Calibri" panose="020F0502020204030204" pitchFamily="34" charset="0"/>
+              <a:cs typeface="Calibri" panose="020F0502020204030204" pitchFamily="34" charset="0"/>
+              <a:sym typeface="+mn-ea"/>
+            </a:endParaRPr>
           </a:p>
           <a:p>
             <a:pPr marL="171450" lvl="0" indent="-171450" fontAlgn="auto">
@@ -8516,8 +10340,12 @@
               <a:buChar char="•"/>
             </a:pPr>
             <a:r>
-              <a:rPr lang="en-US" dirty="0"/>
-              <a:t>Component Explanation</a:t>
+              <a:rPr lang="en-US" b="1" dirty="0">
+                <a:latin typeface="Calibri" panose="020F0502020204030204" pitchFamily="34" charset="0"/>
+                <a:cs typeface="Calibri" panose="020F0502020204030204" pitchFamily="34" charset="0"/>
+                <a:sym typeface="+mn-ea"/>
+              </a:rPr>
+              <a:t>The Architecture</a:t>
             </a:r>
             <a:endParaRPr lang="en-US" dirty="0"/>
           </a:p>
@@ -8534,7 +10362,7 @@
             </a:pPr>
             <a:r>
               <a:rPr lang="en-US" dirty="0"/>
-              <a:t>The Architeture</a:t>
+              <a:t>Architeture Explanation</a:t>
             </a:r>
             <a:endParaRPr lang="en-US" dirty="0"/>
           </a:p>
@@ -8550,10 +10378,18 @@
               <a:buChar char="•"/>
             </a:pPr>
             <a:r>
-              <a:rPr lang="en-US" dirty="0"/>
-              <a:t>Architeture Explanation</a:t>
-            </a:r>
-            <a:endParaRPr lang="en-US" dirty="0"/>
+              <a:rPr lang="en-US" b="1" dirty="0">
+                <a:latin typeface="Calibri" panose="020F0502020204030204" pitchFamily="34" charset="0"/>
+                <a:cs typeface="Calibri" panose="020F0502020204030204" pitchFamily="34" charset="0"/>
+                <a:sym typeface="+mn-ea"/>
+              </a:rPr>
+              <a:t>Network Demo</a:t>
+            </a:r>
+            <a:endParaRPr lang="en-US" b="1" dirty="0">
+              <a:latin typeface="Calibri" panose="020F0502020204030204" pitchFamily="34" charset="0"/>
+              <a:cs typeface="Calibri" panose="020F0502020204030204" pitchFamily="34" charset="0"/>
+              <a:sym typeface="+mn-ea"/>
+            </a:endParaRPr>
           </a:p>
           <a:p>
             <a:pPr marL="171450" lvl="0" indent="-171450" fontAlgn="auto">
@@ -8567,10 +10403,18 @@
               <a:buChar char="•"/>
             </a:pPr>
             <a:r>
-              <a:rPr lang="en-US" dirty="0"/>
-              <a:t>The Transaction Process</a:t>
-            </a:r>
-            <a:endParaRPr lang="en-US" dirty="0"/>
+              <a:rPr lang="en-US" b="1" dirty="0">
+                <a:latin typeface="Calibri" panose="020F0502020204030204" pitchFamily="34" charset="0"/>
+                <a:cs typeface="Calibri" panose="020F0502020204030204" pitchFamily="34" charset="0"/>
+                <a:sym typeface="+mn-ea"/>
+              </a:rPr>
+              <a:t>Docker Overview</a:t>
+            </a:r>
+            <a:endParaRPr lang="en-US" b="1" dirty="0">
+              <a:latin typeface="Calibri" panose="020F0502020204030204" pitchFamily="34" charset="0"/>
+              <a:cs typeface="Calibri" panose="020F0502020204030204" pitchFamily="34" charset="0"/>
+              <a:sym typeface="+mn-ea"/>
+            </a:endParaRPr>
           </a:p>
           <a:p>
             <a:pPr marL="171450" lvl="0" indent="-171450" fontAlgn="auto">
@@ -8584,9 +10428,111 @@
               <a:buChar char="•"/>
             </a:pPr>
             <a:r>
-              <a:rPr lang="en-US" dirty="0"/>
-              <a:t>Process Explanation</a:t>
-            </a:r>
+              <a:rPr lang="en-US" b="1" dirty="0">
+                <a:latin typeface="Calibri" panose="020F0502020204030204" pitchFamily="34" charset="0"/>
+                <a:cs typeface="Calibri" panose="020F0502020204030204" pitchFamily="34" charset="0"/>
+                <a:sym typeface="+mn-ea"/>
+              </a:rPr>
+              <a:t>Docker Compose Overview</a:t>
+            </a:r>
+            <a:endParaRPr lang="en-US" b="1" dirty="0">
+              <a:latin typeface="Calibri" panose="020F0502020204030204" pitchFamily="34" charset="0"/>
+              <a:cs typeface="Calibri" panose="020F0502020204030204" pitchFamily="34" charset="0"/>
+              <a:sym typeface="+mn-ea"/>
+            </a:endParaRPr>
+          </a:p>
+          <a:p>
+            <a:pPr marL="171450" lvl="0" indent="-171450" fontAlgn="auto">
+              <a:lnSpc>
+                <a:spcPct val="200000"/>
+              </a:lnSpc>
+              <a:spcBef>
+                <a:spcPts val="700"/>
+              </a:spcBef>
+              <a:buFont typeface="Arial" panose="020B0604020202020204" pitchFamily="34" charset="0"/>
+              <a:buChar char="•"/>
+            </a:pPr>
+            <a:r>
+              <a:rPr lang="en-US" b="1" dirty="0">
+                <a:latin typeface="Calibri" panose="020F0502020204030204" pitchFamily="34" charset="0"/>
+                <a:cs typeface="Calibri" panose="020F0502020204030204" pitchFamily="34" charset="0"/>
+                <a:sym typeface="+mn-ea"/>
+              </a:rPr>
+              <a:t>Docker Demo</a:t>
+            </a:r>
+            <a:endParaRPr lang="en-US" b="1" dirty="0">
+              <a:latin typeface="Calibri" panose="020F0502020204030204" pitchFamily="34" charset="0"/>
+              <a:cs typeface="Calibri" panose="020F0502020204030204" pitchFamily="34" charset="0"/>
+              <a:sym typeface="+mn-ea"/>
+            </a:endParaRPr>
+          </a:p>
+          <a:p>
+            <a:pPr marL="171450" lvl="0" indent="-171450" fontAlgn="auto">
+              <a:lnSpc>
+                <a:spcPct val="200000"/>
+              </a:lnSpc>
+              <a:spcBef>
+                <a:spcPts val="700"/>
+              </a:spcBef>
+              <a:buFont typeface="Arial" panose="020B0604020202020204" pitchFamily="34" charset="0"/>
+              <a:buChar char="•"/>
+            </a:pPr>
+            <a:r>
+              <a:rPr lang="en-US" b="1" dirty="0">
+                <a:latin typeface="Calibri" panose="020F0502020204030204" pitchFamily="34" charset="0"/>
+                <a:cs typeface="Calibri" panose="020F0502020204030204" pitchFamily="34" charset="0"/>
+                <a:sym typeface="+mn-ea"/>
+              </a:rPr>
+              <a:t>Network Composing Process</a:t>
+            </a:r>
+            <a:endParaRPr lang="en-US" b="1" dirty="0">
+              <a:latin typeface="Calibri" panose="020F0502020204030204" pitchFamily="34" charset="0"/>
+              <a:cs typeface="Calibri" panose="020F0502020204030204" pitchFamily="34" charset="0"/>
+            </a:endParaRPr>
+          </a:p>
+          <a:p>
+            <a:pPr marL="171450" lvl="0" indent="-171450" fontAlgn="auto">
+              <a:lnSpc>
+                <a:spcPct val="200000"/>
+              </a:lnSpc>
+              <a:spcBef>
+                <a:spcPts val="700"/>
+              </a:spcBef>
+              <a:buFont typeface="Arial" panose="020B0604020202020204" pitchFamily="34" charset="0"/>
+              <a:buChar char="•"/>
+            </a:pPr>
+            <a:endParaRPr lang="en-US" b="1" dirty="0">
+              <a:latin typeface="Calibri" panose="020F0502020204030204" pitchFamily="34" charset="0"/>
+              <a:cs typeface="Calibri" panose="020F0502020204030204" pitchFamily="34" charset="0"/>
+            </a:endParaRPr>
+          </a:p>
+          <a:p>
+            <a:pPr marL="171450" lvl="0" indent="-171450" fontAlgn="auto">
+              <a:lnSpc>
+                <a:spcPct val="200000"/>
+              </a:lnSpc>
+              <a:spcBef>
+                <a:spcPts val="700"/>
+              </a:spcBef>
+              <a:buFont typeface="Arial" panose="020B0604020202020204" pitchFamily="34" charset="0"/>
+              <a:buChar char="•"/>
+            </a:pPr>
+            <a:endParaRPr lang="en-US" b="1" dirty="0">
+              <a:latin typeface="Calibri" panose="020F0502020204030204" pitchFamily="34" charset="0"/>
+              <a:cs typeface="Calibri" panose="020F0502020204030204" pitchFamily="34" charset="0"/>
+            </a:endParaRPr>
+          </a:p>
+          <a:p>
+            <a:pPr marL="171450" lvl="0" indent="-171450" fontAlgn="auto">
+              <a:lnSpc>
+                <a:spcPct val="200000"/>
+              </a:lnSpc>
+              <a:spcBef>
+                <a:spcPts val="700"/>
+              </a:spcBef>
+              <a:buFont typeface="Arial" panose="020B0604020202020204" pitchFamily="34" charset="0"/>
+              <a:buChar char="•"/>
+            </a:pPr>
             <a:endParaRPr lang="en-US" dirty="0"/>
           </a:p>
         </p:txBody>
@@ -8694,6 +10640,3764 @@
   <p:transition spd="med">
     <p:fade/>
   </p:transition>
+</p:sld>
+</file>
+
+<file path=ppt/slides/slide20.xml><?xml version="1.0" encoding="utf-8"?>
+<p:sld xmlns:a="http://schemas.openxmlformats.org/drawingml/2006/main" xmlns:r="http://schemas.openxmlformats.org/officeDocument/2006/relationships" xmlns:p="http://schemas.openxmlformats.org/presentationml/2006/main">
+  <p:cSld>
+    <p:spTree>
+      <p:nvGrpSpPr>
+        <p:cNvPr id="1" name=""/>
+        <p:cNvGrpSpPr/>
+        <p:nvPr/>
+      </p:nvGrpSpPr>
+      <p:grpSpPr>
+        <a:xfrm>
+          <a:off x="0" y="0"/>
+          <a:ext cx="0" cy="0"/>
+          <a:chOff x="0" y="0"/>
+          <a:chExt cx="0" cy="0"/>
+        </a:xfrm>
+      </p:grpSpPr>
+      <p:sp>
+        <p:nvSpPr>
+          <p:cNvPr id="2" name="Title 1"/>
+          <p:cNvSpPr>
+            <a:spLocks noGrp="1"/>
+          </p:cNvSpPr>
+          <p:nvPr>
+            <p:ph type="title"/>
+          </p:nvPr>
+        </p:nvSpPr>
+        <p:spPr>
+          <a:xfrm>
+            <a:off x="628650" y="155263"/>
+            <a:ext cx="7886700" cy="526790"/>
+          </a:xfrm>
+        </p:spPr>
+        <p:txBody>
+          <a:bodyPr>
+            <a:normAutofit fontScale="90000"/>
+          </a:bodyPr>
+          <a:lstStyle/>
+          <a:p>
+            <a:pPr algn="ctr"/>
+            <a:r>
+              <a:rPr lang="en-US" sz="3200" b="1" dirty="0">
+                <a:latin typeface="Calibri" panose="020F0502020204030204" pitchFamily="34" charset="0"/>
+                <a:cs typeface="Calibri" panose="020F0502020204030204" pitchFamily="34" charset="0"/>
+              </a:rPr>
+              <a:t>Docker Compose Overview</a:t>
+            </a:r>
+            <a:endParaRPr lang="en-US" sz="3200" b="1" dirty="0">
+              <a:latin typeface="Calibri" panose="020F0502020204030204" pitchFamily="34" charset="0"/>
+              <a:cs typeface="Calibri" panose="020F0502020204030204" pitchFamily="34" charset="0"/>
+            </a:endParaRPr>
+          </a:p>
+        </p:txBody>
+      </p:sp>
+      <p:sp>
+        <p:nvSpPr>
+          <p:cNvPr id="4" name="Content Placeholder 2"/>
+          <p:cNvSpPr>
+            <a:spLocks noGrp="1"/>
+          </p:cNvSpPr>
+          <p:nvPr/>
+        </p:nvSpPr>
+        <p:spPr>
+          <a:xfrm>
+            <a:off x="628650" y="989044"/>
+            <a:ext cx="7886700" cy="5605719"/>
+          </a:xfrm>
+          <a:prstGeom prst="rect">
+            <a:avLst/>
+          </a:prstGeom>
+        </p:spPr>
+        <p:txBody>
+          <a:bodyPr vert="horz" lIns="91440" tIns="45720" rIns="91440" bIns="45720" rtlCol="0">
+            <a:normAutofit/>
+          </a:bodyPr>
+          <a:lstStyle>
+            <a:lvl1pPr marL="228600" indent="-228600" algn="l" defTabSz="914400" rtl="0" eaLnBrk="1" latinLnBrk="0" hangingPunct="1">
+              <a:lnSpc>
+                <a:spcPct val="90000"/>
+              </a:lnSpc>
+              <a:spcBef>
+                <a:spcPts val="1000"/>
+              </a:spcBef>
+              <a:buFont typeface="Arial" panose="020B0604020202020204" pitchFamily="34" charset="0"/>
+              <a:buChar char="•"/>
+              <a:defRPr sz="2800" kern="1200">
+                <a:solidFill>
+                  <a:schemeClr val="tx1"/>
+                </a:solidFill>
+                <a:latin typeface="+mn-lt"/>
+                <a:ea typeface="+mn-ea"/>
+                <a:cs typeface="+mn-cs"/>
+              </a:defRPr>
+            </a:lvl1pPr>
+            <a:lvl2pPr marL="685800" indent="-228600" algn="l" defTabSz="914400" rtl="0" eaLnBrk="1" latinLnBrk="0" hangingPunct="1">
+              <a:lnSpc>
+                <a:spcPct val="90000"/>
+              </a:lnSpc>
+              <a:spcBef>
+                <a:spcPts val="500"/>
+              </a:spcBef>
+              <a:buFont typeface="Arial" panose="020B0604020202020204" pitchFamily="34" charset="0"/>
+              <a:buChar char="•"/>
+              <a:defRPr sz="2400" kern="1200">
+                <a:solidFill>
+                  <a:schemeClr val="tx1"/>
+                </a:solidFill>
+                <a:latin typeface="+mn-lt"/>
+                <a:ea typeface="+mn-ea"/>
+                <a:cs typeface="+mn-cs"/>
+              </a:defRPr>
+            </a:lvl2pPr>
+            <a:lvl3pPr marL="1143000" indent="-228600" algn="l" defTabSz="914400" rtl="0" eaLnBrk="1" latinLnBrk="0" hangingPunct="1">
+              <a:lnSpc>
+                <a:spcPct val="90000"/>
+              </a:lnSpc>
+              <a:spcBef>
+                <a:spcPts val="500"/>
+              </a:spcBef>
+              <a:buFont typeface="Arial" panose="020B0604020202020204" pitchFamily="34" charset="0"/>
+              <a:buChar char="•"/>
+              <a:defRPr sz="2000" kern="1200">
+                <a:solidFill>
+                  <a:schemeClr val="tx1"/>
+                </a:solidFill>
+                <a:latin typeface="+mn-lt"/>
+                <a:ea typeface="+mn-ea"/>
+                <a:cs typeface="+mn-cs"/>
+              </a:defRPr>
+            </a:lvl3pPr>
+            <a:lvl4pPr marL="1600200" indent="-228600" algn="l" defTabSz="914400" rtl="0" eaLnBrk="1" latinLnBrk="0" hangingPunct="1">
+              <a:lnSpc>
+                <a:spcPct val="90000"/>
+              </a:lnSpc>
+              <a:spcBef>
+                <a:spcPts val="500"/>
+              </a:spcBef>
+              <a:buFont typeface="Arial" panose="020B0604020202020204" pitchFamily="34" charset="0"/>
+              <a:buChar char="•"/>
+              <a:defRPr sz="1800" kern="1200">
+                <a:solidFill>
+                  <a:schemeClr val="tx1"/>
+                </a:solidFill>
+                <a:latin typeface="+mn-lt"/>
+                <a:ea typeface="+mn-ea"/>
+                <a:cs typeface="+mn-cs"/>
+              </a:defRPr>
+            </a:lvl4pPr>
+            <a:lvl5pPr marL="2057400" indent="-228600" algn="l" defTabSz="914400" rtl="0" eaLnBrk="1" latinLnBrk="0" hangingPunct="1">
+              <a:lnSpc>
+                <a:spcPct val="90000"/>
+              </a:lnSpc>
+              <a:spcBef>
+                <a:spcPts val="500"/>
+              </a:spcBef>
+              <a:buFont typeface="Arial" panose="020B0604020202020204" pitchFamily="34" charset="0"/>
+              <a:buChar char="•"/>
+              <a:defRPr sz="1800" kern="1200">
+                <a:solidFill>
+                  <a:schemeClr val="tx1"/>
+                </a:solidFill>
+                <a:latin typeface="+mn-lt"/>
+                <a:ea typeface="+mn-ea"/>
+                <a:cs typeface="+mn-cs"/>
+              </a:defRPr>
+            </a:lvl5pPr>
+            <a:lvl6pPr marL="2514600" indent="-228600" algn="l" defTabSz="914400" rtl="0" eaLnBrk="1" latinLnBrk="0" hangingPunct="1">
+              <a:lnSpc>
+                <a:spcPct val="90000"/>
+              </a:lnSpc>
+              <a:spcBef>
+                <a:spcPts val="500"/>
+              </a:spcBef>
+              <a:buFont typeface="Arial" panose="020B0604020202020204" pitchFamily="34" charset="0"/>
+              <a:buChar char="•"/>
+              <a:defRPr sz="1800" kern="1200">
+                <a:solidFill>
+                  <a:schemeClr val="tx1"/>
+                </a:solidFill>
+                <a:latin typeface="+mn-lt"/>
+                <a:ea typeface="+mn-ea"/>
+                <a:cs typeface="+mn-cs"/>
+              </a:defRPr>
+            </a:lvl6pPr>
+            <a:lvl7pPr marL="2971800" indent="-228600" algn="l" defTabSz="914400" rtl="0" eaLnBrk="1" latinLnBrk="0" hangingPunct="1">
+              <a:lnSpc>
+                <a:spcPct val="90000"/>
+              </a:lnSpc>
+              <a:spcBef>
+                <a:spcPts val="500"/>
+              </a:spcBef>
+              <a:buFont typeface="Arial" panose="020B0604020202020204" pitchFamily="34" charset="0"/>
+              <a:buChar char="•"/>
+              <a:defRPr sz="1800" kern="1200">
+                <a:solidFill>
+                  <a:schemeClr val="tx1"/>
+                </a:solidFill>
+                <a:latin typeface="+mn-lt"/>
+                <a:ea typeface="+mn-ea"/>
+                <a:cs typeface="+mn-cs"/>
+              </a:defRPr>
+            </a:lvl7pPr>
+            <a:lvl8pPr marL="3429000" indent="-228600" algn="l" defTabSz="914400" rtl="0" eaLnBrk="1" latinLnBrk="0" hangingPunct="1">
+              <a:lnSpc>
+                <a:spcPct val="90000"/>
+              </a:lnSpc>
+              <a:spcBef>
+                <a:spcPts val="500"/>
+              </a:spcBef>
+              <a:buFont typeface="Arial" panose="020B0604020202020204" pitchFamily="34" charset="0"/>
+              <a:buChar char="•"/>
+              <a:defRPr sz="1800" kern="1200">
+                <a:solidFill>
+                  <a:schemeClr val="tx1"/>
+                </a:solidFill>
+                <a:latin typeface="+mn-lt"/>
+                <a:ea typeface="+mn-ea"/>
+                <a:cs typeface="+mn-cs"/>
+              </a:defRPr>
+            </a:lvl8pPr>
+            <a:lvl9pPr marL="3886200" indent="-228600" algn="l" defTabSz="914400" rtl="0" eaLnBrk="1" latinLnBrk="0" hangingPunct="1">
+              <a:lnSpc>
+                <a:spcPct val="90000"/>
+              </a:lnSpc>
+              <a:spcBef>
+                <a:spcPts val="500"/>
+              </a:spcBef>
+              <a:buFont typeface="Arial" panose="020B0604020202020204" pitchFamily="34" charset="0"/>
+              <a:buChar char="•"/>
+              <a:defRPr sz="1800" kern="1200">
+                <a:solidFill>
+                  <a:schemeClr val="tx1"/>
+                </a:solidFill>
+                <a:latin typeface="+mn-lt"/>
+                <a:ea typeface="+mn-ea"/>
+                <a:cs typeface="+mn-cs"/>
+              </a:defRPr>
+            </a:lvl9pPr>
+          </a:lstStyle>
+          <a:p>
+            <a:pPr marL="228600" lvl="0" indent="-228600" defTabSz="342900">
+              <a:lnSpc>
+                <a:spcPct val="120000"/>
+              </a:lnSpc>
+              <a:buFont typeface="Arial" panose="020B0604020202020204" pitchFamily="34" charset="0"/>
+              <a:buChar char="•"/>
+            </a:pPr>
+            <a:r>
+              <a:rPr lang="en-US" altLang="zh-CN" sz="1800" dirty="0">
+                <a:solidFill>
+                  <a:srgbClr val="262626"/>
+                </a:solidFill>
+              </a:rPr>
+              <a:t>What is Docker Compose? </a:t>
+            </a:r>
+            <a:endParaRPr lang="en-US" altLang="zh-CN" sz="1800" dirty="0">
+              <a:solidFill>
+                <a:srgbClr val="262626"/>
+              </a:solidFill>
+            </a:endParaRPr>
+          </a:p>
+          <a:p>
+            <a:pPr marL="685800" lvl="1" indent="-228600" defTabSz="342900">
+              <a:lnSpc>
+                <a:spcPct val="120000"/>
+              </a:lnSpc>
+              <a:buFont typeface="Arial" panose="020B0604020202020204" pitchFamily="34" charset="0"/>
+              <a:buChar char="•"/>
+            </a:pPr>
+            <a:r>
+              <a:rPr lang="en-US" altLang="zh-CN" sz="1540" dirty="0">
+                <a:solidFill>
+                  <a:srgbClr val="262626"/>
+                </a:solidFill>
+              </a:rPr>
+              <a:t>Compose is a tool for defining and running multi-container Docker applications. With Compose, you use a YAML file to configure your application’s services. Then, with a single command, you create and start all the services from your configuration.</a:t>
+            </a:r>
+            <a:endParaRPr lang="en-US" altLang="zh-CN" sz="1540" dirty="0">
+              <a:solidFill>
+                <a:srgbClr val="262626"/>
+              </a:solidFill>
+            </a:endParaRPr>
+          </a:p>
+          <a:p>
+            <a:pPr marL="228600" lvl="0" indent="-228600" defTabSz="342900">
+              <a:lnSpc>
+                <a:spcPct val="120000"/>
+              </a:lnSpc>
+              <a:buFont typeface="Arial" panose="020B0604020202020204" pitchFamily="34" charset="0"/>
+              <a:buChar char="•"/>
+            </a:pPr>
+            <a:r>
+              <a:rPr lang="en-US" altLang="zh-CN" sz="1800" dirty="0">
+                <a:solidFill>
+                  <a:srgbClr val="262626"/>
+                </a:solidFill>
+              </a:rPr>
+              <a:t>Explain the test network docker-compose yaml file</a:t>
+            </a:r>
+            <a:endParaRPr lang="en-US" altLang="zh-CN" sz="1800" dirty="0">
+              <a:solidFill>
+                <a:srgbClr val="262626"/>
+              </a:solidFill>
+            </a:endParaRPr>
+          </a:p>
+          <a:p>
+            <a:pPr marL="228600" lvl="0" indent="-228600" defTabSz="342900">
+              <a:lnSpc>
+                <a:spcPct val="120000"/>
+              </a:lnSpc>
+              <a:buFont typeface="Arial" panose="020B0604020202020204" pitchFamily="34" charset="0"/>
+              <a:buChar char="•"/>
+            </a:pPr>
+            <a:r>
+              <a:rPr lang="en-US" altLang="zh-CN" sz="1800" dirty="0">
+                <a:solidFill>
+                  <a:srgbClr val="262626"/>
+                </a:solidFill>
+              </a:rPr>
+              <a:t>https://github.com/hyperledger/fabric-samples/blob/master/test-network/docker/docker-compose-test-net.yaml</a:t>
+            </a:r>
+            <a:endParaRPr lang="en-US" altLang="zh-CN" sz="1800" dirty="0">
+              <a:solidFill>
+                <a:srgbClr val="262626"/>
+              </a:solidFill>
+            </a:endParaRPr>
+          </a:p>
+          <a:p>
+            <a:pPr marL="228600" lvl="0" indent="-228600" defTabSz="342900">
+              <a:lnSpc>
+                <a:spcPct val="120000"/>
+              </a:lnSpc>
+              <a:buFont typeface="Arial" panose="020B0604020202020204" pitchFamily="34" charset="0"/>
+              <a:buChar char="•"/>
+            </a:pPr>
+            <a:endParaRPr lang="en-US" altLang="zh-CN" sz="1800" dirty="0">
+              <a:solidFill>
+                <a:srgbClr val="262626"/>
+              </a:solidFill>
+            </a:endParaRPr>
+          </a:p>
+          <a:p>
+            <a:pPr marL="228600" lvl="0" indent="-228600" defTabSz="342900">
+              <a:lnSpc>
+                <a:spcPct val="120000"/>
+              </a:lnSpc>
+              <a:buFont typeface="Arial" panose="020B0604020202020204" pitchFamily="34" charset="0"/>
+              <a:buChar char="•"/>
+            </a:pPr>
+            <a:r>
+              <a:rPr lang="en-US" altLang="zh-CN" sz="1800" dirty="0">
+                <a:solidFill>
+                  <a:srgbClr val="262626"/>
+                </a:solidFill>
+              </a:rPr>
+              <a:t>Docker set the enviriment and the applications, docker-compose quickly deploy in the servers</a:t>
+            </a:r>
+            <a:endParaRPr lang="en-US" altLang="zh-CN" sz="1800" dirty="0">
+              <a:solidFill>
+                <a:srgbClr val="262626"/>
+              </a:solidFill>
+            </a:endParaRPr>
+          </a:p>
+          <a:p>
+            <a:pPr marL="685800" lvl="1" indent="-228600" defTabSz="342900">
+              <a:lnSpc>
+                <a:spcPct val="120000"/>
+              </a:lnSpc>
+              <a:buFont typeface="Arial" panose="020B0604020202020204" pitchFamily="34" charset="0"/>
+              <a:buChar char="•"/>
+            </a:pPr>
+            <a:r>
+              <a:rPr lang="en-US" altLang="zh-CN" sz="1540" dirty="0">
+                <a:solidFill>
+                  <a:srgbClr val="262626"/>
+                </a:solidFill>
+              </a:rPr>
+              <a:t>peer node start + all the envirment variable  = command line peer node start</a:t>
+            </a:r>
+            <a:endParaRPr lang="en-US" altLang="zh-CN" sz="1540" dirty="0">
+              <a:solidFill>
+                <a:srgbClr val="262626"/>
+              </a:solidFill>
+            </a:endParaRPr>
+          </a:p>
+        </p:txBody>
+      </p:sp>
+    </p:spTree>
+  </p:cSld>
+  <p:clrMapOvr>
+    <a:masterClrMapping/>
+  </p:clrMapOvr>
+</p:sld>
+</file>
+
+<file path=ppt/slides/slide21.xml><?xml version="1.0" encoding="utf-8"?>
+<p:sld xmlns:a="http://schemas.openxmlformats.org/drawingml/2006/main" xmlns:r="http://schemas.openxmlformats.org/officeDocument/2006/relationships" xmlns:p="http://schemas.openxmlformats.org/presentationml/2006/main">
+  <p:cSld>
+    <p:spTree>
+      <p:nvGrpSpPr>
+        <p:cNvPr id="1" name=""/>
+        <p:cNvGrpSpPr/>
+        <p:nvPr/>
+      </p:nvGrpSpPr>
+      <p:grpSpPr>
+        <a:xfrm>
+          <a:off x="0" y="0"/>
+          <a:ext cx="0" cy="0"/>
+          <a:chOff x="0" y="0"/>
+          <a:chExt cx="0" cy="0"/>
+        </a:xfrm>
+      </p:grpSpPr>
+      <p:sp>
+        <p:nvSpPr>
+          <p:cNvPr id="2" name="Title 1"/>
+          <p:cNvSpPr>
+            <a:spLocks noGrp="1"/>
+          </p:cNvSpPr>
+          <p:nvPr>
+            <p:ph type="title"/>
+          </p:nvPr>
+        </p:nvSpPr>
+        <p:spPr>
+          <a:xfrm>
+            <a:off x="628650" y="155263"/>
+            <a:ext cx="7886700" cy="526790"/>
+          </a:xfrm>
+        </p:spPr>
+        <p:txBody>
+          <a:bodyPr>
+            <a:normAutofit fontScale="90000"/>
+          </a:bodyPr>
+          <a:lstStyle/>
+          <a:p>
+            <a:pPr algn="ctr"/>
+            <a:r>
+              <a:rPr lang="en-US" sz="3200" b="1" dirty="0">
+                <a:latin typeface="Calibri" panose="020F0502020204030204" pitchFamily="34" charset="0"/>
+                <a:cs typeface="Calibri" panose="020F0502020204030204" pitchFamily="34" charset="0"/>
+              </a:rPr>
+              <a:t>Docker Demo</a:t>
+            </a:r>
+            <a:endParaRPr lang="en-US" sz="3200" b="1" dirty="0">
+              <a:latin typeface="Calibri" panose="020F0502020204030204" pitchFamily="34" charset="0"/>
+              <a:cs typeface="Calibri" panose="020F0502020204030204" pitchFamily="34" charset="0"/>
+            </a:endParaRPr>
+          </a:p>
+        </p:txBody>
+      </p:sp>
+      <p:sp>
+        <p:nvSpPr>
+          <p:cNvPr id="4" name="Content Placeholder 2"/>
+          <p:cNvSpPr>
+            <a:spLocks noGrp="1"/>
+          </p:cNvSpPr>
+          <p:nvPr/>
+        </p:nvSpPr>
+        <p:spPr>
+          <a:xfrm>
+            <a:off x="628650" y="989044"/>
+            <a:ext cx="7886700" cy="5605719"/>
+          </a:xfrm>
+          <a:prstGeom prst="rect">
+            <a:avLst/>
+          </a:prstGeom>
+        </p:spPr>
+        <p:txBody>
+          <a:bodyPr vert="horz" lIns="91440" tIns="45720" rIns="91440" bIns="45720" rtlCol="0">
+            <a:normAutofit/>
+          </a:bodyPr>
+          <a:lstStyle>
+            <a:lvl1pPr marL="228600" indent="-228600" algn="l" defTabSz="914400" rtl="0" eaLnBrk="1" latinLnBrk="0" hangingPunct="1">
+              <a:lnSpc>
+                <a:spcPct val="90000"/>
+              </a:lnSpc>
+              <a:spcBef>
+                <a:spcPts val="1000"/>
+              </a:spcBef>
+              <a:buFont typeface="Arial" panose="020B0604020202020204" pitchFamily="34" charset="0"/>
+              <a:buChar char="•"/>
+              <a:defRPr sz="2800" kern="1200">
+                <a:solidFill>
+                  <a:schemeClr val="tx1"/>
+                </a:solidFill>
+                <a:latin typeface="+mn-lt"/>
+                <a:ea typeface="+mn-ea"/>
+                <a:cs typeface="+mn-cs"/>
+              </a:defRPr>
+            </a:lvl1pPr>
+            <a:lvl2pPr marL="685800" indent="-228600" algn="l" defTabSz="914400" rtl="0" eaLnBrk="1" latinLnBrk="0" hangingPunct="1">
+              <a:lnSpc>
+                <a:spcPct val="90000"/>
+              </a:lnSpc>
+              <a:spcBef>
+                <a:spcPts val="500"/>
+              </a:spcBef>
+              <a:buFont typeface="Arial" panose="020B0604020202020204" pitchFamily="34" charset="0"/>
+              <a:buChar char="•"/>
+              <a:defRPr sz="2400" kern="1200">
+                <a:solidFill>
+                  <a:schemeClr val="tx1"/>
+                </a:solidFill>
+                <a:latin typeface="+mn-lt"/>
+                <a:ea typeface="+mn-ea"/>
+                <a:cs typeface="+mn-cs"/>
+              </a:defRPr>
+            </a:lvl2pPr>
+            <a:lvl3pPr marL="1143000" indent="-228600" algn="l" defTabSz="914400" rtl="0" eaLnBrk="1" latinLnBrk="0" hangingPunct="1">
+              <a:lnSpc>
+                <a:spcPct val="90000"/>
+              </a:lnSpc>
+              <a:spcBef>
+                <a:spcPts val="500"/>
+              </a:spcBef>
+              <a:buFont typeface="Arial" panose="020B0604020202020204" pitchFamily="34" charset="0"/>
+              <a:buChar char="•"/>
+              <a:defRPr sz="2000" kern="1200">
+                <a:solidFill>
+                  <a:schemeClr val="tx1"/>
+                </a:solidFill>
+                <a:latin typeface="+mn-lt"/>
+                <a:ea typeface="+mn-ea"/>
+                <a:cs typeface="+mn-cs"/>
+              </a:defRPr>
+            </a:lvl3pPr>
+            <a:lvl4pPr marL="1600200" indent="-228600" algn="l" defTabSz="914400" rtl="0" eaLnBrk="1" latinLnBrk="0" hangingPunct="1">
+              <a:lnSpc>
+                <a:spcPct val="90000"/>
+              </a:lnSpc>
+              <a:spcBef>
+                <a:spcPts val="500"/>
+              </a:spcBef>
+              <a:buFont typeface="Arial" panose="020B0604020202020204" pitchFamily="34" charset="0"/>
+              <a:buChar char="•"/>
+              <a:defRPr sz="1800" kern="1200">
+                <a:solidFill>
+                  <a:schemeClr val="tx1"/>
+                </a:solidFill>
+                <a:latin typeface="+mn-lt"/>
+                <a:ea typeface="+mn-ea"/>
+                <a:cs typeface="+mn-cs"/>
+              </a:defRPr>
+            </a:lvl4pPr>
+            <a:lvl5pPr marL="2057400" indent="-228600" algn="l" defTabSz="914400" rtl="0" eaLnBrk="1" latinLnBrk="0" hangingPunct="1">
+              <a:lnSpc>
+                <a:spcPct val="90000"/>
+              </a:lnSpc>
+              <a:spcBef>
+                <a:spcPts val="500"/>
+              </a:spcBef>
+              <a:buFont typeface="Arial" panose="020B0604020202020204" pitchFamily="34" charset="0"/>
+              <a:buChar char="•"/>
+              <a:defRPr sz="1800" kern="1200">
+                <a:solidFill>
+                  <a:schemeClr val="tx1"/>
+                </a:solidFill>
+                <a:latin typeface="+mn-lt"/>
+                <a:ea typeface="+mn-ea"/>
+                <a:cs typeface="+mn-cs"/>
+              </a:defRPr>
+            </a:lvl5pPr>
+            <a:lvl6pPr marL="2514600" indent="-228600" algn="l" defTabSz="914400" rtl="0" eaLnBrk="1" latinLnBrk="0" hangingPunct="1">
+              <a:lnSpc>
+                <a:spcPct val="90000"/>
+              </a:lnSpc>
+              <a:spcBef>
+                <a:spcPts val="500"/>
+              </a:spcBef>
+              <a:buFont typeface="Arial" panose="020B0604020202020204" pitchFamily="34" charset="0"/>
+              <a:buChar char="•"/>
+              <a:defRPr sz="1800" kern="1200">
+                <a:solidFill>
+                  <a:schemeClr val="tx1"/>
+                </a:solidFill>
+                <a:latin typeface="+mn-lt"/>
+                <a:ea typeface="+mn-ea"/>
+                <a:cs typeface="+mn-cs"/>
+              </a:defRPr>
+            </a:lvl6pPr>
+            <a:lvl7pPr marL="2971800" indent="-228600" algn="l" defTabSz="914400" rtl="0" eaLnBrk="1" latinLnBrk="0" hangingPunct="1">
+              <a:lnSpc>
+                <a:spcPct val="90000"/>
+              </a:lnSpc>
+              <a:spcBef>
+                <a:spcPts val="500"/>
+              </a:spcBef>
+              <a:buFont typeface="Arial" panose="020B0604020202020204" pitchFamily="34" charset="0"/>
+              <a:buChar char="•"/>
+              <a:defRPr sz="1800" kern="1200">
+                <a:solidFill>
+                  <a:schemeClr val="tx1"/>
+                </a:solidFill>
+                <a:latin typeface="+mn-lt"/>
+                <a:ea typeface="+mn-ea"/>
+                <a:cs typeface="+mn-cs"/>
+              </a:defRPr>
+            </a:lvl7pPr>
+            <a:lvl8pPr marL="3429000" indent="-228600" algn="l" defTabSz="914400" rtl="0" eaLnBrk="1" latinLnBrk="0" hangingPunct="1">
+              <a:lnSpc>
+                <a:spcPct val="90000"/>
+              </a:lnSpc>
+              <a:spcBef>
+                <a:spcPts val="500"/>
+              </a:spcBef>
+              <a:buFont typeface="Arial" panose="020B0604020202020204" pitchFamily="34" charset="0"/>
+              <a:buChar char="•"/>
+              <a:defRPr sz="1800" kern="1200">
+                <a:solidFill>
+                  <a:schemeClr val="tx1"/>
+                </a:solidFill>
+                <a:latin typeface="+mn-lt"/>
+                <a:ea typeface="+mn-ea"/>
+                <a:cs typeface="+mn-cs"/>
+              </a:defRPr>
+            </a:lvl8pPr>
+            <a:lvl9pPr marL="3886200" indent="-228600" algn="l" defTabSz="914400" rtl="0" eaLnBrk="1" latinLnBrk="0" hangingPunct="1">
+              <a:lnSpc>
+                <a:spcPct val="90000"/>
+              </a:lnSpc>
+              <a:spcBef>
+                <a:spcPts val="500"/>
+              </a:spcBef>
+              <a:buFont typeface="Arial" panose="020B0604020202020204" pitchFamily="34" charset="0"/>
+              <a:buChar char="•"/>
+              <a:defRPr sz="1800" kern="1200">
+                <a:solidFill>
+                  <a:schemeClr val="tx1"/>
+                </a:solidFill>
+                <a:latin typeface="+mn-lt"/>
+                <a:ea typeface="+mn-ea"/>
+                <a:cs typeface="+mn-cs"/>
+              </a:defRPr>
+            </a:lvl9pPr>
+          </a:lstStyle>
+          <a:p>
+            <a:pPr marL="228600" lvl="0" indent="-228600" defTabSz="342900">
+              <a:lnSpc>
+                <a:spcPct val="120000"/>
+              </a:lnSpc>
+              <a:buFont typeface="Arial" panose="020B0604020202020204" pitchFamily="34" charset="0"/>
+              <a:buChar char="•"/>
+            </a:pPr>
+            <a:endParaRPr lang="en-US" altLang="zh-CN" sz="1540" dirty="0">
+              <a:solidFill>
+                <a:srgbClr val="262626"/>
+              </a:solidFill>
+            </a:endParaRPr>
+          </a:p>
+        </p:txBody>
+      </p:sp>
+      <p:sp>
+        <p:nvSpPr>
+          <p:cNvPr id="3" name="Content Placeholder 2"/>
+          <p:cNvSpPr>
+            <a:spLocks noGrp="1"/>
+          </p:cNvSpPr>
+          <p:nvPr/>
+        </p:nvSpPr>
+        <p:spPr>
+          <a:xfrm>
+            <a:off x="628650" y="975074"/>
+            <a:ext cx="7886700" cy="5605719"/>
+          </a:xfrm>
+          <a:prstGeom prst="rect">
+            <a:avLst/>
+          </a:prstGeom>
+        </p:spPr>
+        <p:txBody>
+          <a:bodyPr vert="horz" lIns="91440" tIns="45720" rIns="91440" bIns="45720" rtlCol="0">
+            <a:normAutofit/>
+          </a:bodyPr>
+          <a:lstStyle>
+            <a:lvl1pPr marL="228600" indent="-228600" algn="l" defTabSz="914400" rtl="0" eaLnBrk="1" latinLnBrk="0" hangingPunct="1">
+              <a:lnSpc>
+                <a:spcPct val="90000"/>
+              </a:lnSpc>
+              <a:spcBef>
+                <a:spcPts val="1000"/>
+              </a:spcBef>
+              <a:buFont typeface="Arial" panose="020B0604020202020204" pitchFamily="34" charset="0"/>
+              <a:buChar char="•"/>
+              <a:defRPr sz="2800" kern="1200">
+                <a:solidFill>
+                  <a:schemeClr val="tx1"/>
+                </a:solidFill>
+                <a:latin typeface="+mn-lt"/>
+                <a:ea typeface="+mn-ea"/>
+                <a:cs typeface="+mn-cs"/>
+              </a:defRPr>
+            </a:lvl1pPr>
+            <a:lvl2pPr marL="685800" indent="-228600" algn="l" defTabSz="914400" rtl="0" eaLnBrk="1" latinLnBrk="0" hangingPunct="1">
+              <a:lnSpc>
+                <a:spcPct val="90000"/>
+              </a:lnSpc>
+              <a:spcBef>
+                <a:spcPts val="500"/>
+              </a:spcBef>
+              <a:buFont typeface="Arial" panose="020B0604020202020204" pitchFamily="34" charset="0"/>
+              <a:buChar char="•"/>
+              <a:defRPr sz="2400" kern="1200">
+                <a:solidFill>
+                  <a:schemeClr val="tx1"/>
+                </a:solidFill>
+                <a:latin typeface="+mn-lt"/>
+                <a:ea typeface="+mn-ea"/>
+                <a:cs typeface="+mn-cs"/>
+              </a:defRPr>
+            </a:lvl2pPr>
+            <a:lvl3pPr marL="1143000" indent="-228600" algn="l" defTabSz="914400" rtl="0" eaLnBrk="1" latinLnBrk="0" hangingPunct="1">
+              <a:lnSpc>
+                <a:spcPct val="90000"/>
+              </a:lnSpc>
+              <a:spcBef>
+                <a:spcPts val="500"/>
+              </a:spcBef>
+              <a:buFont typeface="Arial" panose="020B0604020202020204" pitchFamily="34" charset="0"/>
+              <a:buChar char="•"/>
+              <a:defRPr sz="2000" kern="1200">
+                <a:solidFill>
+                  <a:schemeClr val="tx1"/>
+                </a:solidFill>
+                <a:latin typeface="+mn-lt"/>
+                <a:ea typeface="+mn-ea"/>
+                <a:cs typeface="+mn-cs"/>
+              </a:defRPr>
+            </a:lvl3pPr>
+            <a:lvl4pPr marL="1600200" indent="-228600" algn="l" defTabSz="914400" rtl="0" eaLnBrk="1" latinLnBrk="0" hangingPunct="1">
+              <a:lnSpc>
+                <a:spcPct val="90000"/>
+              </a:lnSpc>
+              <a:spcBef>
+                <a:spcPts val="500"/>
+              </a:spcBef>
+              <a:buFont typeface="Arial" panose="020B0604020202020204" pitchFamily="34" charset="0"/>
+              <a:buChar char="•"/>
+              <a:defRPr sz="1800" kern="1200">
+                <a:solidFill>
+                  <a:schemeClr val="tx1"/>
+                </a:solidFill>
+                <a:latin typeface="+mn-lt"/>
+                <a:ea typeface="+mn-ea"/>
+                <a:cs typeface="+mn-cs"/>
+              </a:defRPr>
+            </a:lvl4pPr>
+            <a:lvl5pPr marL="2057400" indent="-228600" algn="l" defTabSz="914400" rtl="0" eaLnBrk="1" latinLnBrk="0" hangingPunct="1">
+              <a:lnSpc>
+                <a:spcPct val="90000"/>
+              </a:lnSpc>
+              <a:spcBef>
+                <a:spcPts val="500"/>
+              </a:spcBef>
+              <a:buFont typeface="Arial" panose="020B0604020202020204" pitchFamily="34" charset="0"/>
+              <a:buChar char="•"/>
+              <a:defRPr sz="1800" kern="1200">
+                <a:solidFill>
+                  <a:schemeClr val="tx1"/>
+                </a:solidFill>
+                <a:latin typeface="+mn-lt"/>
+                <a:ea typeface="+mn-ea"/>
+                <a:cs typeface="+mn-cs"/>
+              </a:defRPr>
+            </a:lvl5pPr>
+            <a:lvl6pPr marL="2514600" indent="-228600" algn="l" defTabSz="914400" rtl="0" eaLnBrk="1" latinLnBrk="0" hangingPunct="1">
+              <a:lnSpc>
+                <a:spcPct val="90000"/>
+              </a:lnSpc>
+              <a:spcBef>
+                <a:spcPts val="500"/>
+              </a:spcBef>
+              <a:buFont typeface="Arial" panose="020B0604020202020204" pitchFamily="34" charset="0"/>
+              <a:buChar char="•"/>
+              <a:defRPr sz="1800" kern="1200">
+                <a:solidFill>
+                  <a:schemeClr val="tx1"/>
+                </a:solidFill>
+                <a:latin typeface="+mn-lt"/>
+                <a:ea typeface="+mn-ea"/>
+                <a:cs typeface="+mn-cs"/>
+              </a:defRPr>
+            </a:lvl6pPr>
+            <a:lvl7pPr marL="2971800" indent="-228600" algn="l" defTabSz="914400" rtl="0" eaLnBrk="1" latinLnBrk="0" hangingPunct="1">
+              <a:lnSpc>
+                <a:spcPct val="90000"/>
+              </a:lnSpc>
+              <a:spcBef>
+                <a:spcPts val="500"/>
+              </a:spcBef>
+              <a:buFont typeface="Arial" panose="020B0604020202020204" pitchFamily="34" charset="0"/>
+              <a:buChar char="•"/>
+              <a:defRPr sz="1800" kern="1200">
+                <a:solidFill>
+                  <a:schemeClr val="tx1"/>
+                </a:solidFill>
+                <a:latin typeface="+mn-lt"/>
+                <a:ea typeface="+mn-ea"/>
+                <a:cs typeface="+mn-cs"/>
+              </a:defRPr>
+            </a:lvl7pPr>
+            <a:lvl8pPr marL="3429000" indent="-228600" algn="l" defTabSz="914400" rtl="0" eaLnBrk="1" latinLnBrk="0" hangingPunct="1">
+              <a:lnSpc>
+                <a:spcPct val="90000"/>
+              </a:lnSpc>
+              <a:spcBef>
+                <a:spcPts val="500"/>
+              </a:spcBef>
+              <a:buFont typeface="Arial" panose="020B0604020202020204" pitchFamily="34" charset="0"/>
+              <a:buChar char="•"/>
+              <a:defRPr sz="1800" kern="1200">
+                <a:solidFill>
+                  <a:schemeClr val="tx1"/>
+                </a:solidFill>
+                <a:latin typeface="+mn-lt"/>
+                <a:ea typeface="+mn-ea"/>
+                <a:cs typeface="+mn-cs"/>
+              </a:defRPr>
+            </a:lvl8pPr>
+            <a:lvl9pPr marL="3886200" indent="-228600" algn="l" defTabSz="914400" rtl="0" eaLnBrk="1" latinLnBrk="0" hangingPunct="1">
+              <a:lnSpc>
+                <a:spcPct val="90000"/>
+              </a:lnSpc>
+              <a:spcBef>
+                <a:spcPts val="500"/>
+              </a:spcBef>
+              <a:buFont typeface="Arial" panose="020B0604020202020204" pitchFamily="34" charset="0"/>
+              <a:buChar char="•"/>
+              <a:defRPr sz="1800" kern="1200">
+                <a:solidFill>
+                  <a:schemeClr val="tx1"/>
+                </a:solidFill>
+                <a:latin typeface="+mn-lt"/>
+                <a:ea typeface="+mn-ea"/>
+                <a:cs typeface="+mn-cs"/>
+              </a:defRPr>
+            </a:lvl9pPr>
+          </a:lstStyle>
+          <a:p>
+            <a:pPr marL="457200" lvl="1" indent="0" defTabSz="342900">
+              <a:lnSpc>
+                <a:spcPct val="120000"/>
+              </a:lnSpc>
+              <a:buFont typeface="Arial" panose="020B0604020202020204" pitchFamily="34" charset="0"/>
+              <a:buNone/>
+            </a:pPr>
+            <a:endParaRPr lang="en-US" altLang="zh-CN" sz="1540" b="1" dirty="0">
+              <a:solidFill>
+                <a:srgbClr val="262626"/>
+              </a:solidFill>
+            </a:endParaRPr>
+          </a:p>
+          <a:p>
+            <a:pPr lvl="0" defTabSz="342900">
+              <a:lnSpc>
+                <a:spcPct val="120000"/>
+              </a:lnSpc>
+            </a:pPr>
+            <a:r>
+              <a:rPr lang="en-US" altLang="zh-CN" sz="1540" b="1" dirty="0">
+                <a:solidFill>
+                  <a:srgbClr val="262626"/>
+                </a:solidFill>
+              </a:rPr>
+              <a:t>Command Demo</a:t>
+            </a:r>
+            <a:endParaRPr lang="en-US" altLang="zh-CN" sz="1540" b="1" dirty="0">
+              <a:solidFill>
+                <a:srgbClr val="262626"/>
+              </a:solidFill>
+            </a:endParaRPr>
+          </a:p>
+          <a:p>
+            <a:pPr lvl="0" defTabSz="342900">
+              <a:lnSpc>
+                <a:spcPct val="120000"/>
+              </a:lnSpc>
+            </a:pPr>
+            <a:r>
+              <a:rPr lang="en-US" altLang="zh-CN" sz="1540" b="1" dirty="0">
+                <a:solidFill>
+                  <a:srgbClr val="262626"/>
+                </a:solidFill>
+              </a:rPr>
+              <a:t>Dockerizing a Node.js web app</a:t>
+            </a:r>
+            <a:endParaRPr lang="en-US" altLang="zh-CN" sz="1540" b="1" dirty="0">
+              <a:solidFill>
+                <a:srgbClr val="262626"/>
+              </a:solidFill>
+            </a:endParaRPr>
+          </a:p>
+        </p:txBody>
+      </p:sp>
+    </p:spTree>
+  </p:cSld>
+  <p:clrMapOvr>
+    <a:masterClrMapping/>
+  </p:clrMapOvr>
+</p:sld>
+</file>
+
+<file path=ppt/slides/slide22.xml><?xml version="1.0" encoding="utf-8"?>
+<p:sld xmlns:a="http://schemas.openxmlformats.org/drawingml/2006/main" xmlns:r="http://schemas.openxmlformats.org/officeDocument/2006/relationships" xmlns:p="http://schemas.openxmlformats.org/presentationml/2006/main">
+  <p:cSld>
+    <p:spTree>
+      <p:nvGrpSpPr>
+        <p:cNvPr id="1" name=""/>
+        <p:cNvGrpSpPr/>
+        <p:nvPr/>
+      </p:nvGrpSpPr>
+      <p:grpSpPr>
+        <a:xfrm>
+          <a:off x="0" y="0"/>
+          <a:ext cx="0" cy="0"/>
+          <a:chOff x="0" y="0"/>
+          <a:chExt cx="0" cy="0"/>
+        </a:xfrm>
+      </p:grpSpPr>
+      <p:sp>
+        <p:nvSpPr>
+          <p:cNvPr id="2" name="Title 1"/>
+          <p:cNvSpPr>
+            <a:spLocks noGrp="1"/>
+          </p:cNvSpPr>
+          <p:nvPr>
+            <p:ph type="title"/>
+          </p:nvPr>
+        </p:nvSpPr>
+        <p:spPr>
+          <a:xfrm>
+            <a:off x="628650" y="155263"/>
+            <a:ext cx="7886700" cy="526790"/>
+          </a:xfrm>
+        </p:spPr>
+        <p:txBody>
+          <a:bodyPr>
+            <a:normAutofit fontScale="90000"/>
+          </a:bodyPr>
+          <a:lstStyle/>
+          <a:p>
+            <a:pPr algn="ctr"/>
+            <a:r>
+              <a:rPr lang="en-US" sz="3200" b="1" dirty="0">
+                <a:latin typeface="Calibri" panose="020F0502020204030204" pitchFamily="34" charset="0"/>
+                <a:cs typeface="Calibri" panose="020F0502020204030204" pitchFamily="34" charset="0"/>
+              </a:rPr>
+              <a:t>Network Composing Process</a:t>
+            </a:r>
+            <a:endParaRPr lang="en-US" sz="3200" b="1" dirty="0">
+              <a:latin typeface="Calibri" panose="020F0502020204030204" pitchFamily="34" charset="0"/>
+              <a:cs typeface="Calibri" panose="020F0502020204030204" pitchFamily="34" charset="0"/>
+            </a:endParaRPr>
+          </a:p>
+        </p:txBody>
+      </p:sp>
+      <p:sp>
+        <p:nvSpPr>
+          <p:cNvPr id="3" name="Content Placeholder 2"/>
+          <p:cNvSpPr>
+            <a:spLocks noGrp="1"/>
+          </p:cNvSpPr>
+          <p:nvPr>
+            <p:ph idx="1"/>
+          </p:nvPr>
+        </p:nvSpPr>
+        <p:spPr>
+          <a:xfrm>
+            <a:off x="628650" y="989044"/>
+            <a:ext cx="7886700" cy="5605719"/>
+          </a:xfrm>
+        </p:spPr>
+        <p:txBody>
+          <a:bodyPr>
+            <a:normAutofit/>
+          </a:bodyPr>
+          <a:lstStyle/>
+          <a:p>
+            <a:pPr marL="228600" lvl="0" indent="-228600" defTabSz="342900">
+              <a:lnSpc>
+                <a:spcPct val="120000"/>
+              </a:lnSpc>
+              <a:buFont typeface="Arial" panose="020B0604020202020204" pitchFamily="34" charset="0"/>
+              <a:buChar char="•"/>
+            </a:pPr>
+            <a:r>
+              <a:rPr lang="en-US" altLang="en-US" sz="1800" b="1" dirty="0">
+                <a:solidFill>
+                  <a:srgbClr val="262626"/>
+                </a:solidFill>
+              </a:rPr>
+              <a:t>1 Generating network cryptographic material</a:t>
+            </a:r>
+            <a:endParaRPr lang="en-US" altLang="en-US" sz="1800" b="1" dirty="0">
+              <a:solidFill>
+                <a:srgbClr val="262626"/>
+              </a:solidFill>
+            </a:endParaRPr>
+          </a:p>
+          <a:p>
+            <a:pPr marL="228600" lvl="0" indent="-228600" defTabSz="342900">
+              <a:lnSpc>
+                <a:spcPct val="120000"/>
+              </a:lnSpc>
+              <a:buFont typeface="Arial" panose="020B0604020202020204" pitchFamily="34" charset="0"/>
+              <a:buChar char="•"/>
+            </a:pPr>
+            <a:r>
+              <a:rPr lang="en-US" altLang="en-US" sz="1800" b="1" dirty="0">
+                <a:solidFill>
+                  <a:srgbClr val="262626"/>
+                </a:solidFill>
+              </a:rPr>
+              <a:t>2 Generating channel artifacts</a:t>
+            </a:r>
+            <a:endParaRPr lang="en-US" altLang="en-US" sz="1800" b="1" dirty="0">
+              <a:solidFill>
+                <a:srgbClr val="262626"/>
+              </a:solidFill>
+            </a:endParaRPr>
+          </a:p>
+          <a:p>
+            <a:pPr marL="228600" lvl="0" indent="-228600" defTabSz="342900">
+              <a:lnSpc>
+                <a:spcPct val="120000"/>
+              </a:lnSpc>
+              <a:buFont typeface="Arial" panose="020B0604020202020204" pitchFamily="34" charset="0"/>
+              <a:buChar char="•"/>
+            </a:pPr>
+            <a:r>
+              <a:rPr lang="en-US" altLang="en-US" sz="1800" b="1" dirty="0">
+                <a:solidFill>
+                  <a:srgbClr val="262626"/>
+                </a:solidFill>
+              </a:rPr>
+              <a:t>3 Composing a network</a:t>
+            </a:r>
+            <a:endParaRPr lang="en-US" altLang="en-US" sz="1800" b="1" dirty="0">
+              <a:solidFill>
+                <a:srgbClr val="262626"/>
+              </a:solidFill>
+            </a:endParaRPr>
+          </a:p>
+          <a:p>
+            <a:pPr marL="228600" lvl="0" indent="-228600" defTabSz="342900">
+              <a:lnSpc>
+                <a:spcPct val="120000"/>
+              </a:lnSpc>
+              <a:buFont typeface="Arial" panose="020B0604020202020204" pitchFamily="34" charset="0"/>
+              <a:buChar char="•"/>
+            </a:pPr>
+            <a:r>
+              <a:rPr lang="en-US" altLang="en-US" sz="1800" dirty="0">
+                <a:solidFill>
+                  <a:srgbClr val="262626"/>
+                </a:solidFill>
+              </a:rPr>
+              <a:t>4 Creating  a chaincode</a:t>
+            </a:r>
+            <a:endParaRPr lang="en-US" altLang="en-US" sz="1800" dirty="0">
+              <a:solidFill>
+                <a:srgbClr val="262626"/>
+              </a:solidFill>
+            </a:endParaRPr>
+          </a:p>
+          <a:p>
+            <a:pPr marL="228600" lvl="0" indent="-228600" defTabSz="342900">
+              <a:lnSpc>
+                <a:spcPct val="120000"/>
+              </a:lnSpc>
+              <a:buFont typeface="Arial" panose="020B0604020202020204" pitchFamily="34" charset="0"/>
+              <a:buChar char="•"/>
+            </a:pPr>
+            <a:r>
+              <a:rPr lang="en-US" altLang="en-US" sz="1800" dirty="0">
+                <a:solidFill>
+                  <a:srgbClr val="262626"/>
+                </a:solidFill>
+              </a:rPr>
+              <a:t>5 Deploying the chaincode</a:t>
+            </a:r>
+            <a:endParaRPr lang="en-US" altLang="en-US" sz="1800" dirty="0">
+              <a:solidFill>
+                <a:srgbClr val="262626"/>
+              </a:solidFill>
+            </a:endParaRPr>
+          </a:p>
+          <a:p>
+            <a:pPr marL="228600" lvl="0" indent="-228600" defTabSz="342900">
+              <a:lnSpc>
+                <a:spcPct val="120000"/>
+              </a:lnSpc>
+              <a:buFont typeface="Arial" panose="020B0604020202020204" pitchFamily="34" charset="0"/>
+              <a:buChar char="•"/>
+            </a:pPr>
+            <a:r>
+              <a:rPr lang="en-US" altLang="en-US" sz="1800" dirty="0">
+                <a:solidFill>
+                  <a:srgbClr val="262626"/>
+                </a:solidFill>
+              </a:rPr>
+              <a:t>6 Interacting with the chaincode</a:t>
+            </a:r>
+            <a:endParaRPr lang="en-US" altLang="en-US" sz="1800" dirty="0">
+              <a:solidFill>
+                <a:srgbClr val="262626"/>
+              </a:solidFill>
+            </a:endParaRPr>
+          </a:p>
+        </p:txBody>
+      </p:sp>
+    </p:spTree>
+  </p:cSld>
+  <p:clrMapOvr>
+    <a:masterClrMapping/>
+  </p:clrMapOvr>
+</p:sld>
+</file>
+
+<file path=ppt/slides/slide23.xml><?xml version="1.0" encoding="utf-8"?>
+<p:sld xmlns:a="http://schemas.openxmlformats.org/drawingml/2006/main" xmlns:r="http://schemas.openxmlformats.org/officeDocument/2006/relationships" xmlns:p="http://schemas.openxmlformats.org/presentationml/2006/main">
+  <p:cSld>
+    <p:spTree>
+      <p:nvGrpSpPr>
+        <p:cNvPr id="1" name=""/>
+        <p:cNvGrpSpPr/>
+        <p:nvPr/>
+      </p:nvGrpSpPr>
+      <p:grpSpPr>
+        <a:xfrm>
+          <a:off x="0" y="0"/>
+          <a:ext cx="0" cy="0"/>
+          <a:chOff x="0" y="0"/>
+          <a:chExt cx="0" cy="0"/>
+        </a:xfrm>
+      </p:grpSpPr>
+      <p:sp>
+        <p:nvSpPr>
+          <p:cNvPr id="2" name="Title 1"/>
+          <p:cNvSpPr>
+            <a:spLocks noGrp="1"/>
+          </p:cNvSpPr>
+          <p:nvPr>
+            <p:ph type="title"/>
+          </p:nvPr>
+        </p:nvSpPr>
+        <p:spPr>
+          <a:xfrm>
+            <a:off x="628650" y="155263"/>
+            <a:ext cx="7886700" cy="526790"/>
+          </a:xfrm>
+        </p:spPr>
+        <p:txBody>
+          <a:bodyPr>
+            <a:normAutofit fontScale="90000"/>
+          </a:bodyPr>
+          <a:lstStyle/>
+          <a:p>
+            <a:pPr algn="ctr"/>
+            <a:r>
+              <a:rPr lang="en-US" sz="3200" b="1" dirty="0">
+                <a:latin typeface="Calibri" panose="020F0502020204030204" pitchFamily="34" charset="0"/>
+                <a:cs typeface="Calibri" panose="020F0502020204030204" pitchFamily="34" charset="0"/>
+                <a:sym typeface="+mn-ea"/>
+              </a:rPr>
+              <a:t>Network Composing Process</a:t>
+            </a:r>
+            <a:endParaRPr lang="en-US" sz="3200" b="1" dirty="0">
+              <a:latin typeface="Calibri" panose="020F0502020204030204" pitchFamily="34" charset="0"/>
+              <a:cs typeface="Calibri" panose="020F0502020204030204" pitchFamily="34" charset="0"/>
+            </a:endParaRPr>
+          </a:p>
+        </p:txBody>
+      </p:sp>
+      <p:sp>
+        <p:nvSpPr>
+          <p:cNvPr id="3" name="Content Placeholder 2"/>
+          <p:cNvSpPr>
+            <a:spLocks noGrp="1"/>
+          </p:cNvSpPr>
+          <p:nvPr>
+            <p:ph idx="1"/>
+          </p:nvPr>
+        </p:nvSpPr>
+        <p:spPr>
+          <a:xfrm>
+            <a:off x="628650" y="989044"/>
+            <a:ext cx="7886700" cy="5605719"/>
+          </a:xfrm>
+        </p:spPr>
+        <p:txBody>
+          <a:bodyPr>
+            <a:normAutofit/>
+          </a:bodyPr>
+          <a:lstStyle/>
+          <a:p>
+            <a:pPr defTabSz="342900">
+              <a:lnSpc>
+                <a:spcPct val="120000"/>
+              </a:lnSpc>
+            </a:pPr>
+            <a:r>
+              <a:rPr lang="en-US" altLang="zh-CN" sz="1800" dirty="0">
+                <a:solidFill>
+                  <a:srgbClr val="262626"/>
+                </a:solidFill>
+              </a:rPr>
+              <a:t>Code Demo</a:t>
+            </a:r>
+            <a:endParaRPr lang="en-US" altLang="zh-CN" sz="1800" dirty="0">
+              <a:solidFill>
+                <a:srgbClr val="262626"/>
+              </a:solidFill>
+            </a:endParaRPr>
+          </a:p>
+          <a:p>
+            <a:pPr defTabSz="342900">
+              <a:lnSpc>
+                <a:spcPct val="120000"/>
+              </a:lnSpc>
+            </a:pPr>
+            <a:r>
+              <a:rPr lang="en-US" altLang="zh-CN" sz="1800" dirty="0">
+                <a:solidFill>
+                  <a:srgbClr val="262626"/>
+                </a:solidFill>
+              </a:rPr>
+              <a:t>Explain network.sh</a:t>
+            </a:r>
+            <a:endParaRPr lang="en-US" altLang="zh-CN" sz="1800" dirty="0">
+              <a:solidFill>
+                <a:srgbClr val="262626"/>
+              </a:solidFill>
+            </a:endParaRPr>
+          </a:p>
+          <a:p>
+            <a:pPr lvl="1" defTabSz="342900">
+              <a:lnSpc>
+                <a:spcPct val="120000"/>
+              </a:lnSpc>
+            </a:pPr>
+            <a:r>
+              <a:rPr lang="en-US" altLang="zh-CN" sz="1540" dirty="0">
+                <a:solidFill>
+                  <a:srgbClr val="262626"/>
+                </a:solidFill>
+              </a:rPr>
+              <a:t>createOrgs</a:t>
+            </a:r>
+            <a:endParaRPr lang="en-US" altLang="zh-CN" sz="1540" dirty="0">
+              <a:solidFill>
+                <a:srgbClr val="262626"/>
+              </a:solidFill>
+            </a:endParaRPr>
+          </a:p>
+          <a:p>
+            <a:pPr lvl="1" defTabSz="342900">
+              <a:lnSpc>
+                <a:spcPct val="120000"/>
+              </a:lnSpc>
+            </a:pPr>
+            <a:r>
+              <a:rPr lang="en-US" altLang="zh-CN" sz="1540" dirty="0">
+                <a:solidFill>
+                  <a:srgbClr val="262626"/>
+                </a:solidFill>
+              </a:rPr>
+              <a:t>createConsortium</a:t>
+            </a:r>
+            <a:endParaRPr lang="en-US" altLang="zh-CN" sz="1540" dirty="0">
+              <a:solidFill>
+                <a:srgbClr val="262626"/>
+              </a:solidFill>
+            </a:endParaRPr>
+          </a:p>
+          <a:p>
+            <a:pPr lvl="1" defTabSz="342900">
+              <a:lnSpc>
+                <a:spcPct val="120000"/>
+              </a:lnSpc>
+            </a:pPr>
+            <a:endParaRPr lang="en-US" altLang="zh-CN" sz="1540" dirty="0">
+              <a:solidFill>
+                <a:srgbClr val="262626"/>
+              </a:solidFill>
+            </a:endParaRPr>
+          </a:p>
+          <a:p>
+            <a:pPr marL="457200" lvl="1" indent="0" defTabSz="342900">
+              <a:lnSpc>
+                <a:spcPct val="120000"/>
+              </a:lnSpc>
+              <a:buNone/>
+            </a:pPr>
+            <a:endParaRPr lang="en-US" altLang="zh-CN" sz="1540" dirty="0">
+              <a:solidFill>
+                <a:srgbClr val="262626"/>
+              </a:solidFill>
+            </a:endParaRPr>
+          </a:p>
+          <a:p>
+            <a:pPr marL="228600" lvl="0" indent="-228600" defTabSz="342900">
+              <a:lnSpc>
+                <a:spcPct val="120000"/>
+              </a:lnSpc>
+              <a:buFont typeface="Arial" panose="020B0604020202020204" pitchFamily="34" charset="0"/>
+              <a:buChar char="•"/>
+            </a:pPr>
+            <a:r>
+              <a:rPr lang="en-US" altLang="zh-CN" sz="1800" dirty="0">
+                <a:solidFill>
+                  <a:srgbClr val="262626"/>
+                </a:solidFill>
+              </a:rPr>
+              <a:t>Explain createChannel.sh</a:t>
+            </a:r>
+            <a:endParaRPr lang="en-US" altLang="zh-CN" sz="1800" dirty="0">
+              <a:solidFill>
+                <a:srgbClr val="262626"/>
+              </a:solidFill>
+            </a:endParaRPr>
+          </a:p>
+        </p:txBody>
+      </p:sp>
+    </p:spTree>
+  </p:cSld>
+  <p:clrMapOvr>
+    <a:masterClrMapping/>
+  </p:clrMapOvr>
+</p:sld>
+</file>
+
+<file path=ppt/slides/slide24.xml><?xml version="1.0" encoding="utf-8"?>
+<p:sld xmlns:a="http://schemas.openxmlformats.org/drawingml/2006/main" xmlns:r="http://schemas.openxmlformats.org/officeDocument/2006/relationships" xmlns:p="http://schemas.openxmlformats.org/presentationml/2006/main">
+  <p:cSld>
+    <p:spTree>
+      <p:nvGrpSpPr>
+        <p:cNvPr id="1" name=""/>
+        <p:cNvGrpSpPr/>
+        <p:nvPr/>
+      </p:nvGrpSpPr>
+      <p:grpSpPr>
+        <a:xfrm>
+          <a:off x="0" y="0"/>
+          <a:ext cx="0" cy="0"/>
+          <a:chOff x="0" y="0"/>
+          <a:chExt cx="0" cy="0"/>
+        </a:xfrm>
+      </p:grpSpPr>
+      <p:sp>
+        <p:nvSpPr>
+          <p:cNvPr id="2" name="Title 1"/>
+          <p:cNvSpPr>
+            <a:spLocks noGrp="1"/>
+          </p:cNvSpPr>
+          <p:nvPr>
+            <p:ph type="title"/>
+          </p:nvPr>
+        </p:nvSpPr>
+        <p:spPr>
+          <a:xfrm>
+            <a:off x="628650" y="155263"/>
+            <a:ext cx="7886700" cy="526790"/>
+          </a:xfrm>
+        </p:spPr>
+        <p:txBody>
+          <a:bodyPr>
+            <a:normAutofit fontScale="90000"/>
+          </a:bodyPr>
+          <a:lstStyle/>
+          <a:p>
+            <a:pPr algn="ctr"/>
+            <a:r>
+              <a:rPr lang="en-US" sz="3200" b="1" dirty="0">
+                <a:latin typeface="Calibri" panose="020F0502020204030204" pitchFamily="34" charset="0"/>
+                <a:cs typeface="Calibri" panose="020F0502020204030204" pitchFamily="34" charset="0"/>
+                <a:sym typeface="+mn-ea"/>
+              </a:rPr>
+              <a:t>Network Composing Process</a:t>
+            </a:r>
+            <a:endParaRPr lang="en-US" sz="3200" b="1" dirty="0">
+              <a:latin typeface="Calibri" panose="020F0502020204030204" pitchFamily="34" charset="0"/>
+              <a:cs typeface="Calibri" panose="020F0502020204030204" pitchFamily="34" charset="0"/>
+            </a:endParaRPr>
+          </a:p>
+        </p:txBody>
+      </p:sp>
+      <p:sp>
+        <p:nvSpPr>
+          <p:cNvPr id="4" name="Content Placeholder 2"/>
+          <p:cNvSpPr>
+            <a:spLocks noGrp="1"/>
+          </p:cNvSpPr>
+          <p:nvPr/>
+        </p:nvSpPr>
+        <p:spPr>
+          <a:xfrm>
+            <a:off x="628650" y="989044"/>
+            <a:ext cx="7886700" cy="5605719"/>
+          </a:xfrm>
+          <a:prstGeom prst="rect">
+            <a:avLst/>
+          </a:prstGeom>
+        </p:spPr>
+        <p:txBody>
+          <a:bodyPr vert="horz" lIns="91440" tIns="45720" rIns="91440" bIns="45720" rtlCol="0">
+            <a:normAutofit lnSpcReduction="20000"/>
+          </a:bodyPr>
+          <a:lstStyle>
+            <a:lvl1pPr marL="228600" indent="-228600" algn="l" defTabSz="914400" rtl="0" eaLnBrk="1" latinLnBrk="0" hangingPunct="1">
+              <a:lnSpc>
+                <a:spcPct val="90000"/>
+              </a:lnSpc>
+              <a:spcBef>
+                <a:spcPts val="1000"/>
+              </a:spcBef>
+              <a:buFont typeface="Arial" panose="020B0604020202020204" pitchFamily="34" charset="0"/>
+              <a:buChar char="•"/>
+              <a:defRPr sz="2800" kern="1200">
+                <a:solidFill>
+                  <a:schemeClr val="tx1"/>
+                </a:solidFill>
+                <a:latin typeface="+mn-lt"/>
+                <a:ea typeface="+mn-ea"/>
+                <a:cs typeface="+mn-cs"/>
+              </a:defRPr>
+            </a:lvl1pPr>
+            <a:lvl2pPr marL="685800" indent="-228600" algn="l" defTabSz="914400" rtl="0" eaLnBrk="1" latinLnBrk="0" hangingPunct="1">
+              <a:lnSpc>
+                <a:spcPct val="90000"/>
+              </a:lnSpc>
+              <a:spcBef>
+                <a:spcPts val="500"/>
+              </a:spcBef>
+              <a:buFont typeface="Arial" panose="020B0604020202020204" pitchFamily="34" charset="0"/>
+              <a:buChar char="•"/>
+              <a:defRPr sz="2400" kern="1200">
+                <a:solidFill>
+                  <a:schemeClr val="tx1"/>
+                </a:solidFill>
+                <a:latin typeface="+mn-lt"/>
+                <a:ea typeface="+mn-ea"/>
+                <a:cs typeface="+mn-cs"/>
+              </a:defRPr>
+            </a:lvl2pPr>
+            <a:lvl3pPr marL="1143000" indent="-228600" algn="l" defTabSz="914400" rtl="0" eaLnBrk="1" latinLnBrk="0" hangingPunct="1">
+              <a:lnSpc>
+                <a:spcPct val="90000"/>
+              </a:lnSpc>
+              <a:spcBef>
+                <a:spcPts val="500"/>
+              </a:spcBef>
+              <a:buFont typeface="Arial" panose="020B0604020202020204" pitchFamily="34" charset="0"/>
+              <a:buChar char="•"/>
+              <a:defRPr sz="2000" kern="1200">
+                <a:solidFill>
+                  <a:schemeClr val="tx1"/>
+                </a:solidFill>
+                <a:latin typeface="+mn-lt"/>
+                <a:ea typeface="+mn-ea"/>
+                <a:cs typeface="+mn-cs"/>
+              </a:defRPr>
+            </a:lvl3pPr>
+            <a:lvl4pPr marL="1600200" indent="-228600" algn="l" defTabSz="914400" rtl="0" eaLnBrk="1" latinLnBrk="0" hangingPunct="1">
+              <a:lnSpc>
+                <a:spcPct val="90000"/>
+              </a:lnSpc>
+              <a:spcBef>
+                <a:spcPts val="500"/>
+              </a:spcBef>
+              <a:buFont typeface="Arial" panose="020B0604020202020204" pitchFamily="34" charset="0"/>
+              <a:buChar char="•"/>
+              <a:defRPr sz="1800" kern="1200">
+                <a:solidFill>
+                  <a:schemeClr val="tx1"/>
+                </a:solidFill>
+                <a:latin typeface="+mn-lt"/>
+                <a:ea typeface="+mn-ea"/>
+                <a:cs typeface="+mn-cs"/>
+              </a:defRPr>
+            </a:lvl4pPr>
+            <a:lvl5pPr marL="2057400" indent="-228600" algn="l" defTabSz="914400" rtl="0" eaLnBrk="1" latinLnBrk="0" hangingPunct="1">
+              <a:lnSpc>
+                <a:spcPct val="90000"/>
+              </a:lnSpc>
+              <a:spcBef>
+                <a:spcPts val="500"/>
+              </a:spcBef>
+              <a:buFont typeface="Arial" panose="020B0604020202020204" pitchFamily="34" charset="0"/>
+              <a:buChar char="•"/>
+              <a:defRPr sz="1800" kern="1200">
+                <a:solidFill>
+                  <a:schemeClr val="tx1"/>
+                </a:solidFill>
+                <a:latin typeface="+mn-lt"/>
+                <a:ea typeface="+mn-ea"/>
+                <a:cs typeface="+mn-cs"/>
+              </a:defRPr>
+            </a:lvl5pPr>
+            <a:lvl6pPr marL="2514600" indent="-228600" algn="l" defTabSz="914400" rtl="0" eaLnBrk="1" latinLnBrk="0" hangingPunct="1">
+              <a:lnSpc>
+                <a:spcPct val="90000"/>
+              </a:lnSpc>
+              <a:spcBef>
+                <a:spcPts val="500"/>
+              </a:spcBef>
+              <a:buFont typeface="Arial" panose="020B0604020202020204" pitchFamily="34" charset="0"/>
+              <a:buChar char="•"/>
+              <a:defRPr sz="1800" kern="1200">
+                <a:solidFill>
+                  <a:schemeClr val="tx1"/>
+                </a:solidFill>
+                <a:latin typeface="+mn-lt"/>
+                <a:ea typeface="+mn-ea"/>
+                <a:cs typeface="+mn-cs"/>
+              </a:defRPr>
+            </a:lvl6pPr>
+            <a:lvl7pPr marL="2971800" indent="-228600" algn="l" defTabSz="914400" rtl="0" eaLnBrk="1" latinLnBrk="0" hangingPunct="1">
+              <a:lnSpc>
+                <a:spcPct val="90000"/>
+              </a:lnSpc>
+              <a:spcBef>
+                <a:spcPts val="500"/>
+              </a:spcBef>
+              <a:buFont typeface="Arial" panose="020B0604020202020204" pitchFamily="34" charset="0"/>
+              <a:buChar char="•"/>
+              <a:defRPr sz="1800" kern="1200">
+                <a:solidFill>
+                  <a:schemeClr val="tx1"/>
+                </a:solidFill>
+                <a:latin typeface="+mn-lt"/>
+                <a:ea typeface="+mn-ea"/>
+                <a:cs typeface="+mn-cs"/>
+              </a:defRPr>
+            </a:lvl7pPr>
+            <a:lvl8pPr marL="3429000" indent="-228600" algn="l" defTabSz="914400" rtl="0" eaLnBrk="1" latinLnBrk="0" hangingPunct="1">
+              <a:lnSpc>
+                <a:spcPct val="90000"/>
+              </a:lnSpc>
+              <a:spcBef>
+                <a:spcPts val="500"/>
+              </a:spcBef>
+              <a:buFont typeface="Arial" panose="020B0604020202020204" pitchFamily="34" charset="0"/>
+              <a:buChar char="•"/>
+              <a:defRPr sz="1800" kern="1200">
+                <a:solidFill>
+                  <a:schemeClr val="tx1"/>
+                </a:solidFill>
+                <a:latin typeface="+mn-lt"/>
+                <a:ea typeface="+mn-ea"/>
+                <a:cs typeface="+mn-cs"/>
+              </a:defRPr>
+            </a:lvl8pPr>
+            <a:lvl9pPr marL="3886200" indent="-228600" algn="l" defTabSz="914400" rtl="0" eaLnBrk="1" latinLnBrk="0" hangingPunct="1">
+              <a:lnSpc>
+                <a:spcPct val="90000"/>
+              </a:lnSpc>
+              <a:spcBef>
+                <a:spcPts val="500"/>
+              </a:spcBef>
+              <a:buFont typeface="Arial" panose="020B0604020202020204" pitchFamily="34" charset="0"/>
+              <a:buChar char="•"/>
+              <a:defRPr sz="1800" kern="1200">
+                <a:solidFill>
+                  <a:schemeClr val="tx1"/>
+                </a:solidFill>
+                <a:latin typeface="+mn-lt"/>
+                <a:ea typeface="+mn-ea"/>
+                <a:cs typeface="+mn-cs"/>
+              </a:defRPr>
+            </a:lvl9pPr>
+          </a:lstStyle>
+          <a:p>
+            <a:pPr marL="228600" lvl="0" indent="-228600" defTabSz="342900">
+              <a:lnSpc>
+                <a:spcPct val="120000"/>
+              </a:lnSpc>
+              <a:buFont typeface="Arial" panose="020B0604020202020204" pitchFamily="34" charset="0"/>
+              <a:buChar char="•"/>
+            </a:pPr>
+            <a:r>
+              <a:rPr lang="en-US" altLang="en-US" sz="1800" b="1" dirty="0">
+                <a:solidFill>
+                  <a:srgbClr val="262626"/>
+                </a:solidFill>
+              </a:rPr>
+              <a:t>1 Generating network cryptographic material</a:t>
+            </a:r>
+            <a:endParaRPr lang="en-US" altLang="en-US" sz="1800" b="1" dirty="0">
+              <a:solidFill>
+                <a:srgbClr val="262626"/>
+              </a:solidFill>
+            </a:endParaRPr>
+          </a:p>
+          <a:p>
+            <a:pPr marL="228600" lvl="0" indent="-228600" defTabSz="342900">
+              <a:lnSpc>
+                <a:spcPct val="120000"/>
+              </a:lnSpc>
+              <a:buFont typeface="Arial" panose="020B0604020202020204" pitchFamily="34" charset="0"/>
+              <a:buChar char="•"/>
+            </a:pPr>
+            <a:r>
+              <a:rPr lang="en-US" altLang="en-US" sz="1800" dirty="0">
+                <a:solidFill>
+                  <a:srgbClr val="262626"/>
+                </a:solidFill>
+              </a:rPr>
+              <a:t>The first step in the configuration of a network involves the creation of certificates and signing keys for the MSP of each peer and orderer organization, and for TLS-based communication</a:t>
+            </a:r>
+            <a:endParaRPr lang="en-US" altLang="en-US" sz="1800" dirty="0">
+              <a:solidFill>
+                <a:srgbClr val="262626"/>
+              </a:solidFill>
+            </a:endParaRPr>
+          </a:p>
+          <a:p>
+            <a:pPr marL="228600" lvl="0" indent="-228600" defTabSz="342900">
+              <a:lnSpc>
+                <a:spcPct val="120000"/>
+              </a:lnSpc>
+              <a:buFont typeface="Arial" panose="020B0604020202020204" pitchFamily="34" charset="0"/>
+              <a:buChar char="•"/>
+            </a:pPr>
+            <a:r>
+              <a:rPr lang="en-US" altLang="en-US" sz="1800" b="1" dirty="0">
+                <a:solidFill>
+                  <a:srgbClr val="262626"/>
+                </a:solidFill>
+              </a:rPr>
+              <a:t>important config file: crypto-config.yaml</a:t>
+            </a:r>
+            <a:endParaRPr lang="en-US" altLang="en-US" sz="1800" b="1" dirty="0">
+              <a:solidFill>
+                <a:srgbClr val="262626"/>
+              </a:solidFill>
+            </a:endParaRPr>
+          </a:p>
+          <a:p>
+            <a:pPr marL="228600" lvl="0" indent="-228600" defTabSz="342900">
+              <a:lnSpc>
+                <a:spcPct val="120000"/>
+              </a:lnSpc>
+              <a:buFont typeface="Arial" panose="020B0604020202020204" pitchFamily="34" charset="0"/>
+              <a:buChar char="•"/>
+            </a:pPr>
+            <a:r>
+              <a:rPr lang="en-US" altLang="zh-CN" sz="1800" b="1" dirty="0">
+                <a:solidFill>
+                  <a:srgbClr val="262626"/>
+                </a:solidFill>
+              </a:rPr>
+              <a:t>cryptogen showtemplate &gt;&gt; crypto-config.yaml</a:t>
+            </a:r>
+            <a:r>
+              <a:rPr lang="en-US" altLang="zh-CN" sz="1800" dirty="0">
+                <a:solidFill>
+                  <a:srgbClr val="262626"/>
+                </a:solidFill>
+              </a:rPr>
+              <a:t> to get the template</a:t>
+            </a:r>
+            <a:endParaRPr lang="en-US" altLang="zh-CN" sz="1800" dirty="0">
+              <a:solidFill>
+                <a:srgbClr val="262626"/>
+              </a:solidFill>
+            </a:endParaRPr>
+          </a:p>
+          <a:p>
+            <a:pPr marL="685800" lvl="1" indent="-228600" defTabSz="342900">
+              <a:lnSpc>
+                <a:spcPct val="120000"/>
+              </a:lnSpc>
+              <a:buFont typeface="Arial" panose="020B0604020202020204" pitchFamily="34" charset="0"/>
+              <a:buChar char="•"/>
+            </a:pPr>
+            <a:r>
+              <a:rPr lang="en-US" altLang="zh-CN" sz="1540" b="1" i="1" dirty="0">
+                <a:solidFill>
+                  <a:srgbClr val="262626"/>
+                </a:solidFill>
+              </a:rPr>
+              <a:t>Explain the generated teplate</a:t>
+            </a:r>
+            <a:r>
+              <a:rPr lang="en-US" altLang="zh-CN" sz="1540" dirty="0">
+                <a:solidFill>
+                  <a:srgbClr val="262626"/>
+                </a:solidFill>
+              </a:rPr>
+              <a:t> </a:t>
+            </a:r>
+            <a:r>
+              <a:rPr lang="en-US" altLang="zh-CN" sz="1540" dirty="0">
+                <a:solidFill>
+                  <a:srgbClr val="FF0000"/>
+                </a:solidFill>
+              </a:rPr>
+              <a:t>demostrate</a:t>
+            </a:r>
+            <a:endParaRPr lang="en-US" altLang="zh-CN" sz="1540" dirty="0">
+              <a:solidFill>
+                <a:srgbClr val="262626"/>
+              </a:solidFill>
+            </a:endParaRPr>
+          </a:p>
+          <a:p>
+            <a:pPr marL="685800" lvl="1" indent="-228600" defTabSz="342900">
+              <a:lnSpc>
+                <a:spcPct val="120000"/>
+              </a:lnSpc>
+              <a:buFont typeface="Arial" panose="020B0604020202020204" pitchFamily="34" charset="0"/>
+              <a:buChar char="•"/>
+            </a:pPr>
+            <a:r>
+              <a:rPr lang="en-US" altLang="en-US" sz="1535" dirty="0">
+                <a:solidFill>
+                  <a:srgbClr val="262626"/>
+                </a:solidFill>
+                <a:sym typeface="+mn-ea"/>
+              </a:rPr>
+              <a:t>corresponding config files in test network folder</a:t>
+            </a:r>
+            <a:endParaRPr lang="en-US" altLang="en-US" sz="1535" dirty="0">
+              <a:solidFill>
+                <a:srgbClr val="262626"/>
+              </a:solidFill>
+            </a:endParaRPr>
+          </a:p>
+          <a:p>
+            <a:pPr marL="685800" lvl="1" indent="-228600" defTabSz="342900">
+              <a:lnSpc>
+                <a:spcPct val="120000"/>
+              </a:lnSpc>
+              <a:buFont typeface="Arial" panose="020B0604020202020204" pitchFamily="34" charset="0"/>
+              <a:buChar char="•"/>
+            </a:pPr>
+            <a:r>
+              <a:rPr lang="en-US" altLang="en-US" sz="1535" dirty="0">
+                <a:solidFill>
+                  <a:srgbClr val="262626"/>
+                </a:solidFill>
+                <a:sym typeface="+mn-ea"/>
+              </a:rPr>
+              <a:t>test network -&gt; organizations -&gt; cryptogen</a:t>
+            </a:r>
+            <a:endParaRPr lang="zh-CN" altLang="en-US" sz="1535" dirty="0">
+              <a:solidFill>
+                <a:srgbClr val="262626"/>
+              </a:solidFill>
+            </a:endParaRPr>
+          </a:p>
+          <a:p>
+            <a:pPr marL="457200" lvl="1" indent="0" defTabSz="342900">
+              <a:lnSpc>
+                <a:spcPct val="120000"/>
+              </a:lnSpc>
+              <a:buFont typeface="Arial" panose="020B0604020202020204" pitchFamily="34" charset="0"/>
+              <a:buNone/>
+            </a:pPr>
+            <a:endParaRPr lang="en-US" altLang="zh-CN" sz="1540" dirty="0">
+              <a:solidFill>
+                <a:srgbClr val="262626"/>
+              </a:solidFill>
+            </a:endParaRPr>
+          </a:p>
+          <a:p>
+            <a:pPr marL="228600" lvl="0" indent="-228600" defTabSz="342900">
+              <a:lnSpc>
+                <a:spcPct val="120000"/>
+              </a:lnSpc>
+              <a:buFont typeface="Arial" panose="020B0604020202020204" pitchFamily="34" charset="0"/>
+              <a:buChar char="•"/>
+            </a:pPr>
+            <a:r>
+              <a:rPr lang="en-US" altLang="zh-CN" sz="1800" dirty="0">
+                <a:solidFill>
+                  <a:srgbClr val="262626"/>
+                </a:solidFill>
+              </a:rPr>
+              <a:t>Explain the </a:t>
+            </a:r>
+            <a:r>
+              <a:rPr lang="en-US" altLang="en-US" sz="1800" dirty="0">
+                <a:solidFill>
+                  <a:srgbClr val="262626"/>
+                </a:solidFill>
+                <a:sym typeface="+mn-ea"/>
+              </a:rPr>
+              <a:t>cryptogen in test network</a:t>
+            </a:r>
+            <a:endParaRPr lang="en-US" altLang="en-US" sz="1800" dirty="0">
+              <a:solidFill>
+                <a:srgbClr val="262626"/>
+              </a:solidFill>
+              <a:sym typeface="+mn-ea"/>
+            </a:endParaRPr>
+          </a:p>
+          <a:p>
+            <a:pPr marL="685800" lvl="1" indent="-228600" defTabSz="342900">
+              <a:lnSpc>
+                <a:spcPct val="120000"/>
+              </a:lnSpc>
+              <a:buFont typeface="Arial" panose="020B0604020202020204" pitchFamily="34" charset="0"/>
+              <a:buChar char="•"/>
+            </a:pPr>
+            <a:r>
+              <a:rPr lang="en-US" altLang="zh-CN" sz="1540" dirty="0">
+                <a:solidFill>
+                  <a:srgbClr val="262626"/>
+                </a:solidFill>
+              </a:rPr>
+              <a:t>sans the domain alternative name such as IP</a:t>
+            </a:r>
+            <a:endParaRPr lang="en-US" altLang="zh-CN" sz="1540" dirty="0">
+              <a:solidFill>
+                <a:srgbClr val="262626"/>
+              </a:solidFill>
+            </a:endParaRPr>
+          </a:p>
+          <a:p>
+            <a:pPr marL="685800" lvl="1" indent="-228600" defTabSz="342900">
+              <a:lnSpc>
+                <a:spcPct val="120000"/>
+              </a:lnSpc>
+              <a:buFont typeface="Arial" panose="020B0604020202020204" pitchFamily="34" charset="0"/>
+              <a:buChar char="•"/>
+            </a:pPr>
+            <a:r>
+              <a:rPr lang="en-US" altLang="zh-CN" sz="1540" dirty="0">
+                <a:solidFill>
+                  <a:srgbClr val="262626"/>
+                </a:solidFill>
+              </a:rPr>
+              <a:t>template count and user count</a:t>
+            </a:r>
+            <a:endParaRPr lang="en-US" altLang="zh-CN" sz="1540" dirty="0">
+              <a:solidFill>
+                <a:srgbClr val="262626"/>
+              </a:solidFill>
+            </a:endParaRPr>
+          </a:p>
+          <a:p>
+            <a:pPr marL="685800" lvl="1" indent="-228600" defTabSz="342900">
+              <a:lnSpc>
+                <a:spcPct val="120000"/>
+              </a:lnSpc>
+              <a:buFont typeface="Arial" panose="020B0604020202020204" pitchFamily="34" charset="0"/>
+              <a:buChar char="•"/>
+            </a:pPr>
+            <a:r>
+              <a:rPr lang="en-US" altLang="zh-CN" sz="1535" dirty="0">
+                <a:solidFill>
+                  <a:srgbClr val="262626"/>
+                </a:solidFill>
+                <a:sym typeface="+mn-ea"/>
+              </a:rPr>
+              <a:t>EnableNodeOUs: further classify identities into clients and peers</a:t>
+            </a:r>
+            <a:endParaRPr lang="en-US" altLang="zh-CN" sz="1540" dirty="0">
+              <a:solidFill>
+                <a:srgbClr val="262626"/>
+              </a:solidFill>
+            </a:endParaRPr>
+          </a:p>
+          <a:p>
+            <a:pPr marL="0" lvl="0" indent="0" defTabSz="342900">
+              <a:lnSpc>
+                <a:spcPct val="120000"/>
+              </a:lnSpc>
+              <a:buFont typeface="Arial" panose="020B0604020202020204" pitchFamily="34" charset="0"/>
+              <a:buNone/>
+            </a:pPr>
+            <a:r>
+              <a:rPr lang="en-US" altLang="zh-CN" sz="1800" dirty="0">
+                <a:solidFill>
+                  <a:srgbClr val="262626"/>
+                </a:solidFill>
+              </a:rPr>
+              <a:t> </a:t>
+            </a:r>
+            <a:endParaRPr lang="en-US" altLang="zh-CN" sz="1800" dirty="0">
+              <a:solidFill>
+                <a:srgbClr val="262626"/>
+              </a:solidFill>
+            </a:endParaRPr>
+          </a:p>
+        </p:txBody>
+      </p:sp>
+    </p:spTree>
+  </p:cSld>
+  <p:clrMapOvr>
+    <a:masterClrMapping/>
+  </p:clrMapOvr>
+</p:sld>
+</file>
+
+<file path=ppt/slides/slide25.xml><?xml version="1.0" encoding="utf-8"?>
+<p:sld xmlns:a="http://schemas.openxmlformats.org/drawingml/2006/main" xmlns:r="http://schemas.openxmlformats.org/officeDocument/2006/relationships" xmlns:p="http://schemas.openxmlformats.org/presentationml/2006/main">
+  <p:cSld>
+    <p:spTree>
+      <p:nvGrpSpPr>
+        <p:cNvPr id="1" name=""/>
+        <p:cNvGrpSpPr/>
+        <p:nvPr/>
+      </p:nvGrpSpPr>
+      <p:grpSpPr>
+        <a:xfrm>
+          <a:off x="0" y="0"/>
+          <a:ext cx="0" cy="0"/>
+          <a:chOff x="0" y="0"/>
+          <a:chExt cx="0" cy="0"/>
+        </a:xfrm>
+      </p:grpSpPr>
+      <p:sp>
+        <p:nvSpPr>
+          <p:cNvPr id="2" name="Title 1"/>
+          <p:cNvSpPr>
+            <a:spLocks noGrp="1"/>
+          </p:cNvSpPr>
+          <p:nvPr>
+            <p:ph type="title"/>
+          </p:nvPr>
+        </p:nvSpPr>
+        <p:spPr>
+          <a:xfrm>
+            <a:off x="628650" y="155263"/>
+            <a:ext cx="7886700" cy="526790"/>
+          </a:xfrm>
+        </p:spPr>
+        <p:txBody>
+          <a:bodyPr>
+            <a:normAutofit fontScale="90000"/>
+          </a:bodyPr>
+          <a:lstStyle/>
+          <a:p>
+            <a:pPr algn="ctr"/>
+            <a:r>
+              <a:rPr lang="en-US" sz="3200" b="1" dirty="0">
+                <a:latin typeface="Calibri" panose="020F0502020204030204" pitchFamily="34" charset="0"/>
+                <a:cs typeface="Calibri" panose="020F0502020204030204" pitchFamily="34" charset="0"/>
+                <a:sym typeface="+mn-ea"/>
+              </a:rPr>
+              <a:t>Network Composing Process</a:t>
+            </a:r>
+            <a:endParaRPr lang="en-US" sz="3200" b="1" dirty="0">
+              <a:latin typeface="Calibri" panose="020F0502020204030204" pitchFamily="34" charset="0"/>
+              <a:cs typeface="Calibri" panose="020F0502020204030204" pitchFamily="34" charset="0"/>
+            </a:endParaRPr>
+          </a:p>
+        </p:txBody>
+      </p:sp>
+      <p:sp>
+        <p:nvSpPr>
+          <p:cNvPr id="4" name="Content Placeholder 2"/>
+          <p:cNvSpPr>
+            <a:spLocks noGrp="1"/>
+          </p:cNvSpPr>
+          <p:nvPr/>
+        </p:nvSpPr>
+        <p:spPr>
+          <a:xfrm>
+            <a:off x="628650" y="989044"/>
+            <a:ext cx="7886700" cy="5605719"/>
+          </a:xfrm>
+          <a:prstGeom prst="rect">
+            <a:avLst/>
+          </a:prstGeom>
+        </p:spPr>
+        <p:txBody>
+          <a:bodyPr vert="horz" lIns="91440" tIns="45720" rIns="91440" bIns="45720" rtlCol="0">
+            <a:normAutofit lnSpcReduction="10000"/>
+          </a:bodyPr>
+          <a:lstStyle>
+            <a:lvl1pPr marL="228600" indent="-228600" algn="l" defTabSz="914400" rtl="0" eaLnBrk="1" latinLnBrk="0" hangingPunct="1">
+              <a:lnSpc>
+                <a:spcPct val="90000"/>
+              </a:lnSpc>
+              <a:spcBef>
+                <a:spcPts val="1000"/>
+              </a:spcBef>
+              <a:buFont typeface="Arial" panose="020B0604020202020204" pitchFamily="34" charset="0"/>
+              <a:buChar char="•"/>
+              <a:defRPr sz="2800" kern="1200">
+                <a:solidFill>
+                  <a:schemeClr val="tx1"/>
+                </a:solidFill>
+                <a:latin typeface="+mn-lt"/>
+                <a:ea typeface="+mn-ea"/>
+                <a:cs typeface="+mn-cs"/>
+              </a:defRPr>
+            </a:lvl1pPr>
+            <a:lvl2pPr marL="685800" indent="-228600" algn="l" defTabSz="914400" rtl="0" eaLnBrk="1" latinLnBrk="0" hangingPunct="1">
+              <a:lnSpc>
+                <a:spcPct val="90000"/>
+              </a:lnSpc>
+              <a:spcBef>
+                <a:spcPts val="500"/>
+              </a:spcBef>
+              <a:buFont typeface="Arial" panose="020B0604020202020204" pitchFamily="34" charset="0"/>
+              <a:buChar char="•"/>
+              <a:defRPr sz="2400" kern="1200">
+                <a:solidFill>
+                  <a:schemeClr val="tx1"/>
+                </a:solidFill>
+                <a:latin typeface="+mn-lt"/>
+                <a:ea typeface="+mn-ea"/>
+                <a:cs typeface="+mn-cs"/>
+              </a:defRPr>
+            </a:lvl2pPr>
+            <a:lvl3pPr marL="1143000" indent="-228600" algn="l" defTabSz="914400" rtl="0" eaLnBrk="1" latinLnBrk="0" hangingPunct="1">
+              <a:lnSpc>
+                <a:spcPct val="90000"/>
+              </a:lnSpc>
+              <a:spcBef>
+                <a:spcPts val="500"/>
+              </a:spcBef>
+              <a:buFont typeface="Arial" panose="020B0604020202020204" pitchFamily="34" charset="0"/>
+              <a:buChar char="•"/>
+              <a:defRPr sz="2000" kern="1200">
+                <a:solidFill>
+                  <a:schemeClr val="tx1"/>
+                </a:solidFill>
+                <a:latin typeface="+mn-lt"/>
+                <a:ea typeface="+mn-ea"/>
+                <a:cs typeface="+mn-cs"/>
+              </a:defRPr>
+            </a:lvl3pPr>
+            <a:lvl4pPr marL="1600200" indent="-228600" algn="l" defTabSz="914400" rtl="0" eaLnBrk="1" latinLnBrk="0" hangingPunct="1">
+              <a:lnSpc>
+                <a:spcPct val="90000"/>
+              </a:lnSpc>
+              <a:spcBef>
+                <a:spcPts val="500"/>
+              </a:spcBef>
+              <a:buFont typeface="Arial" panose="020B0604020202020204" pitchFamily="34" charset="0"/>
+              <a:buChar char="•"/>
+              <a:defRPr sz="1800" kern="1200">
+                <a:solidFill>
+                  <a:schemeClr val="tx1"/>
+                </a:solidFill>
+                <a:latin typeface="+mn-lt"/>
+                <a:ea typeface="+mn-ea"/>
+                <a:cs typeface="+mn-cs"/>
+              </a:defRPr>
+            </a:lvl4pPr>
+            <a:lvl5pPr marL="2057400" indent="-228600" algn="l" defTabSz="914400" rtl="0" eaLnBrk="1" latinLnBrk="0" hangingPunct="1">
+              <a:lnSpc>
+                <a:spcPct val="90000"/>
+              </a:lnSpc>
+              <a:spcBef>
+                <a:spcPts val="500"/>
+              </a:spcBef>
+              <a:buFont typeface="Arial" panose="020B0604020202020204" pitchFamily="34" charset="0"/>
+              <a:buChar char="•"/>
+              <a:defRPr sz="1800" kern="1200">
+                <a:solidFill>
+                  <a:schemeClr val="tx1"/>
+                </a:solidFill>
+                <a:latin typeface="+mn-lt"/>
+                <a:ea typeface="+mn-ea"/>
+                <a:cs typeface="+mn-cs"/>
+              </a:defRPr>
+            </a:lvl5pPr>
+            <a:lvl6pPr marL="2514600" indent="-228600" algn="l" defTabSz="914400" rtl="0" eaLnBrk="1" latinLnBrk="0" hangingPunct="1">
+              <a:lnSpc>
+                <a:spcPct val="90000"/>
+              </a:lnSpc>
+              <a:spcBef>
+                <a:spcPts val="500"/>
+              </a:spcBef>
+              <a:buFont typeface="Arial" panose="020B0604020202020204" pitchFamily="34" charset="0"/>
+              <a:buChar char="•"/>
+              <a:defRPr sz="1800" kern="1200">
+                <a:solidFill>
+                  <a:schemeClr val="tx1"/>
+                </a:solidFill>
+                <a:latin typeface="+mn-lt"/>
+                <a:ea typeface="+mn-ea"/>
+                <a:cs typeface="+mn-cs"/>
+              </a:defRPr>
+            </a:lvl6pPr>
+            <a:lvl7pPr marL="2971800" indent="-228600" algn="l" defTabSz="914400" rtl="0" eaLnBrk="1" latinLnBrk="0" hangingPunct="1">
+              <a:lnSpc>
+                <a:spcPct val="90000"/>
+              </a:lnSpc>
+              <a:spcBef>
+                <a:spcPts val="500"/>
+              </a:spcBef>
+              <a:buFont typeface="Arial" panose="020B0604020202020204" pitchFamily="34" charset="0"/>
+              <a:buChar char="•"/>
+              <a:defRPr sz="1800" kern="1200">
+                <a:solidFill>
+                  <a:schemeClr val="tx1"/>
+                </a:solidFill>
+                <a:latin typeface="+mn-lt"/>
+                <a:ea typeface="+mn-ea"/>
+                <a:cs typeface="+mn-cs"/>
+              </a:defRPr>
+            </a:lvl7pPr>
+            <a:lvl8pPr marL="3429000" indent="-228600" algn="l" defTabSz="914400" rtl="0" eaLnBrk="1" latinLnBrk="0" hangingPunct="1">
+              <a:lnSpc>
+                <a:spcPct val="90000"/>
+              </a:lnSpc>
+              <a:spcBef>
+                <a:spcPts val="500"/>
+              </a:spcBef>
+              <a:buFont typeface="Arial" panose="020B0604020202020204" pitchFamily="34" charset="0"/>
+              <a:buChar char="•"/>
+              <a:defRPr sz="1800" kern="1200">
+                <a:solidFill>
+                  <a:schemeClr val="tx1"/>
+                </a:solidFill>
+                <a:latin typeface="+mn-lt"/>
+                <a:ea typeface="+mn-ea"/>
+                <a:cs typeface="+mn-cs"/>
+              </a:defRPr>
+            </a:lvl8pPr>
+            <a:lvl9pPr marL="3886200" indent="-228600" algn="l" defTabSz="914400" rtl="0" eaLnBrk="1" latinLnBrk="0" hangingPunct="1">
+              <a:lnSpc>
+                <a:spcPct val="90000"/>
+              </a:lnSpc>
+              <a:spcBef>
+                <a:spcPts val="500"/>
+              </a:spcBef>
+              <a:buFont typeface="Arial" panose="020B0604020202020204" pitchFamily="34" charset="0"/>
+              <a:buChar char="•"/>
+              <a:defRPr sz="1800" kern="1200">
+                <a:solidFill>
+                  <a:schemeClr val="tx1"/>
+                </a:solidFill>
+                <a:latin typeface="+mn-lt"/>
+                <a:ea typeface="+mn-ea"/>
+                <a:cs typeface="+mn-cs"/>
+              </a:defRPr>
+            </a:lvl9pPr>
+          </a:lstStyle>
+          <a:p>
+            <a:pPr marL="228600" lvl="0" indent="-228600" defTabSz="342900">
+              <a:lnSpc>
+                <a:spcPct val="120000"/>
+              </a:lnSpc>
+              <a:buFont typeface="Arial" panose="020B0604020202020204" pitchFamily="34" charset="0"/>
+              <a:buChar char="•"/>
+            </a:pPr>
+            <a:r>
+              <a:rPr lang="en-US" altLang="en-US" sz="1800" b="1" dirty="0">
+                <a:solidFill>
+                  <a:srgbClr val="262626"/>
+                </a:solidFill>
+                <a:sym typeface="+mn-ea"/>
+              </a:rPr>
+              <a:t>2 Generating channel artifacts</a:t>
+            </a:r>
+            <a:endParaRPr lang="en-US" altLang="en-US" sz="1800" b="1" dirty="0">
+              <a:solidFill>
+                <a:srgbClr val="262626"/>
+              </a:solidFill>
+            </a:endParaRPr>
+          </a:p>
+          <a:p>
+            <a:pPr marL="228600" lvl="0" indent="-228600" defTabSz="342900">
+              <a:lnSpc>
+                <a:spcPct val="120000"/>
+              </a:lnSpc>
+              <a:buFont typeface="Arial" panose="020B0604020202020204" pitchFamily="34" charset="0"/>
+              <a:buChar char="•"/>
+            </a:pPr>
+            <a:r>
+              <a:rPr lang="en-US" altLang="en-US" sz="1800" dirty="0">
+                <a:solidFill>
+                  <a:srgbClr val="262626"/>
+                </a:solidFill>
+              </a:rPr>
+              <a:t>To create a network according to an organization's structure, and to bootstrap a channel, we will need to generate the following artifacts: </a:t>
+            </a:r>
+            <a:endParaRPr lang="en-US" altLang="en-US" sz="1800" dirty="0">
+              <a:solidFill>
+                <a:srgbClr val="262626"/>
+              </a:solidFill>
+            </a:endParaRPr>
+          </a:p>
+          <a:p>
+            <a:pPr marL="685800" lvl="1" indent="-228600" defTabSz="342900">
+              <a:lnSpc>
+                <a:spcPct val="120000"/>
+              </a:lnSpc>
+              <a:buFont typeface="Arial" panose="020B0604020202020204" pitchFamily="34" charset="0"/>
+              <a:buChar char="•"/>
+            </a:pPr>
+            <a:r>
+              <a:rPr lang="en-US" altLang="en-US" sz="1540" dirty="0">
+                <a:solidFill>
+                  <a:srgbClr val="262626"/>
+                </a:solidFill>
+              </a:rPr>
+              <a:t>A genesis block, containing organization-specific certificates that serve to initialize the Fabric blockchain. </a:t>
+            </a:r>
+            <a:endParaRPr lang="en-US" altLang="en-US" sz="1540" dirty="0">
+              <a:solidFill>
+                <a:srgbClr val="262626"/>
+              </a:solidFill>
+            </a:endParaRPr>
+          </a:p>
+          <a:p>
+            <a:pPr marL="685800" lvl="1" indent="-228600" defTabSz="342900">
+              <a:lnSpc>
+                <a:spcPct val="120000"/>
+              </a:lnSpc>
+              <a:buFont typeface="Arial" panose="020B0604020202020204" pitchFamily="34" charset="0"/>
+              <a:buChar char="•"/>
+            </a:pPr>
+            <a:r>
+              <a:rPr lang="en-US" altLang="en-US" sz="1540" dirty="0">
+                <a:solidFill>
+                  <a:srgbClr val="262626"/>
+                </a:solidFill>
+              </a:rPr>
+              <a:t>Channel configuration information. </a:t>
+            </a:r>
+            <a:endParaRPr lang="en-US" altLang="en-US" sz="1540" dirty="0">
+              <a:solidFill>
+                <a:srgbClr val="262626"/>
+              </a:solidFill>
+            </a:endParaRPr>
+          </a:p>
+          <a:p>
+            <a:pPr marL="685800" lvl="1" indent="-228600" defTabSz="342900">
+              <a:lnSpc>
+                <a:spcPct val="120000"/>
+              </a:lnSpc>
+              <a:buFont typeface="Arial" panose="020B0604020202020204" pitchFamily="34" charset="0"/>
+              <a:buChar char="•"/>
+            </a:pPr>
+            <a:r>
+              <a:rPr lang="en-US" altLang="en-US" sz="1540" dirty="0">
+                <a:solidFill>
+                  <a:srgbClr val="262626"/>
+                </a:solidFill>
+              </a:rPr>
+              <a:t>Anchor peer configurations for each organization. An anchor peer serves as a fulcrum within an organization, for cross-organization ledger syncing using the Fabric gossip protocol.</a:t>
+            </a:r>
+            <a:r>
+              <a:rPr lang="en-US" altLang="zh-CN" sz="1540" dirty="0">
+                <a:solidFill>
+                  <a:srgbClr val="262626"/>
+                </a:solidFill>
+              </a:rPr>
+              <a:t> </a:t>
+            </a:r>
+            <a:endParaRPr lang="en-US" altLang="zh-CN" sz="1540" dirty="0">
+              <a:solidFill>
+                <a:srgbClr val="262626"/>
+              </a:solidFill>
+            </a:endParaRPr>
+          </a:p>
+          <a:p>
+            <a:pPr marL="228600" lvl="0" indent="-228600" defTabSz="342900">
+              <a:lnSpc>
+                <a:spcPct val="120000"/>
+              </a:lnSpc>
+              <a:buFont typeface="Arial" panose="020B0604020202020204" pitchFamily="34" charset="0"/>
+              <a:buChar char="•"/>
+            </a:pPr>
+            <a:r>
+              <a:rPr lang="en-US" altLang="zh-CN" sz="1800" b="1" dirty="0">
+                <a:solidFill>
+                  <a:srgbClr val="262626"/>
+                </a:solidFill>
+              </a:rPr>
+              <a:t>important config file: configtx.yaml (path defined by FABRIC_CFG_PATH)</a:t>
+            </a:r>
+            <a:endParaRPr lang="en-US" altLang="zh-CN" sz="1800" b="1" dirty="0">
+              <a:solidFill>
+                <a:srgbClr val="262626"/>
+              </a:solidFill>
+            </a:endParaRPr>
+          </a:p>
+          <a:p>
+            <a:pPr marL="685800" lvl="1" indent="-228600" defTabSz="342900">
+              <a:lnSpc>
+                <a:spcPct val="120000"/>
+              </a:lnSpc>
+              <a:buFont typeface="Arial" panose="020B0604020202020204" pitchFamily="34" charset="0"/>
+              <a:buChar char="•"/>
+            </a:pPr>
+            <a:r>
+              <a:rPr lang="en-US" altLang="zh-CN" sz="1540" dirty="0">
+                <a:solidFill>
+                  <a:srgbClr val="262626"/>
+                </a:solidFill>
+              </a:rPr>
+              <a:t>configtx.yaml file to build the initial channel configuration that is stored in the genesis block</a:t>
+            </a:r>
+            <a:endParaRPr lang="en-US" altLang="zh-CN" sz="1540" dirty="0">
+              <a:solidFill>
+                <a:srgbClr val="262626"/>
+              </a:solidFill>
+            </a:endParaRPr>
+          </a:p>
+          <a:p>
+            <a:pPr marL="685800" lvl="1" indent="-228600" defTabSz="342900">
+              <a:lnSpc>
+                <a:spcPct val="120000"/>
+              </a:lnSpc>
+              <a:buFont typeface="Arial" panose="020B0604020202020204" pitchFamily="34" charset="0"/>
+              <a:buChar char="•"/>
+            </a:pPr>
+            <a:r>
+              <a:rPr lang="en-US" altLang="zh-CN" sz="1540" dirty="0">
+                <a:solidFill>
+                  <a:srgbClr val="262626"/>
+                </a:solidFill>
+              </a:rPr>
+              <a:t>orgs section </a:t>
+            </a:r>
+            <a:endParaRPr lang="en-US" altLang="zh-CN" sz="1540" dirty="0">
+              <a:solidFill>
+                <a:srgbClr val="262626"/>
+              </a:solidFill>
+            </a:endParaRPr>
+          </a:p>
+          <a:p>
+            <a:pPr marL="685800" lvl="1" indent="-228600" defTabSz="342900">
+              <a:lnSpc>
+                <a:spcPct val="120000"/>
+              </a:lnSpc>
+              <a:buFont typeface="Arial" panose="020B0604020202020204" pitchFamily="34" charset="0"/>
+              <a:buChar char="•"/>
+            </a:pPr>
+            <a:r>
+              <a:rPr lang="en-US" altLang="zh-CN" sz="1540" dirty="0">
+                <a:solidFill>
+                  <a:srgbClr val="262626"/>
+                </a:solidFill>
+              </a:rPr>
+              <a:t>capability section</a:t>
+            </a:r>
+            <a:endParaRPr lang="en-US" altLang="zh-CN" sz="1540" dirty="0">
+              <a:solidFill>
+                <a:srgbClr val="262626"/>
+              </a:solidFill>
+            </a:endParaRPr>
+          </a:p>
+          <a:p>
+            <a:pPr marL="685800" lvl="1" indent="-228600" defTabSz="342900">
+              <a:lnSpc>
+                <a:spcPct val="120000"/>
+              </a:lnSpc>
+              <a:buFont typeface="Arial" panose="020B0604020202020204" pitchFamily="34" charset="0"/>
+              <a:buChar char="•"/>
+            </a:pPr>
+            <a:r>
+              <a:rPr lang="en-US" altLang="zh-CN" sz="1540" dirty="0">
+                <a:solidFill>
+                  <a:srgbClr val="262626"/>
+                </a:solidFill>
+              </a:rPr>
+              <a:t>applications section</a:t>
+            </a:r>
+            <a:endParaRPr lang="en-US" altLang="zh-CN" sz="1540" dirty="0">
+              <a:solidFill>
+                <a:srgbClr val="262626"/>
+              </a:solidFill>
+            </a:endParaRPr>
+          </a:p>
+          <a:p>
+            <a:pPr marL="685800" lvl="1" indent="-228600" defTabSz="342900">
+              <a:lnSpc>
+                <a:spcPct val="120000"/>
+              </a:lnSpc>
+              <a:buFont typeface="Arial" panose="020B0604020202020204" pitchFamily="34" charset="0"/>
+              <a:buChar char="•"/>
+            </a:pPr>
+            <a:r>
+              <a:rPr lang="en-US" altLang="zh-CN" sz="1540" dirty="0">
+                <a:solidFill>
+                  <a:srgbClr val="262626"/>
+                </a:solidFill>
+              </a:rPr>
+              <a:t>orderer section</a:t>
+            </a:r>
+            <a:endParaRPr lang="en-US" altLang="zh-CN" sz="1540" dirty="0">
+              <a:solidFill>
+                <a:srgbClr val="262626"/>
+              </a:solidFill>
+            </a:endParaRPr>
+          </a:p>
+          <a:p>
+            <a:pPr marL="685800" lvl="1" indent="-228600" defTabSz="342900">
+              <a:lnSpc>
+                <a:spcPct val="120000"/>
+              </a:lnSpc>
+              <a:buFont typeface="Arial" panose="020B0604020202020204" pitchFamily="34" charset="0"/>
+              <a:buChar char="•"/>
+            </a:pPr>
+            <a:r>
+              <a:rPr lang="en-US" altLang="zh-CN" sz="1540" dirty="0">
+                <a:solidFill>
+                  <a:srgbClr val="262626"/>
+                </a:solidFill>
+              </a:rPr>
+              <a:t>channel section</a:t>
+            </a:r>
+            <a:endParaRPr lang="en-US" altLang="zh-CN" sz="1540" dirty="0">
+              <a:solidFill>
+                <a:srgbClr val="262626"/>
+              </a:solidFill>
+            </a:endParaRPr>
+          </a:p>
+          <a:p>
+            <a:pPr marL="685800" lvl="1" indent="-228600" defTabSz="342900">
+              <a:lnSpc>
+                <a:spcPct val="120000"/>
+              </a:lnSpc>
+              <a:buFont typeface="Arial" panose="020B0604020202020204" pitchFamily="34" charset="0"/>
+              <a:buChar char="•"/>
+            </a:pPr>
+            <a:endParaRPr lang="en-US" altLang="zh-CN" sz="1540" dirty="0">
+              <a:solidFill>
+                <a:srgbClr val="262626"/>
+              </a:solidFill>
+            </a:endParaRPr>
+          </a:p>
+        </p:txBody>
+      </p:sp>
+    </p:spTree>
+  </p:cSld>
+  <p:clrMapOvr>
+    <a:masterClrMapping/>
+  </p:clrMapOvr>
+</p:sld>
+</file>
+
+<file path=ppt/slides/slide26.xml><?xml version="1.0" encoding="utf-8"?>
+<p:sld xmlns:a="http://schemas.openxmlformats.org/drawingml/2006/main" xmlns:r="http://schemas.openxmlformats.org/officeDocument/2006/relationships" xmlns:p="http://schemas.openxmlformats.org/presentationml/2006/main">
+  <p:cSld>
+    <p:spTree>
+      <p:nvGrpSpPr>
+        <p:cNvPr id="1" name=""/>
+        <p:cNvGrpSpPr/>
+        <p:nvPr/>
+      </p:nvGrpSpPr>
+      <p:grpSpPr>
+        <a:xfrm>
+          <a:off x="0" y="0"/>
+          <a:ext cx="0" cy="0"/>
+          <a:chOff x="0" y="0"/>
+          <a:chExt cx="0" cy="0"/>
+        </a:xfrm>
+      </p:grpSpPr>
+      <p:sp>
+        <p:nvSpPr>
+          <p:cNvPr id="2" name="Title 1"/>
+          <p:cNvSpPr>
+            <a:spLocks noGrp="1"/>
+          </p:cNvSpPr>
+          <p:nvPr>
+            <p:ph type="title"/>
+          </p:nvPr>
+        </p:nvSpPr>
+        <p:spPr>
+          <a:xfrm>
+            <a:off x="628650" y="155263"/>
+            <a:ext cx="7886700" cy="526790"/>
+          </a:xfrm>
+        </p:spPr>
+        <p:txBody>
+          <a:bodyPr>
+            <a:normAutofit fontScale="90000"/>
+          </a:bodyPr>
+          <a:lstStyle/>
+          <a:p>
+            <a:pPr algn="ctr"/>
+            <a:r>
+              <a:rPr lang="en-US" sz="3200" b="1" dirty="0">
+                <a:latin typeface="Calibri" panose="020F0502020204030204" pitchFamily="34" charset="0"/>
+                <a:cs typeface="Calibri" panose="020F0502020204030204" pitchFamily="34" charset="0"/>
+                <a:sym typeface="+mn-ea"/>
+              </a:rPr>
+              <a:t>Network Composing Process</a:t>
+            </a:r>
+            <a:endParaRPr lang="en-US" sz="3200" b="1" dirty="0">
+              <a:latin typeface="Calibri" panose="020F0502020204030204" pitchFamily="34" charset="0"/>
+              <a:cs typeface="Calibri" panose="020F0502020204030204" pitchFamily="34" charset="0"/>
+            </a:endParaRPr>
+          </a:p>
+        </p:txBody>
+      </p:sp>
+      <p:sp>
+        <p:nvSpPr>
+          <p:cNvPr id="4" name="Content Placeholder 2"/>
+          <p:cNvSpPr>
+            <a:spLocks noGrp="1"/>
+          </p:cNvSpPr>
+          <p:nvPr/>
+        </p:nvSpPr>
+        <p:spPr>
+          <a:xfrm>
+            <a:off x="628650" y="989044"/>
+            <a:ext cx="7886700" cy="5605719"/>
+          </a:xfrm>
+          <a:prstGeom prst="rect">
+            <a:avLst/>
+          </a:prstGeom>
+        </p:spPr>
+        <p:txBody>
+          <a:bodyPr vert="horz" lIns="91440" tIns="45720" rIns="91440" bIns="45720" rtlCol="0">
+            <a:normAutofit/>
+          </a:bodyPr>
+          <a:lstStyle>
+            <a:lvl1pPr marL="228600" indent="-228600" algn="l" defTabSz="914400" rtl="0" eaLnBrk="1" latinLnBrk="0" hangingPunct="1">
+              <a:lnSpc>
+                <a:spcPct val="90000"/>
+              </a:lnSpc>
+              <a:spcBef>
+                <a:spcPts val="1000"/>
+              </a:spcBef>
+              <a:buFont typeface="Arial" panose="020B0604020202020204" pitchFamily="34" charset="0"/>
+              <a:buChar char="•"/>
+              <a:defRPr sz="2800" kern="1200">
+                <a:solidFill>
+                  <a:schemeClr val="tx1"/>
+                </a:solidFill>
+                <a:latin typeface="+mn-lt"/>
+                <a:ea typeface="+mn-ea"/>
+                <a:cs typeface="+mn-cs"/>
+              </a:defRPr>
+            </a:lvl1pPr>
+            <a:lvl2pPr marL="685800" indent="-228600" algn="l" defTabSz="914400" rtl="0" eaLnBrk="1" latinLnBrk="0" hangingPunct="1">
+              <a:lnSpc>
+                <a:spcPct val="90000"/>
+              </a:lnSpc>
+              <a:spcBef>
+                <a:spcPts val="500"/>
+              </a:spcBef>
+              <a:buFont typeface="Arial" panose="020B0604020202020204" pitchFamily="34" charset="0"/>
+              <a:buChar char="•"/>
+              <a:defRPr sz="2400" kern="1200">
+                <a:solidFill>
+                  <a:schemeClr val="tx1"/>
+                </a:solidFill>
+                <a:latin typeface="+mn-lt"/>
+                <a:ea typeface="+mn-ea"/>
+                <a:cs typeface="+mn-cs"/>
+              </a:defRPr>
+            </a:lvl2pPr>
+            <a:lvl3pPr marL="1143000" indent="-228600" algn="l" defTabSz="914400" rtl="0" eaLnBrk="1" latinLnBrk="0" hangingPunct="1">
+              <a:lnSpc>
+                <a:spcPct val="90000"/>
+              </a:lnSpc>
+              <a:spcBef>
+                <a:spcPts val="500"/>
+              </a:spcBef>
+              <a:buFont typeface="Arial" panose="020B0604020202020204" pitchFamily="34" charset="0"/>
+              <a:buChar char="•"/>
+              <a:defRPr sz="2000" kern="1200">
+                <a:solidFill>
+                  <a:schemeClr val="tx1"/>
+                </a:solidFill>
+                <a:latin typeface="+mn-lt"/>
+                <a:ea typeface="+mn-ea"/>
+                <a:cs typeface="+mn-cs"/>
+              </a:defRPr>
+            </a:lvl3pPr>
+            <a:lvl4pPr marL="1600200" indent="-228600" algn="l" defTabSz="914400" rtl="0" eaLnBrk="1" latinLnBrk="0" hangingPunct="1">
+              <a:lnSpc>
+                <a:spcPct val="90000"/>
+              </a:lnSpc>
+              <a:spcBef>
+                <a:spcPts val="500"/>
+              </a:spcBef>
+              <a:buFont typeface="Arial" panose="020B0604020202020204" pitchFamily="34" charset="0"/>
+              <a:buChar char="•"/>
+              <a:defRPr sz="1800" kern="1200">
+                <a:solidFill>
+                  <a:schemeClr val="tx1"/>
+                </a:solidFill>
+                <a:latin typeface="+mn-lt"/>
+                <a:ea typeface="+mn-ea"/>
+                <a:cs typeface="+mn-cs"/>
+              </a:defRPr>
+            </a:lvl4pPr>
+            <a:lvl5pPr marL="2057400" indent="-228600" algn="l" defTabSz="914400" rtl="0" eaLnBrk="1" latinLnBrk="0" hangingPunct="1">
+              <a:lnSpc>
+                <a:spcPct val="90000"/>
+              </a:lnSpc>
+              <a:spcBef>
+                <a:spcPts val="500"/>
+              </a:spcBef>
+              <a:buFont typeface="Arial" panose="020B0604020202020204" pitchFamily="34" charset="0"/>
+              <a:buChar char="•"/>
+              <a:defRPr sz="1800" kern="1200">
+                <a:solidFill>
+                  <a:schemeClr val="tx1"/>
+                </a:solidFill>
+                <a:latin typeface="+mn-lt"/>
+                <a:ea typeface="+mn-ea"/>
+                <a:cs typeface="+mn-cs"/>
+              </a:defRPr>
+            </a:lvl5pPr>
+            <a:lvl6pPr marL="2514600" indent="-228600" algn="l" defTabSz="914400" rtl="0" eaLnBrk="1" latinLnBrk="0" hangingPunct="1">
+              <a:lnSpc>
+                <a:spcPct val="90000"/>
+              </a:lnSpc>
+              <a:spcBef>
+                <a:spcPts val="500"/>
+              </a:spcBef>
+              <a:buFont typeface="Arial" panose="020B0604020202020204" pitchFamily="34" charset="0"/>
+              <a:buChar char="•"/>
+              <a:defRPr sz="1800" kern="1200">
+                <a:solidFill>
+                  <a:schemeClr val="tx1"/>
+                </a:solidFill>
+                <a:latin typeface="+mn-lt"/>
+                <a:ea typeface="+mn-ea"/>
+                <a:cs typeface="+mn-cs"/>
+              </a:defRPr>
+            </a:lvl6pPr>
+            <a:lvl7pPr marL="2971800" indent="-228600" algn="l" defTabSz="914400" rtl="0" eaLnBrk="1" latinLnBrk="0" hangingPunct="1">
+              <a:lnSpc>
+                <a:spcPct val="90000"/>
+              </a:lnSpc>
+              <a:spcBef>
+                <a:spcPts val="500"/>
+              </a:spcBef>
+              <a:buFont typeface="Arial" panose="020B0604020202020204" pitchFamily="34" charset="0"/>
+              <a:buChar char="•"/>
+              <a:defRPr sz="1800" kern="1200">
+                <a:solidFill>
+                  <a:schemeClr val="tx1"/>
+                </a:solidFill>
+                <a:latin typeface="+mn-lt"/>
+                <a:ea typeface="+mn-ea"/>
+                <a:cs typeface="+mn-cs"/>
+              </a:defRPr>
+            </a:lvl7pPr>
+            <a:lvl8pPr marL="3429000" indent="-228600" algn="l" defTabSz="914400" rtl="0" eaLnBrk="1" latinLnBrk="0" hangingPunct="1">
+              <a:lnSpc>
+                <a:spcPct val="90000"/>
+              </a:lnSpc>
+              <a:spcBef>
+                <a:spcPts val="500"/>
+              </a:spcBef>
+              <a:buFont typeface="Arial" panose="020B0604020202020204" pitchFamily="34" charset="0"/>
+              <a:buChar char="•"/>
+              <a:defRPr sz="1800" kern="1200">
+                <a:solidFill>
+                  <a:schemeClr val="tx1"/>
+                </a:solidFill>
+                <a:latin typeface="+mn-lt"/>
+                <a:ea typeface="+mn-ea"/>
+                <a:cs typeface="+mn-cs"/>
+              </a:defRPr>
+            </a:lvl8pPr>
+            <a:lvl9pPr marL="3886200" indent="-228600" algn="l" defTabSz="914400" rtl="0" eaLnBrk="1" latinLnBrk="0" hangingPunct="1">
+              <a:lnSpc>
+                <a:spcPct val="90000"/>
+              </a:lnSpc>
+              <a:spcBef>
+                <a:spcPts val="500"/>
+              </a:spcBef>
+              <a:buFont typeface="Arial" panose="020B0604020202020204" pitchFamily="34" charset="0"/>
+              <a:buChar char="•"/>
+              <a:defRPr sz="1800" kern="1200">
+                <a:solidFill>
+                  <a:schemeClr val="tx1"/>
+                </a:solidFill>
+                <a:latin typeface="+mn-lt"/>
+                <a:ea typeface="+mn-ea"/>
+                <a:cs typeface="+mn-cs"/>
+              </a:defRPr>
+            </a:lvl9pPr>
+          </a:lstStyle>
+          <a:p>
+            <a:pPr marL="228600" lvl="0" indent="-228600" defTabSz="342900">
+              <a:lnSpc>
+                <a:spcPct val="120000"/>
+              </a:lnSpc>
+              <a:buFont typeface="Arial" panose="020B0604020202020204" pitchFamily="34" charset="0"/>
+              <a:buChar char="•"/>
+            </a:pPr>
+            <a:endParaRPr lang="en-US" altLang="zh-CN" sz="1540" dirty="0">
+              <a:solidFill>
+                <a:srgbClr val="262626"/>
+              </a:solidFill>
+            </a:endParaRPr>
+          </a:p>
+          <a:p>
+            <a:pPr marL="228600" lvl="0" indent="-228600" defTabSz="342900">
+              <a:lnSpc>
+                <a:spcPct val="120000"/>
+              </a:lnSpc>
+              <a:buFont typeface="Arial" panose="020B0604020202020204" pitchFamily="34" charset="0"/>
+              <a:buChar char="•"/>
+            </a:pPr>
+            <a:r>
+              <a:rPr lang="en-US" altLang="zh-CN" sz="1800" dirty="0">
+                <a:solidFill>
+                  <a:srgbClr val="262626"/>
+                </a:solidFill>
+              </a:rPr>
+              <a:t>Organizations: Each organization is identified by an MSP ID and a channel MSP.</a:t>
+            </a:r>
+            <a:endParaRPr lang="en-US" altLang="zh-CN" sz="1800" dirty="0">
+              <a:solidFill>
+                <a:srgbClr val="262626"/>
+              </a:solidFill>
+            </a:endParaRPr>
+          </a:p>
+          <a:p>
+            <a:pPr marL="228600" lvl="0" indent="-228600" defTabSz="342900">
+              <a:lnSpc>
+                <a:spcPct val="120000"/>
+              </a:lnSpc>
+              <a:buFont typeface="Arial" panose="020B0604020202020204" pitchFamily="34" charset="0"/>
+              <a:buChar char="•"/>
+            </a:pPr>
+            <a:r>
+              <a:rPr lang="en-US" altLang="zh-CN" sz="1800" dirty="0">
+                <a:solidFill>
+                  <a:srgbClr val="262626"/>
+                </a:solidFill>
+              </a:rPr>
+              <a:t>Capabilities: Fabric channels can be joined by orderer and peer nodes that are running different versions of Hyperledger Fabric. Channel capabilities allow organizations that are running different Fabric binaries to participate on the same channel by only enabling certain features.</a:t>
+            </a:r>
+            <a:endParaRPr lang="en-US" altLang="zh-CN" sz="1800" dirty="0">
+              <a:solidFill>
+                <a:srgbClr val="262626"/>
+              </a:solidFill>
+            </a:endParaRPr>
+          </a:p>
+          <a:p>
+            <a:pPr marL="228600" lvl="0" indent="-228600" defTabSz="342900">
+              <a:lnSpc>
+                <a:spcPct val="120000"/>
+              </a:lnSpc>
+              <a:buFont typeface="Arial" panose="020B0604020202020204" pitchFamily="34" charset="0"/>
+              <a:buChar char="•"/>
+            </a:pPr>
+            <a:r>
+              <a:rPr lang="en-US" altLang="zh-CN" sz="1800" dirty="0">
+                <a:solidFill>
+                  <a:srgbClr val="262626"/>
+                </a:solidFill>
+              </a:rPr>
+              <a:t>Application: The application section defines the policies that govern how peer organizations can interact with application channels.</a:t>
+            </a:r>
+            <a:endParaRPr lang="en-US" altLang="zh-CN" sz="1800" dirty="0">
+              <a:solidFill>
+                <a:srgbClr val="262626"/>
+              </a:solidFill>
+            </a:endParaRPr>
+          </a:p>
+          <a:p>
+            <a:pPr marL="685800" lvl="1" indent="-228600" defTabSz="342900">
+              <a:lnSpc>
+                <a:spcPct val="120000"/>
+              </a:lnSpc>
+              <a:buFont typeface="Arial" panose="020B0604020202020204" pitchFamily="34" charset="0"/>
+              <a:buChar char="•"/>
+            </a:pPr>
+            <a:r>
+              <a:rPr lang="en-US" altLang="zh-CN" sz="1540" dirty="0">
+                <a:solidFill>
+                  <a:srgbClr val="262626"/>
+                </a:solidFill>
+              </a:rPr>
+              <a:t>ImplicitMeta Policies: The ImplicitMeta policies in the Application section govern how peer organizations interact with the channel</a:t>
+            </a:r>
+            <a:endParaRPr lang="en-US" altLang="zh-CN" sz="1540" dirty="0">
+              <a:solidFill>
+                <a:srgbClr val="262626"/>
+              </a:solidFill>
+            </a:endParaRPr>
+          </a:p>
+          <a:p>
+            <a:pPr marL="685800" lvl="1" indent="-228600" defTabSz="342900">
+              <a:lnSpc>
+                <a:spcPct val="120000"/>
+              </a:lnSpc>
+              <a:buFont typeface="Arial" panose="020B0604020202020204" pitchFamily="34" charset="0"/>
+              <a:buChar char="•"/>
+            </a:pPr>
+            <a:endParaRPr lang="en-US" altLang="zh-CN" sz="1320" dirty="0">
+              <a:solidFill>
+                <a:srgbClr val="262626"/>
+              </a:solidFill>
+            </a:endParaRPr>
+          </a:p>
+          <a:p>
+            <a:pPr marL="228600" lvl="0" indent="-228600" defTabSz="342900">
+              <a:lnSpc>
+                <a:spcPct val="120000"/>
+              </a:lnSpc>
+              <a:buFont typeface="Arial" panose="020B0604020202020204" pitchFamily="34" charset="0"/>
+              <a:buChar char="•"/>
+            </a:pPr>
+            <a:endParaRPr lang="en-US" altLang="zh-CN" sz="1540" dirty="0">
+              <a:solidFill>
+                <a:srgbClr val="262626"/>
+              </a:solidFill>
+            </a:endParaRPr>
+          </a:p>
+        </p:txBody>
+      </p:sp>
+    </p:spTree>
+  </p:cSld>
+  <p:clrMapOvr>
+    <a:masterClrMapping/>
+  </p:clrMapOvr>
+</p:sld>
+</file>
+
+<file path=ppt/slides/slide27.xml><?xml version="1.0" encoding="utf-8"?>
+<p:sld xmlns:a="http://schemas.openxmlformats.org/drawingml/2006/main" xmlns:r="http://schemas.openxmlformats.org/officeDocument/2006/relationships" xmlns:p="http://schemas.openxmlformats.org/presentationml/2006/main">
+  <p:cSld>
+    <p:spTree>
+      <p:nvGrpSpPr>
+        <p:cNvPr id="1" name=""/>
+        <p:cNvGrpSpPr/>
+        <p:nvPr/>
+      </p:nvGrpSpPr>
+      <p:grpSpPr>
+        <a:xfrm>
+          <a:off x="0" y="0"/>
+          <a:ext cx="0" cy="0"/>
+          <a:chOff x="0" y="0"/>
+          <a:chExt cx="0" cy="0"/>
+        </a:xfrm>
+      </p:grpSpPr>
+      <p:sp>
+        <p:nvSpPr>
+          <p:cNvPr id="2" name="Title 1"/>
+          <p:cNvSpPr>
+            <a:spLocks noGrp="1"/>
+          </p:cNvSpPr>
+          <p:nvPr>
+            <p:ph type="title"/>
+          </p:nvPr>
+        </p:nvSpPr>
+        <p:spPr>
+          <a:xfrm>
+            <a:off x="628650" y="155263"/>
+            <a:ext cx="7886700" cy="526790"/>
+          </a:xfrm>
+        </p:spPr>
+        <p:txBody>
+          <a:bodyPr>
+            <a:normAutofit fontScale="90000"/>
+          </a:bodyPr>
+          <a:lstStyle/>
+          <a:p>
+            <a:pPr algn="ctr"/>
+            <a:r>
+              <a:rPr lang="en-US" sz="3200" b="1" dirty="0">
+                <a:latin typeface="Calibri" panose="020F0502020204030204" pitchFamily="34" charset="0"/>
+                <a:cs typeface="Calibri" panose="020F0502020204030204" pitchFamily="34" charset="0"/>
+                <a:sym typeface="+mn-ea"/>
+              </a:rPr>
+              <a:t>Network Composing Process</a:t>
+            </a:r>
+            <a:endParaRPr lang="en-US" sz="3200" b="1" dirty="0">
+              <a:latin typeface="Calibri" panose="020F0502020204030204" pitchFamily="34" charset="0"/>
+              <a:cs typeface="Calibri" panose="020F0502020204030204" pitchFamily="34" charset="0"/>
+            </a:endParaRPr>
+          </a:p>
+        </p:txBody>
+      </p:sp>
+      <p:pic>
+        <p:nvPicPr>
+          <p:cNvPr id="3" name="图片 2"/>
+          <p:cNvPicPr>
+            <a:picLocks noChangeAspect="1"/>
+          </p:cNvPicPr>
+          <p:nvPr/>
+        </p:nvPicPr>
+        <p:blipFill>
+          <a:blip r:embed="rId1"/>
+          <a:stretch>
+            <a:fillRect/>
+          </a:stretch>
+        </p:blipFill>
+        <p:spPr>
+          <a:xfrm>
+            <a:off x="628650" y="682625"/>
+            <a:ext cx="3830955" cy="3117215"/>
+          </a:xfrm>
+          <a:prstGeom prst="rect">
+            <a:avLst/>
+          </a:prstGeom>
+        </p:spPr>
+      </p:pic>
+      <p:pic>
+        <p:nvPicPr>
+          <p:cNvPr id="5" name="图片 4"/>
+          <p:cNvPicPr>
+            <a:picLocks noChangeAspect="1"/>
+          </p:cNvPicPr>
+          <p:nvPr/>
+        </p:nvPicPr>
+        <p:blipFill>
+          <a:blip r:embed="rId2"/>
+          <a:stretch>
+            <a:fillRect/>
+          </a:stretch>
+        </p:blipFill>
+        <p:spPr>
+          <a:xfrm>
+            <a:off x="4667885" y="682625"/>
+            <a:ext cx="3847465" cy="3117215"/>
+          </a:xfrm>
+          <a:prstGeom prst="rect">
+            <a:avLst/>
+          </a:prstGeom>
+        </p:spPr>
+      </p:pic>
+      <p:pic>
+        <p:nvPicPr>
+          <p:cNvPr id="6" name="图片 5"/>
+          <p:cNvPicPr>
+            <a:picLocks noChangeAspect="1"/>
+          </p:cNvPicPr>
+          <p:nvPr/>
+        </p:nvPicPr>
+        <p:blipFill>
+          <a:blip r:embed="rId3"/>
+          <a:stretch>
+            <a:fillRect/>
+          </a:stretch>
+        </p:blipFill>
+        <p:spPr>
+          <a:xfrm>
+            <a:off x="2881630" y="3686175"/>
+            <a:ext cx="3105150" cy="3171825"/>
+          </a:xfrm>
+          <a:prstGeom prst="rect">
+            <a:avLst/>
+          </a:prstGeom>
+        </p:spPr>
+      </p:pic>
+    </p:spTree>
+  </p:cSld>
+  <p:clrMapOvr>
+    <a:masterClrMapping/>
+  </p:clrMapOvr>
+</p:sld>
+</file>
+
+<file path=ppt/slides/slide28.xml><?xml version="1.0" encoding="utf-8"?>
+<p:sld xmlns:a="http://schemas.openxmlformats.org/drawingml/2006/main" xmlns:r="http://schemas.openxmlformats.org/officeDocument/2006/relationships" xmlns:p="http://schemas.openxmlformats.org/presentationml/2006/main">
+  <p:cSld>
+    <p:spTree>
+      <p:nvGrpSpPr>
+        <p:cNvPr id="1" name=""/>
+        <p:cNvGrpSpPr/>
+        <p:nvPr/>
+      </p:nvGrpSpPr>
+      <p:grpSpPr>
+        <a:xfrm>
+          <a:off x="0" y="0"/>
+          <a:ext cx="0" cy="0"/>
+          <a:chOff x="0" y="0"/>
+          <a:chExt cx="0" cy="0"/>
+        </a:xfrm>
+      </p:grpSpPr>
+      <p:sp>
+        <p:nvSpPr>
+          <p:cNvPr id="2" name="Title 1"/>
+          <p:cNvSpPr>
+            <a:spLocks noGrp="1"/>
+          </p:cNvSpPr>
+          <p:nvPr>
+            <p:ph type="title"/>
+          </p:nvPr>
+        </p:nvSpPr>
+        <p:spPr>
+          <a:xfrm>
+            <a:off x="628650" y="155263"/>
+            <a:ext cx="7886700" cy="526790"/>
+          </a:xfrm>
+        </p:spPr>
+        <p:txBody>
+          <a:bodyPr>
+            <a:normAutofit fontScale="90000"/>
+          </a:bodyPr>
+          <a:lstStyle/>
+          <a:p>
+            <a:pPr algn="ctr"/>
+            <a:r>
+              <a:rPr lang="en-US" sz="3200" b="1" dirty="0">
+                <a:latin typeface="Calibri" panose="020F0502020204030204" pitchFamily="34" charset="0"/>
+                <a:cs typeface="Calibri" panose="020F0502020204030204" pitchFamily="34" charset="0"/>
+                <a:sym typeface="+mn-ea"/>
+              </a:rPr>
+              <a:t>Network Composing Process</a:t>
+            </a:r>
+            <a:endParaRPr lang="en-US" sz="3200" b="1" dirty="0">
+              <a:latin typeface="Calibri" panose="020F0502020204030204" pitchFamily="34" charset="0"/>
+              <a:cs typeface="Calibri" panose="020F0502020204030204" pitchFamily="34" charset="0"/>
+            </a:endParaRPr>
+          </a:p>
+        </p:txBody>
+      </p:sp>
+      <p:sp>
+        <p:nvSpPr>
+          <p:cNvPr id="4" name="Content Placeholder 2"/>
+          <p:cNvSpPr>
+            <a:spLocks noGrp="1"/>
+          </p:cNvSpPr>
+          <p:nvPr/>
+        </p:nvSpPr>
+        <p:spPr>
+          <a:xfrm>
+            <a:off x="628650" y="989044"/>
+            <a:ext cx="7886700" cy="5605719"/>
+          </a:xfrm>
+          <a:prstGeom prst="rect">
+            <a:avLst/>
+          </a:prstGeom>
+        </p:spPr>
+        <p:txBody>
+          <a:bodyPr vert="horz" lIns="91440" tIns="45720" rIns="91440" bIns="45720" rtlCol="0">
+            <a:normAutofit/>
+          </a:bodyPr>
+          <a:lstStyle>
+            <a:lvl1pPr marL="228600" indent="-228600" algn="l" defTabSz="914400" rtl="0" eaLnBrk="1" latinLnBrk="0" hangingPunct="1">
+              <a:lnSpc>
+                <a:spcPct val="90000"/>
+              </a:lnSpc>
+              <a:spcBef>
+                <a:spcPts val="1000"/>
+              </a:spcBef>
+              <a:buFont typeface="Arial" panose="020B0604020202020204" pitchFamily="34" charset="0"/>
+              <a:buChar char="•"/>
+              <a:defRPr sz="2800" kern="1200">
+                <a:solidFill>
+                  <a:schemeClr val="tx1"/>
+                </a:solidFill>
+                <a:latin typeface="+mn-lt"/>
+                <a:ea typeface="+mn-ea"/>
+                <a:cs typeface="+mn-cs"/>
+              </a:defRPr>
+            </a:lvl1pPr>
+            <a:lvl2pPr marL="685800" indent="-228600" algn="l" defTabSz="914400" rtl="0" eaLnBrk="1" latinLnBrk="0" hangingPunct="1">
+              <a:lnSpc>
+                <a:spcPct val="90000"/>
+              </a:lnSpc>
+              <a:spcBef>
+                <a:spcPts val="500"/>
+              </a:spcBef>
+              <a:buFont typeface="Arial" panose="020B0604020202020204" pitchFamily="34" charset="0"/>
+              <a:buChar char="•"/>
+              <a:defRPr sz="2400" kern="1200">
+                <a:solidFill>
+                  <a:schemeClr val="tx1"/>
+                </a:solidFill>
+                <a:latin typeface="+mn-lt"/>
+                <a:ea typeface="+mn-ea"/>
+                <a:cs typeface="+mn-cs"/>
+              </a:defRPr>
+            </a:lvl2pPr>
+            <a:lvl3pPr marL="1143000" indent="-228600" algn="l" defTabSz="914400" rtl="0" eaLnBrk="1" latinLnBrk="0" hangingPunct="1">
+              <a:lnSpc>
+                <a:spcPct val="90000"/>
+              </a:lnSpc>
+              <a:spcBef>
+                <a:spcPts val="500"/>
+              </a:spcBef>
+              <a:buFont typeface="Arial" panose="020B0604020202020204" pitchFamily="34" charset="0"/>
+              <a:buChar char="•"/>
+              <a:defRPr sz="2000" kern="1200">
+                <a:solidFill>
+                  <a:schemeClr val="tx1"/>
+                </a:solidFill>
+                <a:latin typeface="+mn-lt"/>
+                <a:ea typeface="+mn-ea"/>
+                <a:cs typeface="+mn-cs"/>
+              </a:defRPr>
+            </a:lvl3pPr>
+            <a:lvl4pPr marL="1600200" indent="-228600" algn="l" defTabSz="914400" rtl="0" eaLnBrk="1" latinLnBrk="0" hangingPunct="1">
+              <a:lnSpc>
+                <a:spcPct val="90000"/>
+              </a:lnSpc>
+              <a:spcBef>
+                <a:spcPts val="500"/>
+              </a:spcBef>
+              <a:buFont typeface="Arial" panose="020B0604020202020204" pitchFamily="34" charset="0"/>
+              <a:buChar char="•"/>
+              <a:defRPr sz="1800" kern="1200">
+                <a:solidFill>
+                  <a:schemeClr val="tx1"/>
+                </a:solidFill>
+                <a:latin typeface="+mn-lt"/>
+                <a:ea typeface="+mn-ea"/>
+                <a:cs typeface="+mn-cs"/>
+              </a:defRPr>
+            </a:lvl4pPr>
+            <a:lvl5pPr marL="2057400" indent="-228600" algn="l" defTabSz="914400" rtl="0" eaLnBrk="1" latinLnBrk="0" hangingPunct="1">
+              <a:lnSpc>
+                <a:spcPct val="90000"/>
+              </a:lnSpc>
+              <a:spcBef>
+                <a:spcPts val="500"/>
+              </a:spcBef>
+              <a:buFont typeface="Arial" panose="020B0604020202020204" pitchFamily="34" charset="0"/>
+              <a:buChar char="•"/>
+              <a:defRPr sz="1800" kern="1200">
+                <a:solidFill>
+                  <a:schemeClr val="tx1"/>
+                </a:solidFill>
+                <a:latin typeface="+mn-lt"/>
+                <a:ea typeface="+mn-ea"/>
+                <a:cs typeface="+mn-cs"/>
+              </a:defRPr>
+            </a:lvl5pPr>
+            <a:lvl6pPr marL="2514600" indent="-228600" algn="l" defTabSz="914400" rtl="0" eaLnBrk="1" latinLnBrk="0" hangingPunct="1">
+              <a:lnSpc>
+                <a:spcPct val="90000"/>
+              </a:lnSpc>
+              <a:spcBef>
+                <a:spcPts val="500"/>
+              </a:spcBef>
+              <a:buFont typeface="Arial" panose="020B0604020202020204" pitchFamily="34" charset="0"/>
+              <a:buChar char="•"/>
+              <a:defRPr sz="1800" kern="1200">
+                <a:solidFill>
+                  <a:schemeClr val="tx1"/>
+                </a:solidFill>
+                <a:latin typeface="+mn-lt"/>
+                <a:ea typeface="+mn-ea"/>
+                <a:cs typeface="+mn-cs"/>
+              </a:defRPr>
+            </a:lvl6pPr>
+            <a:lvl7pPr marL="2971800" indent="-228600" algn="l" defTabSz="914400" rtl="0" eaLnBrk="1" latinLnBrk="0" hangingPunct="1">
+              <a:lnSpc>
+                <a:spcPct val="90000"/>
+              </a:lnSpc>
+              <a:spcBef>
+                <a:spcPts val="500"/>
+              </a:spcBef>
+              <a:buFont typeface="Arial" panose="020B0604020202020204" pitchFamily="34" charset="0"/>
+              <a:buChar char="•"/>
+              <a:defRPr sz="1800" kern="1200">
+                <a:solidFill>
+                  <a:schemeClr val="tx1"/>
+                </a:solidFill>
+                <a:latin typeface="+mn-lt"/>
+                <a:ea typeface="+mn-ea"/>
+                <a:cs typeface="+mn-cs"/>
+              </a:defRPr>
+            </a:lvl7pPr>
+            <a:lvl8pPr marL="3429000" indent="-228600" algn="l" defTabSz="914400" rtl="0" eaLnBrk="1" latinLnBrk="0" hangingPunct="1">
+              <a:lnSpc>
+                <a:spcPct val="90000"/>
+              </a:lnSpc>
+              <a:spcBef>
+                <a:spcPts val="500"/>
+              </a:spcBef>
+              <a:buFont typeface="Arial" panose="020B0604020202020204" pitchFamily="34" charset="0"/>
+              <a:buChar char="•"/>
+              <a:defRPr sz="1800" kern="1200">
+                <a:solidFill>
+                  <a:schemeClr val="tx1"/>
+                </a:solidFill>
+                <a:latin typeface="+mn-lt"/>
+                <a:ea typeface="+mn-ea"/>
+                <a:cs typeface="+mn-cs"/>
+              </a:defRPr>
+            </a:lvl8pPr>
+            <a:lvl9pPr marL="3886200" indent="-228600" algn="l" defTabSz="914400" rtl="0" eaLnBrk="1" latinLnBrk="0" hangingPunct="1">
+              <a:lnSpc>
+                <a:spcPct val="90000"/>
+              </a:lnSpc>
+              <a:spcBef>
+                <a:spcPts val="500"/>
+              </a:spcBef>
+              <a:buFont typeface="Arial" panose="020B0604020202020204" pitchFamily="34" charset="0"/>
+              <a:buChar char="•"/>
+              <a:defRPr sz="1800" kern="1200">
+                <a:solidFill>
+                  <a:schemeClr val="tx1"/>
+                </a:solidFill>
+                <a:latin typeface="+mn-lt"/>
+                <a:ea typeface="+mn-ea"/>
+                <a:cs typeface="+mn-cs"/>
+              </a:defRPr>
+            </a:lvl9pPr>
+          </a:lstStyle>
+          <a:p>
+            <a:pPr marL="228600" lvl="0" indent="-228600" defTabSz="342900">
+              <a:lnSpc>
+                <a:spcPct val="120000"/>
+              </a:lnSpc>
+              <a:buFont typeface="Arial" panose="020B0604020202020204" pitchFamily="34" charset="0"/>
+              <a:buChar char="•"/>
+            </a:pPr>
+            <a:endParaRPr lang="en-US" altLang="zh-CN" sz="1540" dirty="0">
+              <a:solidFill>
+                <a:srgbClr val="262626"/>
+              </a:solidFill>
+            </a:endParaRPr>
+          </a:p>
+          <a:p>
+            <a:pPr marL="228600" lvl="0" indent="-228600" defTabSz="342900">
+              <a:lnSpc>
+                <a:spcPct val="120000"/>
+              </a:lnSpc>
+              <a:buFont typeface="Arial" panose="020B0604020202020204" pitchFamily="34" charset="0"/>
+              <a:buChar char="•"/>
+            </a:pPr>
+            <a:r>
+              <a:rPr lang="en-US" altLang="zh-CN" sz="1800" dirty="0">
+                <a:solidFill>
+                  <a:srgbClr val="262626"/>
+                </a:solidFill>
+              </a:rPr>
+              <a:t>Order: Each channel configuration includes the orderer nodes in the channel consenter set</a:t>
+            </a:r>
+            <a:endParaRPr lang="en-US" altLang="zh-CN" sz="1800" dirty="0">
+              <a:solidFill>
+                <a:srgbClr val="262626"/>
+              </a:solidFill>
+            </a:endParaRPr>
+          </a:p>
+          <a:p>
+            <a:pPr marL="228600" lvl="0" indent="-228600" defTabSz="342900">
+              <a:lnSpc>
+                <a:spcPct val="120000"/>
+              </a:lnSpc>
+              <a:buFont typeface="Arial" panose="020B0604020202020204" pitchFamily="34" charset="0"/>
+              <a:buChar char="•"/>
+            </a:pPr>
+            <a:r>
+              <a:rPr lang="en-US" altLang="zh-CN" sz="1800" dirty="0">
+                <a:solidFill>
+                  <a:srgbClr val="262626"/>
+                </a:solidFill>
+              </a:rPr>
+              <a:t>Channel: The channel section defines that policies that govern the highest level of the channel configuration</a:t>
+            </a:r>
+            <a:endParaRPr lang="en-US" altLang="zh-CN" sz="1800" dirty="0">
+              <a:solidFill>
+                <a:srgbClr val="262626"/>
+              </a:solidFill>
+            </a:endParaRPr>
+          </a:p>
+          <a:p>
+            <a:pPr marL="228600" lvl="0" indent="-228600" defTabSz="342900">
+              <a:lnSpc>
+                <a:spcPct val="120000"/>
+              </a:lnSpc>
+              <a:buFont typeface="Arial" panose="020B0604020202020204" pitchFamily="34" charset="0"/>
+              <a:buChar char="•"/>
+            </a:pPr>
+            <a:r>
+              <a:rPr lang="en-US" altLang="zh-CN" sz="1800" dirty="0">
+                <a:solidFill>
+                  <a:srgbClr val="262626"/>
+                </a:solidFill>
+              </a:rPr>
+              <a:t>Profile: The configtxgen tool reads the channel profiles in the Profiles section to build a channel configuration</a:t>
+            </a:r>
+            <a:endParaRPr lang="en-US" altLang="zh-CN" sz="1800" dirty="0">
+              <a:solidFill>
+                <a:srgbClr val="262626"/>
+              </a:solidFill>
+            </a:endParaRPr>
+          </a:p>
+          <a:p>
+            <a:pPr marL="228600" lvl="0" indent="-228600" defTabSz="342900">
+              <a:lnSpc>
+                <a:spcPct val="120000"/>
+              </a:lnSpc>
+              <a:buFont typeface="Arial" panose="020B0604020202020204" pitchFamily="34" charset="0"/>
+              <a:buChar char="•"/>
+            </a:pPr>
+            <a:r>
+              <a:rPr lang="en-US" altLang="zh-CN" sz="1800" dirty="0">
+                <a:solidFill>
+                  <a:srgbClr val="262626"/>
+                </a:solidFill>
+              </a:rPr>
+              <a:t>https://github.com/ksachdeva/hyperledger-fabric-example/blob/master/configtx.yaml</a:t>
+            </a:r>
+            <a:endParaRPr lang="en-US" altLang="zh-CN" sz="1800" dirty="0">
+              <a:solidFill>
+                <a:srgbClr val="262626"/>
+              </a:solidFill>
+            </a:endParaRPr>
+          </a:p>
+        </p:txBody>
+      </p:sp>
+    </p:spTree>
+  </p:cSld>
+  <p:clrMapOvr>
+    <a:masterClrMapping/>
+  </p:clrMapOvr>
+</p:sld>
+</file>
+
+<file path=ppt/slides/slide29.xml><?xml version="1.0" encoding="utf-8"?>
+<p:sld xmlns:a="http://schemas.openxmlformats.org/drawingml/2006/main" xmlns:r="http://schemas.openxmlformats.org/officeDocument/2006/relationships" xmlns:p="http://schemas.openxmlformats.org/presentationml/2006/main">
+  <p:cSld>
+    <p:spTree>
+      <p:nvGrpSpPr>
+        <p:cNvPr id="1" name=""/>
+        <p:cNvGrpSpPr/>
+        <p:nvPr/>
+      </p:nvGrpSpPr>
+      <p:grpSpPr>
+        <a:xfrm>
+          <a:off x="0" y="0"/>
+          <a:ext cx="0" cy="0"/>
+          <a:chOff x="0" y="0"/>
+          <a:chExt cx="0" cy="0"/>
+        </a:xfrm>
+      </p:grpSpPr>
+      <p:sp>
+        <p:nvSpPr>
+          <p:cNvPr id="2" name="Title 1"/>
+          <p:cNvSpPr>
+            <a:spLocks noGrp="1"/>
+          </p:cNvSpPr>
+          <p:nvPr>
+            <p:ph type="title"/>
+          </p:nvPr>
+        </p:nvSpPr>
+        <p:spPr>
+          <a:xfrm>
+            <a:off x="628650" y="155263"/>
+            <a:ext cx="7886700" cy="526790"/>
+          </a:xfrm>
+        </p:spPr>
+        <p:txBody>
+          <a:bodyPr>
+            <a:normAutofit fontScale="90000"/>
+          </a:bodyPr>
+          <a:lstStyle/>
+          <a:p>
+            <a:pPr algn="ctr"/>
+            <a:r>
+              <a:rPr lang="en-US" sz="3200" b="1" dirty="0">
+                <a:latin typeface="Calibri" panose="020F0502020204030204" pitchFamily="34" charset="0"/>
+                <a:cs typeface="Calibri" panose="020F0502020204030204" pitchFamily="34" charset="0"/>
+                <a:sym typeface="+mn-ea"/>
+              </a:rPr>
+              <a:t>Network Composing Process</a:t>
+            </a:r>
+            <a:endParaRPr lang="en-US" sz="3200" b="1" dirty="0">
+              <a:latin typeface="Calibri" panose="020F0502020204030204" pitchFamily="34" charset="0"/>
+              <a:cs typeface="Calibri" panose="020F0502020204030204" pitchFamily="34" charset="0"/>
+            </a:endParaRPr>
+          </a:p>
+        </p:txBody>
+      </p:sp>
+      <p:sp>
+        <p:nvSpPr>
+          <p:cNvPr id="4" name="Content Placeholder 2"/>
+          <p:cNvSpPr>
+            <a:spLocks noGrp="1"/>
+          </p:cNvSpPr>
+          <p:nvPr/>
+        </p:nvSpPr>
+        <p:spPr>
+          <a:xfrm>
+            <a:off x="628650" y="989044"/>
+            <a:ext cx="7886700" cy="5605719"/>
+          </a:xfrm>
+          <a:prstGeom prst="rect">
+            <a:avLst/>
+          </a:prstGeom>
+        </p:spPr>
+        <p:txBody>
+          <a:bodyPr vert="horz" lIns="91440" tIns="45720" rIns="91440" bIns="45720" rtlCol="0">
+            <a:normAutofit/>
+          </a:bodyPr>
+          <a:lstStyle>
+            <a:lvl1pPr marL="228600" indent="-228600" algn="l" defTabSz="914400" rtl="0" eaLnBrk="1" latinLnBrk="0" hangingPunct="1">
+              <a:lnSpc>
+                <a:spcPct val="90000"/>
+              </a:lnSpc>
+              <a:spcBef>
+                <a:spcPts val="1000"/>
+              </a:spcBef>
+              <a:buFont typeface="Arial" panose="020B0604020202020204" pitchFamily="34" charset="0"/>
+              <a:buChar char="•"/>
+              <a:defRPr sz="2800" kern="1200">
+                <a:solidFill>
+                  <a:schemeClr val="tx1"/>
+                </a:solidFill>
+                <a:latin typeface="+mn-lt"/>
+                <a:ea typeface="+mn-ea"/>
+                <a:cs typeface="+mn-cs"/>
+              </a:defRPr>
+            </a:lvl1pPr>
+            <a:lvl2pPr marL="685800" indent="-228600" algn="l" defTabSz="914400" rtl="0" eaLnBrk="1" latinLnBrk="0" hangingPunct="1">
+              <a:lnSpc>
+                <a:spcPct val="90000"/>
+              </a:lnSpc>
+              <a:spcBef>
+                <a:spcPts val="500"/>
+              </a:spcBef>
+              <a:buFont typeface="Arial" panose="020B0604020202020204" pitchFamily="34" charset="0"/>
+              <a:buChar char="•"/>
+              <a:defRPr sz="2400" kern="1200">
+                <a:solidFill>
+                  <a:schemeClr val="tx1"/>
+                </a:solidFill>
+                <a:latin typeface="+mn-lt"/>
+                <a:ea typeface="+mn-ea"/>
+                <a:cs typeface="+mn-cs"/>
+              </a:defRPr>
+            </a:lvl2pPr>
+            <a:lvl3pPr marL="1143000" indent="-228600" algn="l" defTabSz="914400" rtl="0" eaLnBrk="1" latinLnBrk="0" hangingPunct="1">
+              <a:lnSpc>
+                <a:spcPct val="90000"/>
+              </a:lnSpc>
+              <a:spcBef>
+                <a:spcPts val="500"/>
+              </a:spcBef>
+              <a:buFont typeface="Arial" panose="020B0604020202020204" pitchFamily="34" charset="0"/>
+              <a:buChar char="•"/>
+              <a:defRPr sz="2000" kern="1200">
+                <a:solidFill>
+                  <a:schemeClr val="tx1"/>
+                </a:solidFill>
+                <a:latin typeface="+mn-lt"/>
+                <a:ea typeface="+mn-ea"/>
+                <a:cs typeface="+mn-cs"/>
+              </a:defRPr>
+            </a:lvl3pPr>
+            <a:lvl4pPr marL="1600200" indent="-228600" algn="l" defTabSz="914400" rtl="0" eaLnBrk="1" latinLnBrk="0" hangingPunct="1">
+              <a:lnSpc>
+                <a:spcPct val="90000"/>
+              </a:lnSpc>
+              <a:spcBef>
+                <a:spcPts val="500"/>
+              </a:spcBef>
+              <a:buFont typeface="Arial" panose="020B0604020202020204" pitchFamily="34" charset="0"/>
+              <a:buChar char="•"/>
+              <a:defRPr sz="1800" kern="1200">
+                <a:solidFill>
+                  <a:schemeClr val="tx1"/>
+                </a:solidFill>
+                <a:latin typeface="+mn-lt"/>
+                <a:ea typeface="+mn-ea"/>
+                <a:cs typeface="+mn-cs"/>
+              </a:defRPr>
+            </a:lvl4pPr>
+            <a:lvl5pPr marL="2057400" indent="-228600" algn="l" defTabSz="914400" rtl="0" eaLnBrk="1" latinLnBrk="0" hangingPunct="1">
+              <a:lnSpc>
+                <a:spcPct val="90000"/>
+              </a:lnSpc>
+              <a:spcBef>
+                <a:spcPts val="500"/>
+              </a:spcBef>
+              <a:buFont typeface="Arial" panose="020B0604020202020204" pitchFamily="34" charset="0"/>
+              <a:buChar char="•"/>
+              <a:defRPr sz="1800" kern="1200">
+                <a:solidFill>
+                  <a:schemeClr val="tx1"/>
+                </a:solidFill>
+                <a:latin typeface="+mn-lt"/>
+                <a:ea typeface="+mn-ea"/>
+                <a:cs typeface="+mn-cs"/>
+              </a:defRPr>
+            </a:lvl5pPr>
+            <a:lvl6pPr marL="2514600" indent="-228600" algn="l" defTabSz="914400" rtl="0" eaLnBrk="1" latinLnBrk="0" hangingPunct="1">
+              <a:lnSpc>
+                <a:spcPct val="90000"/>
+              </a:lnSpc>
+              <a:spcBef>
+                <a:spcPts val="500"/>
+              </a:spcBef>
+              <a:buFont typeface="Arial" panose="020B0604020202020204" pitchFamily="34" charset="0"/>
+              <a:buChar char="•"/>
+              <a:defRPr sz="1800" kern="1200">
+                <a:solidFill>
+                  <a:schemeClr val="tx1"/>
+                </a:solidFill>
+                <a:latin typeface="+mn-lt"/>
+                <a:ea typeface="+mn-ea"/>
+                <a:cs typeface="+mn-cs"/>
+              </a:defRPr>
+            </a:lvl6pPr>
+            <a:lvl7pPr marL="2971800" indent="-228600" algn="l" defTabSz="914400" rtl="0" eaLnBrk="1" latinLnBrk="0" hangingPunct="1">
+              <a:lnSpc>
+                <a:spcPct val="90000"/>
+              </a:lnSpc>
+              <a:spcBef>
+                <a:spcPts val="500"/>
+              </a:spcBef>
+              <a:buFont typeface="Arial" panose="020B0604020202020204" pitchFamily="34" charset="0"/>
+              <a:buChar char="•"/>
+              <a:defRPr sz="1800" kern="1200">
+                <a:solidFill>
+                  <a:schemeClr val="tx1"/>
+                </a:solidFill>
+                <a:latin typeface="+mn-lt"/>
+                <a:ea typeface="+mn-ea"/>
+                <a:cs typeface="+mn-cs"/>
+              </a:defRPr>
+            </a:lvl7pPr>
+            <a:lvl8pPr marL="3429000" indent="-228600" algn="l" defTabSz="914400" rtl="0" eaLnBrk="1" latinLnBrk="0" hangingPunct="1">
+              <a:lnSpc>
+                <a:spcPct val="90000"/>
+              </a:lnSpc>
+              <a:spcBef>
+                <a:spcPts val="500"/>
+              </a:spcBef>
+              <a:buFont typeface="Arial" panose="020B0604020202020204" pitchFamily="34" charset="0"/>
+              <a:buChar char="•"/>
+              <a:defRPr sz="1800" kern="1200">
+                <a:solidFill>
+                  <a:schemeClr val="tx1"/>
+                </a:solidFill>
+                <a:latin typeface="+mn-lt"/>
+                <a:ea typeface="+mn-ea"/>
+                <a:cs typeface="+mn-cs"/>
+              </a:defRPr>
+            </a:lvl8pPr>
+            <a:lvl9pPr marL="3886200" indent="-228600" algn="l" defTabSz="914400" rtl="0" eaLnBrk="1" latinLnBrk="0" hangingPunct="1">
+              <a:lnSpc>
+                <a:spcPct val="90000"/>
+              </a:lnSpc>
+              <a:spcBef>
+                <a:spcPts val="500"/>
+              </a:spcBef>
+              <a:buFont typeface="Arial" panose="020B0604020202020204" pitchFamily="34" charset="0"/>
+              <a:buChar char="•"/>
+              <a:defRPr sz="1800" kern="1200">
+                <a:solidFill>
+                  <a:schemeClr val="tx1"/>
+                </a:solidFill>
+                <a:latin typeface="+mn-lt"/>
+                <a:ea typeface="+mn-ea"/>
+                <a:cs typeface="+mn-cs"/>
+              </a:defRPr>
+            </a:lvl9pPr>
+          </a:lstStyle>
+          <a:p>
+            <a:pPr marL="228600" lvl="0" indent="-228600" defTabSz="342900">
+              <a:lnSpc>
+                <a:spcPct val="120000"/>
+              </a:lnSpc>
+              <a:buFont typeface="Arial" panose="020B0604020202020204" pitchFamily="34" charset="0"/>
+              <a:buChar char="•"/>
+            </a:pPr>
+            <a:r>
+              <a:rPr lang="en-US" altLang="zh-CN" sz="1800" dirty="0">
+                <a:solidFill>
+                  <a:srgbClr val="262626"/>
+                </a:solidFill>
+              </a:rPr>
+              <a:t>Create Channel</a:t>
+            </a:r>
+            <a:endParaRPr lang="en-US" altLang="zh-CN" sz="1800" dirty="0">
+              <a:solidFill>
+                <a:srgbClr val="262626"/>
+              </a:solidFill>
+            </a:endParaRPr>
+          </a:p>
+          <a:p>
+            <a:pPr marL="228600" lvl="0" indent="-228600" defTabSz="342900">
+              <a:lnSpc>
+                <a:spcPct val="120000"/>
+              </a:lnSpc>
+              <a:buFont typeface="Arial" panose="020B0604020202020204" pitchFamily="34" charset="0"/>
+              <a:buChar char="•"/>
+            </a:pPr>
+            <a:r>
+              <a:rPr lang="en-US" altLang="zh-CN" sz="1800" dirty="0">
+                <a:solidFill>
+                  <a:srgbClr val="262626"/>
+                </a:solidFill>
+              </a:rPr>
+              <a:t>./network.sh createChannel -c channel1</a:t>
+            </a:r>
+            <a:endParaRPr lang="en-US" altLang="zh-CN" sz="1800" dirty="0">
+              <a:solidFill>
+                <a:srgbClr val="262626"/>
+              </a:solidFill>
+            </a:endParaRPr>
+          </a:p>
+          <a:p>
+            <a:pPr marL="228600" lvl="0" indent="-228600" defTabSz="342900">
+              <a:lnSpc>
+                <a:spcPct val="120000"/>
+              </a:lnSpc>
+              <a:buFont typeface="Arial" panose="020B0604020202020204" pitchFamily="34" charset="0"/>
+              <a:buChar char="•"/>
+            </a:pPr>
+            <a:endParaRPr lang="en-US" altLang="zh-CN" sz="1800" dirty="0">
+              <a:solidFill>
+                <a:srgbClr val="262626"/>
+              </a:solidFill>
+            </a:endParaRPr>
+          </a:p>
+          <a:p>
+            <a:pPr marL="228600" lvl="0" indent="-228600" defTabSz="342900">
+              <a:lnSpc>
+                <a:spcPct val="120000"/>
+              </a:lnSpc>
+              <a:buFont typeface="Arial" panose="020B0604020202020204" pitchFamily="34" charset="0"/>
+              <a:buChar char="•"/>
+            </a:pPr>
+            <a:r>
+              <a:rPr lang="en-US" altLang="zh-CN" sz="1800" dirty="0">
+                <a:solidFill>
+                  <a:srgbClr val="262626"/>
+                </a:solidFill>
+              </a:rPr>
+              <a:t>Creating an application channel</a:t>
+            </a:r>
+            <a:endParaRPr lang="en-US" altLang="zh-CN" sz="1800" dirty="0">
+              <a:solidFill>
+                <a:srgbClr val="262626"/>
+              </a:solidFill>
+            </a:endParaRPr>
+          </a:p>
+          <a:p>
+            <a:pPr marL="685800" lvl="1" indent="-228600" defTabSz="342900">
+              <a:lnSpc>
+                <a:spcPct val="120000"/>
+              </a:lnSpc>
+              <a:buFont typeface="Arial" panose="020B0604020202020204" pitchFamily="34" charset="0"/>
+              <a:buChar char="•"/>
+            </a:pPr>
+            <a:r>
+              <a:rPr lang="en-US" altLang="zh-CN" sz="1540" dirty="0">
+                <a:solidFill>
+                  <a:srgbClr val="262626"/>
+                </a:solidFill>
+              </a:rPr>
+              <a:t> create a channel creation transaction</a:t>
+            </a:r>
+            <a:endParaRPr lang="en-US" altLang="zh-CN" sz="1540" dirty="0">
+              <a:solidFill>
+                <a:srgbClr val="262626"/>
+              </a:solidFill>
+            </a:endParaRPr>
+          </a:p>
+          <a:p>
+            <a:pPr marL="685800" lvl="1" indent="-228600" defTabSz="342900">
+              <a:lnSpc>
+                <a:spcPct val="120000"/>
+              </a:lnSpc>
+              <a:buFont typeface="Arial" panose="020B0604020202020204" pitchFamily="34" charset="0"/>
+              <a:buChar char="•"/>
+            </a:pPr>
+            <a:r>
+              <a:rPr lang="en-US" altLang="zh-CN" sz="1540" dirty="0">
+                <a:solidFill>
+                  <a:srgbClr val="262626"/>
+                </a:solidFill>
+              </a:rPr>
+              <a:t>configtxgen -profile TwoOrgsChannel -outputCreateChannelTx ./channel-artifacts/channel1.tx -channelID channel1</a:t>
+            </a:r>
+            <a:endParaRPr lang="en-US" altLang="zh-CN" sz="1540" dirty="0">
+              <a:solidFill>
+                <a:srgbClr val="262626"/>
+              </a:solidFill>
+            </a:endParaRPr>
+          </a:p>
+          <a:p>
+            <a:pPr marL="685800" lvl="1" indent="-228600" defTabSz="342900">
+              <a:lnSpc>
+                <a:spcPct val="120000"/>
+              </a:lnSpc>
+              <a:buFont typeface="Arial" panose="020B0604020202020204" pitchFamily="34" charset="0"/>
+              <a:buChar char="•"/>
+            </a:pPr>
+            <a:endParaRPr lang="en-US" altLang="zh-CN" sz="1540" dirty="0">
+              <a:solidFill>
+                <a:srgbClr val="262626"/>
+              </a:solidFill>
+            </a:endParaRPr>
+          </a:p>
+          <a:p>
+            <a:pPr marL="685800" lvl="1" indent="-228600" defTabSz="342900">
+              <a:lnSpc>
+                <a:spcPct val="120000"/>
+              </a:lnSpc>
+              <a:buFont typeface="Arial" panose="020B0604020202020204" pitchFamily="34" charset="0"/>
+              <a:buChar char="•"/>
+            </a:pPr>
+            <a:r>
+              <a:rPr lang="en-US" altLang="zh-CN" sz="1540" dirty="0">
+                <a:solidFill>
+                  <a:srgbClr val="262626"/>
+                </a:solidFill>
+              </a:rPr>
+              <a:t>create the channel</a:t>
+            </a:r>
+            <a:endParaRPr lang="en-US" altLang="zh-CN" sz="1540" dirty="0">
+              <a:solidFill>
+                <a:srgbClr val="262626"/>
+              </a:solidFill>
+            </a:endParaRPr>
+          </a:p>
+          <a:p>
+            <a:pPr marL="685800" lvl="1" indent="-228600" defTabSz="342900">
+              <a:lnSpc>
+                <a:spcPct val="120000"/>
+              </a:lnSpc>
+              <a:buFont typeface="Arial" panose="020B0604020202020204" pitchFamily="34" charset="0"/>
+              <a:buChar char="•"/>
+            </a:pPr>
+            <a:r>
+              <a:rPr lang="en-US" altLang="zh-CN" sz="1540" dirty="0">
+                <a:solidFill>
+                  <a:srgbClr val="262626"/>
+                </a:solidFill>
+              </a:rPr>
+              <a:t>peer channel create -o localhost:7050  --ordererTLSHostnameOverride orderer.example.com -c channel1 -f ./channel-artifacts/channel1.tx --outputBlock ./channel-artifacts/channel1.block --tls --cafile ${PWD}/organizations/ordererOrganizations/example.com/orderers/orderer.example.com/msp/tlscacerts/tlsca.example.com-cert.pem</a:t>
+            </a:r>
+            <a:endParaRPr lang="en-US" altLang="zh-CN" sz="1540" dirty="0">
+              <a:solidFill>
+                <a:srgbClr val="262626"/>
+              </a:solidFill>
+            </a:endParaRPr>
+          </a:p>
+          <a:p>
+            <a:pPr marL="685800" lvl="1" indent="-228600" defTabSz="342900">
+              <a:lnSpc>
+                <a:spcPct val="120000"/>
+              </a:lnSpc>
+              <a:buFont typeface="Arial" panose="020B0604020202020204" pitchFamily="34" charset="0"/>
+              <a:buChar char="•"/>
+            </a:pPr>
+            <a:endParaRPr lang="en-US" altLang="zh-CN" sz="1540" dirty="0">
+              <a:solidFill>
+                <a:srgbClr val="262626"/>
+              </a:solidFill>
+            </a:endParaRPr>
+          </a:p>
+          <a:p>
+            <a:pPr marL="685800" lvl="1" indent="-228600" defTabSz="342900">
+              <a:lnSpc>
+                <a:spcPct val="120000"/>
+              </a:lnSpc>
+              <a:buFont typeface="Arial" panose="020B0604020202020204" pitchFamily="34" charset="0"/>
+              <a:buChar char="•"/>
+            </a:pPr>
+            <a:endParaRPr lang="en-US" altLang="zh-CN" sz="1540" dirty="0">
+              <a:solidFill>
+                <a:srgbClr val="262626"/>
+              </a:solidFill>
+            </a:endParaRPr>
+          </a:p>
+        </p:txBody>
+      </p:sp>
+    </p:spTree>
+  </p:cSld>
+  <p:clrMapOvr>
+    <a:masterClrMapping/>
+  </p:clrMapOvr>
 </p:sld>
 </file>
 
@@ -8777,6 +14481,476 @@
           </a:prstGeom>
         </p:spPr>
       </p:pic>
+    </p:spTree>
+  </p:cSld>
+  <p:clrMapOvr>
+    <a:masterClrMapping/>
+  </p:clrMapOvr>
+</p:sld>
+</file>
+
+<file path=ppt/slides/slide30.xml><?xml version="1.0" encoding="utf-8"?>
+<p:sld xmlns:a="http://schemas.openxmlformats.org/drawingml/2006/main" xmlns:r="http://schemas.openxmlformats.org/officeDocument/2006/relationships" xmlns:p="http://schemas.openxmlformats.org/presentationml/2006/main">
+  <p:cSld>
+    <p:spTree>
+      <p:nvGrpSpPr>
+        <p:cNvPr id="1" name=""/>
+        <p:cNvGrpSpPr/>
+        <p:nvPr/>
+      </p:nvGrpSpPr>
+      <p:grpSpPr>
+        <a:xfrm>
+          <a:off x="0" y="0"/>
+          <a:ext cx="0" cy="0"/>
+          <a:chOff x="0" y="0"/>
+          <a:chExt cx="0" cy="0"/>
+        </a:xfrm>
+      </p:grpSpPr>
+      <p:sp>
+        <p:nvSpPr>
+          <p:cNvPr id="2" name="Title 1"/>
+          <p:cNvSpPr>
+            <a:spLocks noGrp="1"/>
+          </p:cNvSpPr>
+          <p:nvPr>
+            <p:ph type="title"/>
+          </p:nvPr>
+        </p:nvSpPr>
+        <p:spPr>
+          <a:xfrm>
+            <a:off x="628650" y="155263"/>
+            <a:ext cx="7886700" cy="526790"/>
+          </a:xfrm>
+        </p:spPr>
+        <p:txBody>
+          <a:bodyPr>
+            <a:normAutofit fontScale="90000"/>
+          </a:bodyPr>
+          <a:lstStyle/>
+          <a:p>
+            <a:pPr algn="ctr"/>
+            <a:r>
+              <a:rPr lang="en-US" sz="3200" b="1" dirty="0">
+                <a:latin typeface="Calibri" panose="020F0502020204030204" pitchFamily="34" charset="0"/>
+                <a:cs typeface="Calibri" panose="020F0502020204030204" pitchFamily="34" charset="0"/>
+                <a:sym typeface="+mn-ea"/>
+              </a:rPr>
+              <a:t>Network Composing Process</a:t>
+            </a:r>
+            <a:endParaRPr lang="en-US" sz="3200" b="1" dirty="0">
+              <a:latin typeface="Calibri" panose="020F0502020204030204" pitchFamily="34" charset="0"/>
+              <a:cs typeface="Calibri" panose="020F0502020204030204" pitchFamily="34" charset="0"/>
+            </a:endParaRPr>
+          </a:p>
+        </p:txBody>
+      </p:sp>
+      <p:sp>
+        <p:nvSpPr>
+          <p:cNvPr id="4" name="Content Placeholder 2"/>
+          <p:cNvSpPr>
+            <a:spLocks noGrp="1"/>
+          </p:cNvSpPr>
+          <p:nvPr/>
+        </p:nvSpPr>
+        <p:spPr>
+          <a:xfrm>
+            <a:off x="628650" y="989044"/>
+            <a:ext cx="7886700" cy="5605719"/>
+          </a:xfrm>
+          <a:prstGeom prst="rect">
+            <a:avLst/>
+          </a:prstGeom>
+        </p:spPr>
+        <p:txBody>
+          <a:bodyPr vert="horz" lIns="91440" tIns="45720" rIns="91440" bIns="45720" rtlCol="0">
+            <a:normAutofit/>
+          </a:bodyPr>
+          <a:lstStyle>
+            <a:lvl1pPr marL="228600" indent="-228600" algn="l" defTabSz="914400" rtl="0" eaLnBrk="1" latinLnBrk="0" hangingPunct="1">
+              <a:lnSpc>
+                <a:spcPct val="90000"/>
+              </a:lnSpc>
+              <a:spcBef>
+                <a:spcPts val="1000"/>
+              </a:spcBef>
+              <a:buFont typeface="Arial" panose="020B0604020202020204" pitchFamily="34" charset="0"/>
+              <a:buChar char="•"/>
+              <a:defRPr sz="2800" kern="1200">
+                <a:solidFill>
+                  <a:schemeClr val="tx1"/>
+                </a:solidFill>
+                <a:latin typeface="+mn-lt"/>
+                <a:ea typeface="+mn-ea"/>
+                <a:cs typeface="+mn-cs"/>
+              </a:defRPr>
+            </a:lvl1pPr>
+            <a:lvl2pPr marL="685800" indent="-228600" algn="l" defTabSz="914400" rtl="0" eaLnBrk="1" latinLnBrk="0" hangingPunct="1">
+              <a:lnSpc>
+                <a:spcPct val="90000"/>
+              </a:lnSpc>
+              <a:spcBef>
+                <a:spcPts val="500"/>
+              </a:spcBef>
+              <a:buFont typeface="Arial" panose="020B0604020202020204" pitchFamily="34" charset="0"/>
+              <a:buChar char="•"/>
+              <a:defRPr sz="2400" kern="1200">
+                <a:solidFill>
+                  <a:schemeClr val="tx1"/>
+                </a:solidFill>
+                <a:latin typeface="+mn-lt"/>
+                <a:ea typeface="+mn-ea"/>
+                <a:cs typeface="+mn-cs"/>
+              </a:defRPr>
+            </a:lvl2pPr>
+            <a:lvl3pPr marL="1143000" indent="-228600" algn="l" defTabSz="914400" rtl="0" eaLnBrk="1" latinLnBrk="0" hangingPunct="1">
+              <a:lnSpc>
+                <a:spcPct val="90000"/>
+              </a:lnSpc>
+              <a:spcBef>
+                <a:spcPts val="500"/>
+              </a:spcBef>
+              <a:buFont typeface="Arial" panose="020B0604020202020204" pitchFamily="34" charset="0"/>
+              <a:buChar char="•"/>
+              <a:defRPr sz="2000" kern="1200">
+                <a:solidFill>
+                  <a:schemeClr val="tx1"/>
+                </a:solidFill>
+                <a:latin typeface="+mn-lt"/>
+                <a:ea typeface="+mn-ea"/>
+                <a:cs typeface="+mn-cs"/>
+              </a:defRPr>
+            </a:lvl3pPr>
+            <a:lvl4pPr marL="1600200" indent="-228600" algn="l" defTabSz="914400" rtl="0" eaLnBrk="1" latinLnBrk="0" hangingPunct="1">
+              <a:lnSpc>
+                <a:spcPct val="90000"/>
+              </a:lnSpc>
+              <a:spcBef>
+                <a:spcPts val="500"/>
+              </a:spcBef>
+              <a:buFont typeface="Arial" panose="020B0604020202020204" pitchFamily="34" charset="0"/>
+              <a:buChar char="•"/>
+              <a:defRPr sz="1800" kern="1200">
+                <a:solidFill>
+                  <a:schemeClr val="tx1"/>
+                </a:solidFill>
+                <a:latin typeface="+mn-lt"/>
+                <a:ea typeface="+mn-ea"/>
+                <a:cs typeface="+mn-cs"/>
+              </a:defRPr>
+            </a:lvl4pPr>
+            <a:lvl5pPr marL="2057400" indent="-228600" algn="l" defTabSz="914400" rtl="0" eaLnBrk="1" latinLnBrk="0" hangingPunct="1">
+              <a:lnSpc>
+                <a:spcPct val="90000"/>
+              </a:lnSpc>
+              <a:spcBef>
+                <a:spcPts val="500"/>
+              </a:spcBef>
+              <a:buFont typeface="Arial" panose="020B0604020202020204" pitchFamily="34" charset="0"/>
+              <a:buChar char="•"/>
+              <a:defRPr sz="1800" kern="1200">
+                <a:solidFill>
+                  <a:schemeClr val="tx1"/>
+                </a:solidFill>
+                <a:latin typeface="+mn-lt"/>
+                <a:ea typeface="+mn-ea"/>
+                <a:cs typeface="+mn-cs"/>
+              </a:defRPr>
+            </a:lvl5pPr>
+            <a:lvl6pPr marL="2514600" indent="-228600" algn="l" defTabSz="914400" rtl="0" eaLnBrk="1" latinLnBrk="0" hangingPunct="1">
+              <a:lnSpc>
+                <a:spcPct val="90000"/>
+              </a:lnSpc>
+              <a:spcBef>
+                <a:spcPts val="500"/>
+              </a:spcBef>
+              <a:buFont typeface="Arial" panose="020B0604020202020204" pitchFamily="34" charset="0"/>
+              <a:buChar char="•"/>
+              <a:defRPr sz="1800" kern="1200">
+                <a:solidFill>
+                  <a:schemeClr val="tx1"/>
+                </a:solidFill>
+                <a:latin typeface="+mn-lt"/>
+                <a:ea typeface="+mn-ea"/>
+                <a:cs typeface="+mn-cs"/>
+              </a:defRPr>
+            </a:lvl6pPr>
+            <a:lvl7pPr marL="2971800" indent="-228600" algn="l" defTabSz="914400" rtl="0" eaLnBrk="1" latinLnBrk="0" hangingPunct="1">
+              <a:lnSpc>
+                <a:spcPct val="90000"/>
+              </a:lnSpc>
+              <a:spcBef>
+                <a:spcPts val="500"/>
+              </a:spcBef>
+              <a:buFont typeface="Arial" panose="020B0604020202020204" pitchFamily="34" charset="0"/>
+              <a:buChar char="•"/>
+              <a:defRPr sz="1800" kern="1200">
+                <a:solidFill>
+                  <a:schemeClr val="tx1"/>
+                </a:solidFill>
+                <a:latin typeface="+mn-lt"/>
+                <a:ea typeface="+mn-ea"/>
+                <a:cs typeface="+mn-cs"/>
+              </a:defRPr>
+            </a:lvl7pPr>
+            <a:lvl8pPr marL="3429000" indent="-228600" algn="l" defTabSz="914400" rtl="0" eaLnBrk="1" latinLnBrk="0" hangingPunct="1">
+              <a:lnSpc>
+                <a:spcPct val="90000"/>
+              </a:lnSpc>
+              <a:spcBef>
+                <a:spcPts val="500"/>
+              </a:spcBef>
+              <a:buFont typeface="Arial" panose="020B0604020202020204" pitchFamily="34" charset="0"/>
+              <a:buChar char="•"/>
+              <a:defRPr sz="1800" kern="1200">
+                <a:solidFill>
+                  <a:schemeClr val="tx1"/>
+                </a:solidFill>
+                <a:latin typeface="+mn-lt"/>
+                <a:ea typeface="+mn-ea"/>
+                <a:cs typeface="+mn-cs"/>
+              </a:defRPr>
+            </a:lvl8pPr>
+            <a:lvl9pPr marL="3886200" indent="-228600" algn="l" defTabSz="914400" rtl="0" eaLnBrk="1" latinLnBrk="0" hangingPunct="1">
+              <a:lnSpc>
+                <a:spcPct val="90000"/>
+              </a:lnSpc>
+              <a:spcBef>
+                <a:spcPts val="500"/>
+              </a:spcBef>
+              <a:buFont typeface="Arial" panose="020B0604020202020204" pitchFamily="34" charset="0"/>
+              <a:buChar char="•"/>
+              <a:defRPr sz="1800" kern="1200">
+                <a:solidFill>
+                  <a:schemeClr val="tx1"/>
+                </a:solidFill>
+                <a:latin typeface="+mn-lt"/>
+                <a:ea typeface="+mn-ea"/>
+                <a:cs typeface="+mn-cs"/>
+              </a:defRPr>
+            </a:lvl9pPr>
+          </a:lstStyle>
+          <a:p>
+            <a:pPr marL="685800" lvl="1" indent="-228600" defTabSz="342900">
+              <a:lnSpc>
+                <a:spcPct val="120000"/>
+              </a:lnSpc>
+              <a:buFont typeface="Arial" panose="020B0604020202020204" pitchFamily="34" charset="0"/>
+              <a:buChar char="•"/>
+            </a:pPr>
+            <a:r>
+              <a:rPr lang="en-US" altLang="zh-CN" sz="1540" dirty="0">
+                <a:solidFill>
+                  <a:srgbClr val="262626"/>
+                </a:solidFill>
+              </a:rPr>
+              <a:t>Join the Org1 peer to the channel</a:t>
+            </a:r>
+            <a:endParaRPr lang="en-US" altLang="zh-CN" sz="1540" dirty="0">
+              <a:solidFill>
+                <a:srgbClr val="262626"/>
+              </a:solidFill>
+            </a:endParaRPr>
+          </a:p>
+          <a:p>
+            <a:pPr marL="685800" lvl="1" indent="-228600" defTabSz="342900">
+              <a:lnSpc>
+                <a:spcPct val="120000"/>
+              </a:lnSpc>
+              <a:buFont typeface="Arial" panose="020B0604020202020204" pitchFamily="34" charset="0"/>
+              <a:buChar char="•"/>
+            </a:pPr>
+            <a:r>
+              <a:rPr lang="en-US" altLang="zh-CN" sz="1540" dirty="0">
+                <a:solidFill>
+                  <a:srgbClr val="262626"/>
+                </a:solidFill>
+              </a:rPr>
+              <a:t>peer channel join -b ./channel-artifacts/channel1.block</a:t>
+            </a:r>
+            <a:endParaRPr lang="en-US" altLang="zh-CN" sz="1540" dirty="0">
+              <a:solidFill>
+                <a:srgbClr val="262626"/>
+              </a:solidFill>
+            </a:endParaRPr>
+          </a:p>
+          <a:p>
+            <a:pPr marL="685800" lvl="1" indent="-228600" defTabSz="342900">
+              <a:lnSpc>
+                <a:spcPct val="120000"/>
+              </a:lnSpc>
+              <a:buFont typeface="Arial" panose="020B0604020202020204" pitchFamily="34" charset="0"/>
+              <a:buChar char="•"/>
+            </a:pPr>
+            <a:endParaRPr lang="en-US" altLang="zh-CN" sz="1540" dirty="0">
+              <a:solidFill>
+                <a:srgbClr val="262626"/>
+              </a:solidFill>
+            </a:endParaRPr>
+          </a:p>
+          <a:p>
+            <a:pPr marL="685800" lvl="1" indent="-228600" defTabSz="342900">
+              <a:lnSpc>
+                <a:spcPct val="120000"/>
+              </a:lnSpc>
+              <a:buFont typeface="Arial" panose="020B0604020202020204" pitchFamily="34" charset="0"/>
+              <a:buChar char="•"/>
+            </a:pPr>
+            <a:r>
+              <a:rPr lang="en-US" altLang="zh-CN" sz="1535" dirty="0">
+                <a:solidFill>
+                  <a:srgbClr val="262626"/>
+                </a:solidFill>
+                <a:sym typeface="+mn-ea"/>
+              </a:rPr>
+              <a:t>Join the Org1 peer to the channe</a:t>
+            </a:r>
+            <a:r>
+              <a:rPr lang="en-US" altLang="zh-CN" sz="1540" dirty="0">
+                <a:solidFill>
+                  <a:srgbClr val="262626"/>
+                </a:solidFill>
+              </a:rPr>
+              <a:t>l</a:t>
+            </a:r>
+            <a:endParaRPr lang="en-US" altLang="zh-CN" sz="1540" dirty="0">
+              <a:solidFill>
+                <a:srgbClr val="262626"/>
+              </a:solidFill>
+            </a:endParaRPr>
+          </a:p>
+          <a:p>
+            <a:pPr marL="685800" lvl="1" indent="-228600" defTabSz="342900">
+              <a:lnSpc>
+                <a:spcPct val="120000"/>
+              </a:lnSpc>
+              <a:buFont typeface="Arial" panose="020B0604020202020204" pitchFamily="34" charset="0"/>
+              <a:buChar char="•"/>
+            </a:pPr>
+            <a:r>
+              <a:rPr lang="en-US" altLang="zh-CN" sz="1540" dirty="0">
+                <a:solidFill>
+                  <a:srgbClr val="262626"/>
+                </a:solidFill>
+              </a:rPr>
+              <a:t>peer channel join -b ./channel-artifacts/channel_org2.block</a:t>
+            </a:r>
+            <a:endParaRPr lang="en-US" altLang="zh-CN" sz="1540" dirty="0">
+              <a:solidFill>
+                <a:srgbClr val="262626"/>
+              </a:solidFill>
+            </a:endParaRPr>
+          </a:p>
+          <a:p>
+            <a:pPr marL="685800" lvl="1" indent="-228600" defTabSz="342900">
+              <a:lnSpc>
+                <a:spcPct val="120000"/>
+              </a:lnSpc>
+              <a:buFont typeface="Arial" panose="020B0604020202020204" pitchFamily="34" charset="0"/>
+              <a:buChar char="•"/>
+            </a:pPr>
+            <a:endParaRPr lang="en-US" altLang="zh-CN" sz="1540" dirty="0">
+              <a:solidFill>
+                <a:srgbClr val="262626"/>
+              </a:solidFill>
+            </a:endParaRPr>
+          </a:p>
+          <a:p>
+            <a:pPr marL="685800" lvl="1" indent="-228600" defTabSz="342900">
+              <a:lnSpc>
+                <a:spcPct val="120000"/>
+              </a:lnSpc>
+              <a:buFont typeface="Arial" panose="020B0604020202020204" pitchFamily="34" charset="0"/>
+              <a:buChar char="•"/>
+            </a:pPr>
+            <a:r>
+              <a:rPr lang="en-US" altLang="zh-CN" sz="1540" dirty="0">
+                <a:solidFill>
+                  <a:srgbClr val="262626"/>
+                </a:solidFill>
+              </a:rPr>
+              <a:t>update anchor peer 1 </a:t>
+            </a:r>
+            <a:endParaRPr lang="en-US" altLang="zh-CN" sz="1540" dirty="0">
+              <a:solidFill>
+                <a:srgbClr val="262626"/>
+              </a:solidFill>
+            </a:endParaRPr>
+          </a:p>
+          <a:p>
+            <a:pPr marL="685800" lvl="1" indent="-228600" defTabSz="342900">
+              <a:lnSpc>
+                <a:spcPct val="120000"/>
+              </a:lnSpc>
+              <a:buFont typeface="Arial" panose="020B0604020202020204" pitchFamily="34" charset="0"/>
+              <a:buChar char="•"/>
+            </a:pPr>
+            <a:r>
+              <a:rPr lang="en-US" altLang="zh-CN" sz="1540" dirty="0">
+                <a:solidFill>
+                  <a:srgbClr val="262626"/>
+                </a:solidFill>
+              </a:rPr>
+              <a:t>peer channel update -f channel-artifacts/config_update_in_envelope.pb -c channel1 -o localhost:7050  --ordererTLSHostnameOverride orderer.example.com --tls --cafile ${PWD}/organizations/ordererOrganizations/example.com/orderers/orderer.example.com/msp/tlscacerts/tlsca.example.com-cert.pem</a:t>
+            </a:r>
+            <a:endParaRPr lang="en-US" altLang="zh-CN" sz="1540" dirty="0">
+              <a:solidFill>
+                <a:srgbClr val="262626"/>
+              </a:solidFill>
+            </a:endParaRPr>
+          </a:p>
+          <a:p>
+            <a:pPr marL="685800" lvl="1" indent="-228600" defTabSz="342900">
+              <a:lnSpc>
+                <a:spcPct val="120000"/>
+              </a:lnSpc>
+              <a:buFont typeface="Arial" panose="020B0604020202020204" pitchFamily="34" charset="0"/>
+              <a:buChar char="•"/>
+            </a:pPr>
+            <a:endParaRPr lang="en-US" altLang="zh-CN" sz="1540" dirty="0">
+              <a:solidFill>
+                <a:srgbClr val="262626"/>
+              </a:solidFill>
+            </a:endParaRPr>
+          </a:p>
+          <a:p>
+            <a:pPr marL="685800" lvl="1" indent="-228600" defTabSz="342900">
+              <a:lnSpc>
+                <a:spcPct val="120000"/>
+              </a:lnSpc>
+              <a:buFont typeface="Arial" panose="020B0604020202020204" pitchFamily="34" charset="0"/>
+              <a:buChar char="•"/>
+            </a:pPr>
+            <a:r>
+              <a:rPr lang="en-US" altLang="zh-CN" sz="1535" dirty="0">
+                <a:solidFill>
+                  <a:srgbClr val="262626"/>
+                </a:solidFill>
+                <a:sym typeface="+mn-ea"/>
+              </a:rPr>
+              <a:t>update anchor peer 2</a:t>
+            </a:r>
+            <a:endParaRPr lang="en-US" altLang="zh-CN" sz="1540" dirty="0">
+              <a:solidFill>
+                <a:srgbClr val="262626"/>
+              </a:solidFill>
+            </a:endParaRPr>
+          </a:p>
+          <a:p>
+            <a:pPr marL="685800" lvl="1" indent="-228600" defTabSz="342900">
+              <a:lnSpc>
+                <a:spcPct val="120000"/>
+              </a:lnSpc>
+              <a:buFont typeface="Arial" panose="020B0604020202020204" pitchFamily="34" charset="0"/>
+              <a:buChar char="•"/>
+            </a:pPr>
+            <a:endParaRPr lang="en-US" altLang="zh-CN" sz="1540" dirty="0">
+              <a:solidFill>
+                <a:srgbClr val="262626"/>
+              </a:solidFill>
+            </a:endParaRPr>
+          </a:p>
+        </p:txBody>
+      </p:sp>
     </p:spTree>
   </p:cSld>
   <p:clrMapOvr>
@@ -9113,7 +15287,7 @@
                 <a:latin typeface="Calibri" panose="020F0502020204030204" pitchFamily="34" charset="0"/>
                 <a:cs typeface="Calibri" panose="020F0502020204030204" pitchFamily="34" charset="0"/>
               </a:rPr>
-              <a:t>The Infrastructure Component</a:t>
+              <a:t>The Architecture</a:t>
             </a:r>
             <a:endParaRPr lang="en-US" sz="3200" b="1" dirty="0">
               <a:latin typeface="Calibri" panose="020F0502020204030204" pitchFamily="34" charset="0"/>
@@ -9124,27 +15298,24 @@
       </p:sp>
       <p:pic>
         <p:nvPicPr>
-          <p:cNvPr id="8" name="内容占位符 7"/>
+          <p:cNvPr id="4" name="内容占位符 3"/>
           <p:cNvPicPr>
             <a:picLocks noChangeAspect="1"/>
           </p:cNvPicPr>
           <p:nvPr>
             <p:ph idx="1"/>
-            <p:custDataLst>
-              <p:tags r:id="rId1"/>
-            </p:custDataLst>
           </p:nvPr>
         </p:nvPicPr>
         <p:blipFill>
-          <a:blip r:embed="rId2"/>
+          <a:blip r:embed="rId1"/>
           <a:stretch>
             <a:fillRect/>
           </a:stretch>
         </p:blipFill>
         <p:spPr>
           <a:xfrm>
-            <a:off x="0" y="880110"/>
-            <a:ext cx="9144000" cy="5977890"/>
+            <a:off x="0" y="1458595"/>
+            <a:ext cx="9144635" cy="4285615"/>
           </a:xfrm>
           <a:prstGeom prst="rect">
             <a:avLst/>
@@ -9203,8 +15374,9 @@
               <a:rPr lang="en-US" sz="3200" b="1" dirty="0">
                 <a:latin typeface="Calibri" panose="020F0502020204030204" pitchFamily="34" charset="0"/>
                 <a:cs typeface="Calibri" panose="020F0502020204030204" pitchFamily="34" charset="0"/>
-              </a:rPr>
-              <a:t>Conpoment Explaination</a:t>
+                <a:sym typeface="+mn-ea"/>
+              </a:rPr>
+              <a:t>The Architecture</a:t>
             </a:r>
             <a:endParaRPr lang="en-US" sz="3200" b="1" dirty="0">
               <a:latin typeface="Calibri" panose="020F0502020204030204" pitchFamily="34" charset="0"/>
@@ -9231,7 +15403,7 @@
         </p:spPr>
         <p:txBody>
           <a:bodyPr>
-            <a:normAutofit lnSpcReduction="10000"/>
+            <a:noAutofit/>
           </a:bodyPr>
           <a:lstStyle/>
           <a:p>
@@ -9241,148 +15413,145 @@
               </a:lnSpc>
             </a:pPr>
             <a:r>
-              <a:rPr lang="en-US" altLang="en-US" sz="1800" dirty="0">
+              <a:rPr lang="en-US" altLang="en-US" sz="1700" dirty="0">
                 <a:solidFill>
                   <a:srgbClr val="262626"/>
                 </a:solidFill>
               </a:rPr>
-              <a:t>Hyperledger Fabric CA </a:t>
-            </a:r>
-            <a:endParaRPr lang="en-US" altLang="en-US" sz="1800" dirty="0">
+              <a:t>Membership services: This module is essentially a permissioning module and acts as a vehicle to establish a root of trust during network creation, but this is also instrumental in ensuring and managing the identity of members.</a:t>
+            </a:r>
+            <a:endParaRPr lang="en-US" altLang="en-US" sz="1700" dirty="0">
               <a:solidFill>
                 <a:srgbClr val="262626"/>
               </a:solidFill>
             </a:endParaRPr>
           </a:p>
           <a:p>
-            <a:pPr marL="457200" lvl="1" indent="0" defTabSz="342900">
+            <a:pPr defTabSz="342900">
               <a:lnSpc>
                 <a:spcPct val="120000"/>
               </a:lnSpc>
-              <a:buNone/>
             </a:pPr>
             <a:r>
-              <a:rPr lang="en-US" altLang="en-US" sz="1540" dirty="0">
+              <a:rPr lang="en-US" altLang="en-US" sz="1700" dirty="0">
                 <a:solidFill>
                   <a:srgbClr val="262626"/>
                 </a:solidFill>
               </a:rPr>
-              <a:t>is an implementation of membership services but is not required to be used (that is, any X509-based PKI infrastructure that can issue EC certificates can be used) Dedicated orderer nodes Implements atomic broadcast API Orders and batches transactions and signs each batch (block) to create</a:t>
-            </a:r>
-            <a:endParaRPr lang="en-US" altLang="en-US" sz="1540" dirty="0">
+              <a:t>Transactions: A transaction is a request to the blockchain to execute a function on the ledger. The function is implemented by a chaincode. </a:t>
+            </a:r>
+            <a:endParaRPr lang="en-US" altLang="en-US" sz="1700" dirty="0">
               <a:solidFill>
                 <a:srgbClr val="262626"/>
               </a:solidFill>
             </a:endParaRPr>
           </a:p>
           <a:p>
-            <a:pPr marL="228600" lvl="0" indent="-228600" defTabSz="342900">
+            <a:pPr defTabSz="342900">
               <a:lnSpc>
                 <a:spcPct val="120000"/>
               </a:lnSpc>
-              <a:buFont typeface="Arial" panose="020B0604020202020204" pitchFamily="34" charset="0"/>
-              <a:buChar char="•"/>
             </a:pPr>
             <a:r>
-              <a:rPr lang="en-US" altLang="en-US" sz="1800" dirty="0">
+              <a:rPr lang="en-US" altLang="en-US" sz="1700" dirty="0">
                 <a:solidFill>
                   <a:srgbClr val="262626"/>
                 </a:solidFill>
-              </a:rPr>
-              <a:t>Dedicated orderer nodes </a:t>
-            </a:r>
-            <a:endParaRPr lang="en-US" altLang="en-US" sz="1800" dirty="0">
+                <a:sym typeface="+mn-ea"/>
+              </a:rPr>
+              <a:t>Smart contract or chaincode services: Chaincode is an application-level code stored on the ledger as a part of a transaction. </a:t>
+            </a:r>
+            <a:endParaRPr lang="en-US" altLang="en-US" sz="1700" dirty="0">
               <a:solidFill>
                 <a:srgbClr val="262626"/>
               </a:solidFill>
-            </a:endParaRPr>
-          </a:p>
-          <a:p>
-            <a:pPr marL="685800" lvl="1" indent="-228600" defTabSz="342900">
+              <a:sym typeface="+mn-ea"/>
+            </a:endParaRPr>
+          </a:p>
+          <a:p>
+            <a:pPr defTabSz="342900">
               <a:lnSpc>
                 <a:spcPct val="120000"/>
               </a:lnSpc>
-              <a:buFont typeface="Arial" panose="020B0604020202020204" pitchFamily="34" charset="0"/>
-              <a:buChar char="•"/>
             </a:pPr>
             <a:r>
-              <a:rPr lang="en-US" altLang="en-US" sz="1540" dirty="0">
+              <a:rPr lang="en-US" altLang="en-US" sz="1700" dirty="0">
                 <a:solidFill>
                   <a:srgbClr val="262626"/>
                 </a:solidFill>
-              </a:rPr>
-              <a:t>Implements atomic broadcast API </a:t>
-            </a:r>
-            <a:endParaRPr lang="en-US" altLang="en-US" sz="1540" dirty="0">
+                <a:sym typeface="+mn-ea"/>
+              </a:rPr>
+              <a:t>Events: The process of validating peers and chaincodes can produce events on the network that applications may listen for and take actions on. </a:t>
+            </a:r>
+            <a:endParaRPr lang="en-US" altLang="en-US" sz="1700" dirty="0">
               <a:solidFill>
                 <a:srgbClr val="262626"/>
               </a:solidFill>
             </a:endParaRPr>
           </a:p>
           <a:p>
-            <a:pPr marL="685800" lvl="1" indent="-228600" defTabSz="342900">
+            <a:pPr defTabSz="342900">
               <a:lnSpc>
                 <a:spcPct val="120000"/>
               </a:lnSpc>
-              <a:buFont typeface="Arial" panose="020B0604020202020204" pitchFamily="34" charset="0"/>
-              <a:buChar char="•"/>
             </a:pPr>
             <a:r>
-              <a:rPr lang="en-US" altLang="en-US" sz="1540" dirty="0">
+              <a:rPr lang="en-US" altLang="en-US" sz="1700" dirty="0">
                 <a:solidFill>
                   <a:srgbClr val="262626"/>
                 </a:solidFill>
-              </a:rPr>
-              <a:t>Orders and batches transactions and signs each batch (block) to create a hash chain </a:t>
-            </a:r>
-            <a:endParaRPr lang="en-US" altLang="en-US" sz="1540" dirty="0">
+                <a:sym typeface="+mn-ea"/>
+              </a:rPr>
+              <a:t>Consensus:In general, the consensus service enables digitally signed transactions to be proposed and validated by network members.</a:t>
+            </a:r>
+            <a:endParaRPr lang="en-US" altLang="en-US" sz="1700" dirty="0">
               <a:solidFill>
                 <a:srgbClr val="262626"/>
               </a:solidFill>
-            </a:endParaRPr>
-          </a:p>
-          <a:p>
-            <a:pPr marL="685800" lvl="1" indent="-228600" defTabSz="342900">
+              <a:sym typeface="+mn-ea"/>
+            </a:endParaRPr>
+          </a:p>
+          <a:p>
+            <a:pPr defTabSz="342900">
               <a:lnSpc>
                 <a:spcPct val="120000"/>
               </a:lnSpc>
-              <a:buFont typeface="Arial" panose="020B0604020202020204" pitchFamily="34" charset="0"/>
-              <a:buChar char="•"/>
             </a:pPr>
             <a:r>
-              <a:rPr lang="en-US" altLang="en-US" sz="1540" dirty="0">
+              <a:rPr lang="en-US" altLang="en-US" sz="1700" dirty="0">
                 <a:solidFill>
                   <a:srgbClr val="262626"/>
                 </a:solidFill>
-              </a:rPr>
-              <a:t>Hyperledger Fabric provides two implementations—Solo (for dev/test) and a Kafka-based implementation for production/fault tolerance </a:t>
-            </a:r>
-            <a:endParaRPr lang="en-US" altLang="en-US" sz="1540" dirty="0">
+                <a:sym typeface="+mn-ea"/>
+              </a:rPr>
+              <a:t>Ledger:  data store. There are two options: </a:t>
+            </a:r>
+            <a:endParaRPr lang="en-US" altLang="en-US" sz="1700" dirty="0">
               <a:solidFill>
                 <a:srgbClr val="262626"/>
               </a:solidFill>
             </a:endParaRPr>
           </a:p>
           <a:p>
-            <a:pPr marL="685800" lvl="1" indent="-228600" defTabSz="342900">
+            <a:pPr lvl="1" defTabSz="342900">
               <a:lnSpc>
                 <a:spcPct val="120000"/>
               </a:lnSpc>
-              <a:buFont typeface="Arial" panose="020B0604020202020204" pitchFamily="34" charset="0"/>
-              <a:buChar char="•"/>
             </a:pPr>
             <a:r>
-              <a:rPr lang="en-US" altLang="en-US" sz="1540" dirty="0">
+              <a:rPr lang="en-US" altLang="en-US" sz="1700" dirty="0">
                 <a:solidFill>
                   <a:srgbClr val="262626"/>
                 </a:solidFill>
-              </a:rPr>
-              <a:t>The ordering service is pluggable—the implementer needs to only provide an atomic broadcast API based on the gRPC interface definition</a:t>
-            </a:r>
-            <a:endParaRPr lang="en-US" altLang="en-US" sz="1540" dirty="0">
+                <a:sym typeface="+mn-ea"/>
+              </a:rPr>
+              <a:t>Level DB, Couch DB</a:t>
+            </a:r>
+            <a:endParaRPr lang="en-US" altLang="en-US" sz="1700" dirty="0">
               <a:solidFill>
                 <a:srgbClr val="262626"/>
               </a:solidFill>
+              <a:sym typeface="+mn-ea"/>
             </a:endParaRPr>
           </a:p>
           <a:p>
@@ -9394,61 +15563,19 @@
               <a:buChar char="•"/>
             </a:pPr>
             <a:r>
-              <a:rPr lang="en-US" altLang="en-US" sz="1800" dirty="0">
+              <a:rPr lang="en-US" altLang="en-US" sz="1700" dirty="0">
                 <a:solidFill>
                   <a:srgbClr val="262626"/>
                 </a:solidFill>
-              </a:rPr>
-              <a:t>Peers are now responsible for existing smart logic (chaincode) and maintaining the ledger </a:t>
-            </a:r>
-            <a:endParaRPr lang="en-US" altLang="en-US" sz="1800" dirty="0">
+                <a:sym typeface="+mn-ea"/>
+              </a:rPr>
+              <a:t>Client SDK: A client SDK enables the creation of applications that deploy and invoke transactions atop a shared ledger. </a:t>
+            </a:r>
+            <a:endParaRPr lang="en-US" altLang="en-US" sz="1700" dirty="0">
               <a:solidFill>
                 <a:srgbClr val="262626"/>
               </a:solidFill>
-            </a:endParaRPr>
-          </a:p>
-          <a:p>
-            <a:pPr marL="685800" lvl="1" indent="-228600" defTabSz="342900">
-              <a:lnSpc>
-                <a:spcPct val="120000"/>
-              </a:lnSpc>
-              <a:buFont typeface="Arial" panose="020B0604020202020204" pitchFamily="34" charset="0"/>
-              <a:buChar char="•"/>
-            </a:pPr>
-            <a:r>
-              <a:rPr lang="en-US" altLang="en-US" sz="1540" dirty="0">
-                <a:solidFill>
-                  <a:srgbClr val="262626"/>
-                </a:solidFill>
-              </a:rPr>
-              <a:t>Endorsement simulates transactions (that is, it executes them, but does not commit them) </a:t>
-            </a:r>
-            <a:endParaRPr lang="en-US" altLang="en-US" sz="1540" dirty="0">
-              <a:solidFill>
-                <a:srgbClr val="262626"/>
-              </a:solidFill>
-            </a:endParaRPr>
-          </a:p>
-          <a:p>
-            <a:pPr marL="685800" lvl="1" indent="-228600" defTabSz="342900">
-              <a:lnSpc>
-                <a:spcPct val="120000"/>
-              </a:lnSpc>
-              <a:buFont typeface="Arial" panose="020B0604020202020204" pitchFamily="34" charset="0"/>
-              <a:buChar char="•"/>
-            </a:pPr>
-            <a:r>
-              <a:rPr lang="en-US" altLang="en-US" sz="1540" dirty="0">
-                <a:solidFill>
-                  <a:srgbClr val="262626"/>
-                </a:solidFill>
-              </a:rPr>
-              <a:t>Peers receive batches of endorsed transactions from the orderer nodes and then validate and commit transactions (this eliminates non- determinism)</a:t>
-            </a:r>
-            <a:endParaRPr lang="en-US" altLang="en-US" sz="1540" dirty="0">
-              <a:solidFill>
-                <a:srgbClr val="262626"/>
-              </a:solidFill>
+              <a:sym typeface="+mn-ea"/>
             </a:endParaRPr>
           </a:p>
         </p:txBody>
@@ -9505,6 +15632,7 @@
               <a:rPr lang="en-US" sz="3200" b="1" dirty="0">
                 <a:latin typeface="Calibri" panose="020F0502020204030204" pitchFamily="34" charset="0"/>
                 <a:cs typeface="Calibri" panose="020F0502020204030204" pitchFamily="34" charset="0"/>
+                <a:sym typeface="+mn-ea"/>
               </a:rPr>
               <a:t>The Architecture</a:t>
             </a:r>
@@ -9517,24 +15645,27 @@
       </p:sp>
       <p:pic>
         <p:nvPicPr>
-          <p:cNvPr id="4" name="内容占位符 3"/>
+          <p:cNvPr id="8" name="内容占位符 7"/>
           <p:cNvPicPr>
             <a:picLocks noChangeAspect="1"/>
           </p:cNvPicPr>
           <p:nvPr>
             <p:ph idx="1"/>
+            <p:custDataLst>
+              <p:tags r:id="rId1"/>
+            </p:custDataLst>
           </p:nvPr>
         </p:nvPicPr>
         <p:blipFill>
-          <a:blip r:embed="rId1"/>
+          <a:blip r:embed="rId2"/>
           <a:stretch>
             <a:fillRect/>
           </a:stretch>
         </p:blipFill>
         <p:spPr>
           <a:xfrm>
-            <a:off x="0" y="1458595"/>
-            <a:ext cx="9144635" cy="4285615"/>
+            <a:off x="0" y="880110"/>
+            <a:ext cx="9144000" cy="5977890"/>
           </a:xfrm>
           <a:prstGeom prst="rect">
             <a:avLst/>
@@ -9593,6 +15724,7 @@
               <a:rPr lang="en-US" sz="3200" b="1" dirty="0">
                 <a:latin typeface="Calibri" panose="020F0502020204030204" pitchFamily="34" charset="0"/>
                 <a:cs typeface="Calibri" panose="020F0502020204030204" pitchFamily="34" charset="0"/>
+                <a:sym typeface="+mn-ea"/>
               </a:rPr>
               <a:t>Architeture Explanation</a:t>
             </a:r>
@@ -9625,10 +15757,12 @@
           </a:bodyPr>
           <a:lstStyle/>
           <a:p>
-            <a:pPr defTabSz="342900">
+            <a:pPr marL="0" lvl="0" indent="0" defTabSz="342900">
               <a:lnSpc>
                 <a:spcPct val="120000"/>
               </a:lnSpc>
+              <a:buFont typeface="Arial" panose="020B0604020202020204" pitchFamily="34" charset="0"/>
+              <a:buNone/>
             </a:pPr>
             <a:r>
               <a:rPr lang="en-US" altLang="en-US" sz="1800" dirty="0">
@@ -9636,36 +15770,65 @@
                   <a:srgbClr val="262626"/>
                 </a:solidFill>
               </a:rPr>
-              <a:t>Membership services: This module is essentially a permissioning module and acts as a vehicle to establish a root of trust during network creation, but this is also instrumental in ensuring and managing the identity of members. Membership services are essentially a certificate authority as well as utilized elements of the public key infrastructure (PKI) for things such as key distribution, management, and establishing federated trust as the network grows. The membership services module provides a specialized digital certificate authority for issuing certificates to members of the blockchain network, and it leverages cryptographic functions provided by Hyperledger Fabric.</a:t>
-            </a:r>
-            <a:endParaRPr lang="en-US" altLang="en-US" sz="1800" dirty="0">
+              <a:t>Ledgers and Peers and Chain Code</a:t>
+            </a:r>
+            <a:endParaRPr lang="en-US" altLang="en-US" sz="1540" dirty="0">
               <a:solidFill>
                 <a:srgbClr val="262626"/>
               </a:solidFill>
             </a:endParaRPr>
           </a:p>
-          <a:p>
-            <a:pPr defTabSz="342900">
-              <a:lnSpc>
-                <a:spcPct val="120000"/>
-              </a:lnSpc>
-            </a:pPr>
-            <a:r>
-              <a:rPr lang="en-US" altLang="en-US" sz="1800" dirty="0">
-                <a:solidFill>
-                  <a:srgbClr val="262626"/>
-                </a:solidFill>
-              </a:rPr>
-              <a:t>Transactions: A transaction is a request to the blockchain to execute a function on the ledger. The function is implemented by a chaincode. Cryptography ensures integrity of transactions by linking the transaction to previous blocks and ensuring the transactional integrity, if protected, by linking the cryptogram or hash from previously linked blocks. Each channel in Hyperledger Fabric is its own blockchain.</a:t>
-            </a:r>
-            <a:endParaRPr lang="en-US" altLang="en-US" sz="1800" dirty="0">
-              <a:solidFill>
-                <a:srgbClr val="262626"/>
-              </a:solidFill>
-            </a:endParaRPr>
-          </a:p>
         </p:txBody>
       </p:sp>
+      <p:pic>
+        <p:nvPicPr>
+          <p:cNvPr id="4" name="图片 3"/>
+          <p:cNvPicPr>
+            <a:picLocks noChangeAspect="1"/>
+          </p:cNvPicPr>
+          <p:nvPr/>
+        </p:nvPicPr>
+        <p:blipFill>
+          <a:blip r:embed="rId1"/>
+          <a:srcRect l="20526" t="8710" r="28423" b="4258"/>
+          <a:stretch>
+            <a:fillRect/>
+          </a:stretch>
+        </p:blipFill>
+        <p:spPr>
+          <a:xfrm>
+            <a:off x="940435" y="2143760"/>
+            <a:ext cx="2343785" cy="2569845"/>
+          </a:xfrm>
+          <a:prstGeom prst="rect">
+            <a:avLst/>
+          </a:prstGeom>
+        </p:spPr>
+      </p:pic>
+      <p:pic>
+        <p:nvPicPr>
+          <p:cNvPr id="6" name="图片 5"/>
+          <p:cNvPicPr>
+            <a:picLocks noChangeAspect="1"/>
+          </p:cNvPicPr>
+          <p:nvPr/>
+        </p:nvPicPr>
+        <p:blipFill>
+          <a:blip r:embed="rId2"/>
+          <a:stretch>
+            <a:fillRect/>
+          </a:stretch>
+        </p:blipFill>
+        <p:spPr>
+          <a:xfrm>
+            <a:off x="3914775" y="2291080"/>
+            <a:ext cx="5229225" cy="2276475"/>
+          </a:xfrm>
+          <a:prstGeom prst="rect">
+            <a:avLst/>
+          </a:prstGeom>
+        </p:spPr>
+      </p:pic>
     </p:spTree>
   </p:cSld>
   <p:clrMapOvr>
@@ -9677,6 +15840,12 @@
 <file path=ppt/tags/tag1.xml><?xml version="1.0" encoding="utf-8"?>
 <p:tagLst xmlns:p="http://schemas.openxmlformats.org/presentationml/2006/main">
   <p:tag name="KSO_WM_UNIT_PLACING_PICTURE_USER_VIEWPORT" val="{&quot;height&quot;:7050,&quot;width&quot;:14880}"/>
+</p:tagLst>
+</file>
+
+<file path=ppt/tags/tag2.xml><?xml version="1.0" encoding="utf-8"?>
+<p:tagLst xmlns:p="http://schemas.openxmlformats.org/presentationml/2006/main">
+  <p:tag name="KSO_WM_UNIT_PLACING_PICTURE_USER_VIEWPORT" val="{&quot;height&quot;:7335,&quot;width&quot;:9765}"/>
 </p:tagLst>
 </file>
 
